--- a/Exposicion/Collapse_Bootstrap.pptx
+++ b/Exposicion/Collapse_Bootstrap.pptx
@@ -12,14 +12,15 @@
     <p:sldId id="257" r:id="rId6"/>
     <p:sldId id="258" r:id="rId7"/>
     <p:sldId id="259" r:id="rId8"/>
+    <p:sldId id="260" r:id="rId9"/>
   </p:sldIdLst>
   <p:sldSz cy="6858000" cx="12192000"/>
   <p:notesSz cx="6858000" cy="9144000"/>
   <p:embeddedFontLst>
     <p:embeddedFont>
       <p:font typeface="Gill Sans"/>
-      <p:regular r:id="rId9"/>
-      <p:bold r:id="rId10"/>
+      <p:regular r:id="rId10"/>
+      <p:bold r:id="rId11"/>
     </p:embeddedFont>
   </p:embeddedFontLst>
   <p:defaultTextStyle>
@@ -305,13 +306,20 @@
           </a:bodyPr>
           <a:lstStyle>
             <a:lvl1pPr lvl="0" marR="0" rtl="0" algn="l">
-              <a:spcBef>
-                <a:spcPts val="0"/>
-              </a:spcBef>
-              <a:spcAft>
-                <a:spcPts val="0"/>
-              </a:spcAft>
-              <a:buSzPts val="1400"/>
+              <a:lnSpc>
+                <a:spcPct val="100000"/>
+              </a:lnSpc>
+              <a:spcBef>
+                <a:spcPts val="0"/>
+              </a:spcBef>
+              <a:spcAft>
+                <a:spcPts val="0"/>
+              </a:spcAft>
+              <a:buClr>
+                <a:srgbClr val="000000"/>
+              </a:buClr>
+              <a:buSzPts val="1400"/>
+              <a:buFont typeface="Arial"/>
               <a:buNone/>
               <a:defRPr b="0" i="0" sz="1200" u="none" cap="none" strike="noStrike">
                 <a:solidFill>
@@ -324,13 +332,20 @@
               </a:defRPr>
             </a:lvl1pPr>
             <a:lvl2pPr lvl="1" marR="0" rtl="0" algn="l">
-              <a:spcBef>
-                <a:spcPts val="0"/>
-              </a:spcBef>
-              <a:spcAft>
-                <a:spcPts val="0"/>
-              </a:spcAft>
-              <a:buSzPts val="1400"/>
+              <a:lnSpc>
+                <a:spcPct val="100000"/>
+              </a:lnSpc>
+              <a:spcBef>
+                <a:spcPts val="0"/>
+              </a:spcBef>
+              <a:spcAft>
+                <a:spcPts val="0"/>
+              </a:spcAft>
+              <a:buClr>
+                <a:srgbClr val="000000"/>
+              </a:buClr>
+              <a:buSzPts val="1400"/>
+              <a:buFont typeface="Arial"/>
               <a:buNone/>
               <a:defRPr b="0" i="0" sz="1800" u="none" cap="none" strike="noStrike">
                 <a:solidFill>
@@ -343,13 +358,20 @@
               </a:defRPr>
             </a:lvl2pPr>
             <a:lvl3pPr lvl="2" marR="0" rtl="0" algn="l">
-              <a:spcBef>
-                <a:spcPts val="0"/>
-              </a:spcBef>
-              <a:spcAft>
-                <a:spcPts val="0"/>
-              </a:spcAft>
-              <a:buSzPts val="1400"/>
+              <a:lnSpc>
+                <a:spcPct val="100000"/>
+              </a:lnSpc>
+              <a:spcBef>
+                <a:spcPts val="0"/>
+              </a:spcBef>
+              <a:spcAft>
+                <a:spcPts val="0"/>
+              </a:spcAft>
+              <a:buClr>
+                <a:srgbClr val="000000"/>
+              </a:buClr>
+              <a:buSzPts val="1400"/>
+              <a:buFont typeface="Arial"/>
               <a:buNone/>
               <a:defRPr b="0" i="0" sz="1800" u="none" cap="none" strike="noStrike">
                 <a:solidFill>
@@ -362,13 +384,20 @@
               </a:defRPr>
             </a:lvl3pPr>
             <a:lvl4pPr lvl="3" marR="0" rtl="0" algn="l">
-              <a:spcBef>
-                <a:spcPts val="0"/>
-              </a:spcBef>
-              <a:spcAft>
-                <a:spcPts val="0"/>
-              </a:spcAft>
-              <a:buSzPts val="1400"/>
+              <a:lnSpc>
+                <a:spcPct val="100000"/>
+              </a:lnSpc>
+              <a:spcBef>
+                <a:spcPts val="0"/>
+              </a:spcBef>
+              <a:spcAft>
+                <a:spcPts val="0"/>
+              </a:spcAft>
+              <a:buClr>
+                <a:srgbClr val="000000"/>
+              </a:buClr>
+              <a:buSzPts val="1400"/>
+              <a:buFont typeface="Arial"/>
               <a:buNone/>
               <a:defRPr b="0" i="0" sz="1800" u="none" cap="none" strike="noStrike">
                 <a:solidFill>
@@ -381,13 +410,20 @@
               </a:defRPr>
             </a:lvl4pPr>
             <a:lvl5pPr lvl="4" marR="0" rtl="0" algn="l">
-              <a:spcBef>
-                <a:spcPts val="0"/>
-              </a:spcBef>
-              <a:spcAft>
-                <a:spcPts val="0"/>
-              </a:spcAft>
-              <a:buSzPts val="1400"/>
+              <a:lnSpc>
+                <a:spcPct val="100000"/>
+              </a:lnSpc>
+              <a:spcBef>
+                <a:spcPts val="0"/>
+              </a:spcBef>
+              <a:spcAft>
+                <a:spcPts val="0"/>
+              </a:spcAft>
+              <a:buClr>
+                <a:srgbClr val="000000"/>
+              </a:buClr>
+              <a:buSzPts val="1400"/>
+              <a:buFont typeface="Arial"/>
               <a:buNone/>
               <a:defRPr b="0" i="0" sz="1800" u="none" cap="none" strike="noStrike">
                 <a:solidFill>
@@ -400,13 +436,20 @@
               </a:defRPr>
             </a:lvl5pPr>
             <a:lvl6pPr lvl="5" marR="0" rtl="0" algn="l">
-              <a:spcBef>
-                <a:spcPts val="0"/>
-              </a:spcBef>
-              <a:spcAft>
-                <a:spcPts val="0"/>
-              </a:spcAft>
-              <a:buSzPts val="1400"/>
+              <a:lnSpc>
+                <a:spcPct val="100000"/>
+              </a:lnSpc>
+              <a:spcBef>
+                <a:spcPts val="0"/>
+              </a:spcBef>
+              <a:spcAft>
+                <a:spcPts val="0"/>
+              </a:spcAft>
+              <a:buClr>
+                <a:srgbClr val="000000"/>
+              </a:buClr>
+              <a:buSzPts val="1400"/>
+              <a:buFont typeface="Arial"/>
               <a:buNone/>
               <a:defRPr b="0" i="0" sz="1800" u="none" cap="none" strike="noStrike">
                 <a:solidFill>
@@ -419,13 +462,20 @@
               </a:defRPr>
             </a:lvl6pPr>
             <a:lvl7pPr lvl="6" marR="0" rtl="0" algn="l">
-              <a:spcBef>
-                <a:spcPts val="0"/>
-              </a:spcBef>
-              <a:spcAft>
-                <a:spcPts val="0"/>
-              </a:spcAft>
-              <a:buSzPts val="1400"/>
+              <a:lnSpc>
+                <a:spcPct val="100000"/>
+              </a:lnSpc>
+              <a:spcBef>
+                <a:spcPts val="0"/>
+              </a:spcBef>
+              <a:spcAft>
+                <a:spcPts val="0"/>
+              </a:spcAft>
+              <a:buClr>
+                <a:srgbClr val="000000"/>
+              </a:buClr>
+              <a:buSzPts val="1400"/>
+              <a:buFont typeface="Arial"/>
               <a:buNone/>
               <a:defRPr b="0" i="0" sz="1800" u="none" cap="none" strike="noStrike">
                 <a:solidFill>
@@ -438,13 +488,20 @@
               </a:defRPr>
             </a:lvl7pPr>
             <a:lvl8pPr lvl="7" marR="0" rtl="0" algn="l">
-              <a:spcBef>
-                <a:spcPts val="0"/>
-              </a:spcBef>
-              <a:spcAft>
-                <a:spcPts val="0"/>
-              </a:spcAft>
-              <a:buSzPts val="1400"/>
+              <a:lnSpc>
+                <a:spcPct val="100000"/>
+              </a:lnSpc>
+              <a:spcBef>
+                <a:spcPts val="0"/>
+              </a:spcBef>
+              <a:spcAft>
+                <a:spcPts val="0"/>
+              </a:spcAft>
+              <a:buClr>
+                <a:srgbClr val="000000"/>
+              </a:buClr>
+              <a:buSzPts val="1400"/>
+              <a:buFont typeface="Arial"/>
               <a:buNone/>
               <a:defRPr b="0" i="0" sz="1800" u="none" cap="none" strike="noStrike">
                 <a:solidFill>
@@ -457,13 +514,20 @@
               </a:defRPr>
             </a:lvl8pPr>
             <a:lvl9pPr lvl="8" marR="0" rtl="0" algn="l">
-              <a:spcBef>
-                <a:spcPts val="0"/>
-              </a:spcBef>
-              <a:spcAft>
-                <a:spcPts val="0"/>
-              </a:spcAft>
-              <a:buSzPts val="1400"/>
+              <a:lnSpc>
+                <a:spcPct val="100000"/>
+              </a:lnSpc>
+              <a:spcBef>
+                <a:spcPts val="0"/>
+              </a:spcBef>
+              <a:spcAft>
+                <a:spcPts val="0"/>
+              </a:spcAft>
+              <a:buClr>
+                <a:srgbClr val="000000"/>
+              </a:buClr>
+              <a:buSzPts val="1400"/>
+              <a:buFont typeface="Arial"/>
               <a:buNone/>
               <a:defRPr b="0" i="0" sz="1800" u="none" cap="none" strike="noStrike">
                 <a:solidFill>
@@ -506,13 +570,20 @@
           </a:bodyPr>
           <a:lstStyle>
             <a:lvl1pPr lvl="0" marR="0" rtl="0" algn="r">
-              <a:spcBef>
-                <a:spcPts val="0"/>
-              </a:spcBef>
-              <a:spcAft>
-                <a:spcPts val="0"/>
-              </a:spcAft>
-              <a:buSzPts val="1400"/>
+              <a:lnSpc>
+                <a:spcPct val="100000"/>
+              </a:lnSpc>
+              <a:spcBef>
+                <a:spcPts val="0"/>
+              </a:spcBef>
+              <a:spcAft>
+                <a:spcPts val="0"/>
+              </a:spcAft>
+              <a:buClr>
+                <a:srgbClr val="000000"/>
+              </a:buClr>
+              <a:buSzPts val="1400"/>
+              <a:buFont typeface="Arial"/>
               <a:buNone/>
               <a:defRPr b="0" i="0" sz="1200" u="none" cap="none" strike="noStrike">
                 <a:solidFill>
@@ -525,13 +596,20 @@
               </a:defRPr>
             </a:lvl1pPr>
             <a:lvl2pPr lvl="1" marR="0" rtl="0" algn="l">
-              <a:spcBef>
-                <a:spcPts val="0"/>
-              </a:spcBef>
-              <a:spcAft>
-                <a:spcPts val="0"/>
-              </a:spcAft>
-              <a:buSzPts val="1400"/>
+              <a:lnSpc>
+                <a:spcPct val="100000"/>
+              </a:lnSpc>
+              <a:spcBef>
+                <a:spcPts val="0"/>
+              </a:spcBef>
+              <a:spcAft>
+                <a:spcPts val="0"/>
+              </a:spcAft>
+              <a:buClr>
+                <a:srgbClr val="000000"/>
+              </a:buClr>
+              <a:buSzPts val="1400"/>
+              <a:buFont typeface="Arial"/>
               <a:buNone/>
               <a:defRPr b="0" i="0" sz="1800" u="none" cap="none" strike="noStrike">
                 <a:solidFill>
@@ -544,13 +622,20 @@
               </a:defRPr>
             </a:lvl2pPr>
             <a:lvl3pPr lvl="2" marR="0" rtl="0" algn="l">
-              <a:spcBef>
-                <a:spcPts val="0"/>
-              </a:spcBef>
-              <a:spcAft>
-                <a:spcPts val="0"/>
-              </a:spcAft>
-              <a:buSzPts val="1400"/>
+              <a:lnSpc>
+                <a:spcPct val="100000"/>
+              </a:lnSpc>
+              <a:spcBef>
+                <a:spcPts val="0"/>
+              </a:spcBef>
+              <a:spcAft>
+                <a:spcPts val="0"/>
+              </a:spcAft>
+              <a:buClr>
+                <a:srgbClr val="000000"/>
+              </a:buClr>
+              <a:buSzPts val="1400"/>
+              <a:buFont typeface="Arial"/>
               <a:buNone/>
               <a:defRPr b="0" i="0" sz="1800" u="none" cap="none" strike="noStrike">
                 <a:solidFill>
@@ -563,13 +648,20 @@
               </a:defRPr>
             </a:lvl3pPr>
             <a:lvl4pPr lvl="3" marR="0" rtl="0" algn="l">
-              <a:spcBef>
-                <a:spcPts val="0"/>
-              </a:spcBef>
-              <a:spcAft>
-                <a:spcPts val="0"/>
-              </a:spcAft>
-              <a:buSzPts val="1400"/>
+              <a:lnSpc>
+                <a:spcPct val="100000"/>
+              </a:lnSpc>
+              <a:spcBef>
+                <a:spcPts val="0"/>
+              </a:spcBef>
+              <a:spcAft>
+                <a:spcPts val="0"/>
+              </a:spcAft>
+              <a:buClr>
+                <a:srgbClr val="000000"/>
+              </a:buClr>
+              <a:buSzPts val="1400"/>
+              <a:buFont typeface="Arial"/>
               <a:buNone/>
               <a:defRPr b="0" i="0" sz="1800" u="none" cap="none" strike="noStrike">
                 <a:solidFill>
@@ -582,13 +674,20 @@
               </a:defRPr>
             </a:lvl4pPr>
             <a:lvl5pPr lvl="4" marR="0" rtl="0" algn="l">
-              <a:spcBef>
-                <a:spcPts val="0"/>
-              </a:spcBef>
-              <a:spcAft>
-                <a:spcPts val="0"/>
-              </a:spcAft>
-              <a:buSzPts val="1400"/>
+              <a:lnSpc>
+                <a:spcPct val="100000"/>
+              </a:lnSpc>
+              <a:spcBef>
+                <a:spcPts val="0"/>
+              </a:spcBef>
+              <a:spcAft>
+                <a:spcPts val="0"/>
+              </a:spcAft>
+              <a:buClr>
+                <a:srgbClr val="000000"/>
+              </a:buClr>
+              <a:buSzPts val="1400"/>
+              <a:buFont typeface="Arial"/>
               <a:buNone/>
               <a:defRPr b="0" i="0" sz="1800" u="none" cap="none" strike="noStrike">
                 <a:solidFill>
@@ -601,13 +700,20 @@
               </a:defRPr>
             </a:lvl5pPr>
             <a:lvl6pPr lvl="5" marR="0" rtl="0" algn="l">
-              <a:spcBef>
-                <a:spcPts val="0"/>
-              </a:spcBef>
-              <a:spcAft>
-                <a:spcPts val="0"/>
-              </a:spcAft>
-              <a:buSzPts val="1400"/>
+              <a:lnSpc>
+                <a:spcPct val="100000"/>
+              </a:lnSpc>
+              <a:spcBef>
+                <a:spcPts val="0"/>
+              </a:spcBef>
+              <a:spcAft>
+                <a:spcPts val="0"/>
+              </a:spcAft>
+              <a:buClr>
+                <a:srgbClr val="000000"/>
+              </a:buClr>
+              <a:buSzPts val="1400"/>
+              <a:buFont typeface="Arial"/>
               <a:buNone/>
               <a:defRPr b="0" i="0" sz="1800" u="none" cap="none" strike="noStrike">
                 <a:solidFill>
@@ -620,13 +726,20 @@
               </a:defRPr>
             </a:lvl6pPr>
             <a:lvl7pPr lvl="6" marR="0" rtl="0" algn="l">
-              <a:spcBef>
-                <a:spcPts val="0"/>
-              </a:spcBef>
-              <a:spcAft>
-                <a:spcPts val="0"/>
-              </a:spcAft>
-              <a:buSzPts val="1400"/>
+              <a:lnSpc>
+                <a:spcPct val="100000"/>
+              </a:lnSpc>
+              <a:spcBef>
+                <a:spcPts val="0"/>
+              </a:spcBef>
+              <a:spcAft>
+                <a:spcPts val="0"/>
+              </a:spcAft>
+              <a:buClr>
+                <a:srgbClr val="000000"/>
+              </a:buClr>
+              <a:buSzPts val="1400"/>
+              <a:buFont typeface="Arial"/>
               <a:buNone/>
               <a:defRPr b="0" i="0" sz="1800" u="none" cap="none" strike="noStrike">
                 <a:solidFill>
@@ -639,13 +752,20 @@
               </a:defRPr>
             </a:lvl7pPr>
             <a:lvl8pPr lvl="7" marR="0" rtl="0" algn="l">
-              <a:spcBef>
-                <a:spcPts val="0"/>
-              </a:spcBef>
-              <a:spcAft>
-                <a:spcPts val="0"/>
-              </a:spcAft>
-              <a:buSzPts val="1400"/>
+              <a:lnSpc>
+                <a:spcPct val="100000"/>
+              </a:lnSpc>
+              <a:spcBef>
+                <a:spcPts val="0"/>
+              </a:spcBef>
+              <a:spcAft>
+                <a:spcPts val="0"/>
+              </a:spcAft>
+              <a:buClr>
+                <a:srgbClr val="000000"/>
+              </a:buClr>
+              <a:buSzPts val="1400"/>
+              <a:buFont typeface="Arial"/>
               <a:buNone/>
               <a:defRPr b="0" i="0" sz="1800" u="none" cap="none" strike="noStrike">
                 <a:solidFill>
@@ -658,13 +778,20 @@
               </a:defRPr>
             </a:lvl8pPr>
             <a:lvl9pPr lvl="8" marR="0" rtl="0" algn="l">
-              <a:spcBef>
-                <a:spcPts val="0"/>
-              </a:spcBef>
-              <a:spcAft>
-                <a:spcPts val="0"/>
-              </a:spcAft>
-              <a:buSzPts val="1400"/>
+              <a:lnSpc>
+                <a:spcPct val="100000"/>
+              </a:lnSpc>
+              <a:spcBef>
+                <a:spcPts val="0"/>
+              </a:spcBef>
+              <a:spcAft>
+                <a:spcPts val="0"/>
+              </a:spcAft>
+              <a:buClr>
+                <a:srgbClr val="000000"/>
+              </a:buClr>
+              <a:buSzPts val="1400"/>
+              <a:buFont typeface="Arial"/>
               <a:buNone/>
               <a:defRPr b="0" i="0" sz="1800" u="none" cap="none" strike="noStrike">
                 <a:solidFill>
@@ -752,13 +879,20 @@
           </a:bodyPr>
           <a:lstStyle>
             <a:lvl1pPr indent="-228600" lvl="0" marL="457200" marR="0" rtl="0" algn="l">
-              <a:spcBef>
-                <a:spcPts val="0"/>
-              </a:spcBef>
-              <a:spcAft>
-                <a:spcPts val="0"/>
-              </a:spcAft>
-              <a:buSzPts val="1400"/>
+              <a:lnSpc>
+                <a:spcPct val="100000"/>
+              </a:lnSpc>
+              <a:spcBef>
+                <a:spcPts val="0"/>
+              </a:spcBef>
+              <a:spcAft>
+                <a:spcPts val="0"/>
+              </a:spcAft>
+              <a:buClr>
+                <a:srgbClr val="000000"/>
+              </a:buClr>
+              <a:buSzPts val="1400"/>
+              <a:buFont typeface="Arial"/>
               <a:buNone/>
               <a:defRPr b="0" i="0" sz="1200" u="none" cap="none" strike="noStrike">
                 <a:solidFill>
@@ -771,13 +905,20 @@
               </a:defRPr>
             </a:lvl1pPr>
             <a:lvl2pPr indent="-228600" lvl="1" marL="914400" marR="0" rtl="0" algn="l">
-              <a:spcBef>
-                <a:spcPts val="0"/>
-              </a:spcBef>
-              <a:spcAft>
-                <a:spcPts val="0"/>
-              </a:spcAft>
-              <a:buSzPts val="1400"/>
+              <a:lnSpc>
+                <a:spcPct val="100000"/>
+              </a:lnSpc>
+              <a:spcBef>
+                <a:spcPts val="0"/>
+              </a:spcBef>
+              <a:spcAft>
+                <a:spcPts val="0"/>
+              </a:spcAft>
+              <a:buClr>
+                <a:srgbClr val="000000"/>
+              </a:buClr>
+              <a:buSzPts val="1400"/>
+              <a:buFont typeface="Arial"/>
               <a:buNone/>
               <a:defRPr b="0" i="0" sz="1200" u="none" cap="none" strike="noStrike">
                 <a:solidFill>
@@ -790,13 +931,20 @@
               </a:defRPr>
             </a:lvl2pPr>
             <a:lvl3pPr indent="-228600" lvl="2" marL="1371600" marR="0" rtl="0" algn="l">
-              <a:spcBef>
-                <a:spcPts val="0"/>
-              </a:spcBef>
-              <a:spcAft>
-                <a:spcPts val="0"/>
-              </a:spcAft>
-              <a:buSzPts val="1400"/>
+              <a:lnSpc>
+                <a:spcPct val="100000"/>
+              </a:lnSpc>
+              <a:spcBef>
+                <a:spcPts val="0"/>
+              </a:spcBef>
+              <a:spcAft>
+                <a:spcPts val="0"/>
+              </a:spcAft>
+              <a:buClr>
+                <a:srgbClr val="000000"/>
+              </a:buClr>
+              <a:buSzPts val="1400"/>
+              <a:buFont typeface="Arial"/>
               <a:buNone/>
               <a:defRPr b="0" i="0" sz="1200" u="none" cap="none" strike="noStrike">
                 <a:solidFill>
@@ -809,13 +957,20 @@
               </a:defRPr>
             </a:lvl3pPr>
             <a:lvl4pPr indent="-228600" lvl="3" marL="1828800" marR="0" rtl="0" algn="l">
-              <a:spcBef>
-                <a:spcPts val="0"/>
-              </a:spcBef>
-              <a:spcAft>
-                <a:spcPts val="0"/>
-              </a:spcAft>
-              <a:buSzPts val="1400"/>
+              <a:lnSpc>
+                <a:spcPct val="100000"/>
+              </a:lnSpc>
+              <a:spcBef>
+                <a:spcPts val="0"/>
+              </a:spcBef>
+              <a:spcAft>
+                <a:spcPts val="0"/>
+              </a:spcAft>
+              <a:buClr>
+                <a:srgbClr val="000000"/>
+              </a:buClr>
+              <a:buSzPts val="1400"/>
+              <a:buFont typeface="Arial"/>
               <a:buNone/>
               <a:defRPr b="0" i="0" sz="1200" u="none" cap="none" strike="noStrike">
                 <a:solidFill>
@@ -828,13 +983,20 @@
               </a:defRPr>
             </a:lvl4pPr>
             <a:lvl5pPr indent="-228600" lvl="4" marL="2286000" marR="0" rtl="0" algn="l">
-              <a:spcBef>
-                <a:spcPts val="0"/>
-              </a:spcBef>
-              <a:spcAft>
-                <a:spcPts val="0"/>
-              </a:spcAft>
-              <a:buSzPts val="1400"/>
+              <a:lnSpc>
+                <a:spcPct val="100000"/>
+              </a:lnSpc>
+              <a:spcBef>
+                <a:spcPts val="0"/>
+              </a:spcBef>
+              <a:spcAft>
+                <a:spcPts val="0"/>
+              </a:spcAft>
+              <a:buClr>
+                <a:srgbClr val="000000"/>
+              </a:buClr>
+              <a:buSzPts val="1400"/>
+              <a:buFont typeface="Arial"/>
               <a:buNone/>
               <a:defRPr b="0" i="0" sz="1200" u="none" cap="none" strike="noStrike">
                 <a:solidFill>
@@ -847,13 +1009,20 @@
               </a:defRPr>
             </a:lvl5pPr>
             <a:lvl6pPr indent="-228600" lvl="5" marL="2743200" marR="0" rtl="0" algn="l">
-              <a:spcBef>
-                <a:spcPts val="0"/>
-              </a:spcBef>
-              <a:spcAft>
-                <a:spcPts val="0"/>
-              </a:spcAft>
-              <a:buSzPts val="1400"/>
+              <a:lnSpc>
+                <a:spcPct val="100000"/>
+              </a:lnSpc>
+              <a:spcBef>
+                <a:spcPts val="0"/>
+              </a:spcBef>
+              <a:spcAft>
+                <a:spcPts val="0"/>
+              </a:spcAft>
+              <a:buClr>
+                <a:srgbClr val="000000"/>
+              </a:buClr>
+              <a:buSzPts val="1400"/>
+              <a:buFont typeface="Arial"/>
               <a:buNone/>
               <a:defRPr b="0" i="0" sz="1200" u="none" cap="none" strike="noStrike">
                 <a:solidFill>
@@ -866,13 +1035,20 @@
               </a:defRPr>
             </a:lvl6pPr>
             <a:lvl7pPr indent="-228600" lvl="6" marL="3200400" marR="0" rtl="0" algn="l">
-              <a:spcBef>
-                <a:spcPts val="0"/>
-              </a:spcBef>
-              <a:spcAft>
-                <a:spcPts val="0"/>
-              </a:spcAft>
-              <a:buSzPts val="1400"/>
+              <a:lnSpc>
+                <a:spcPct val="100000"/>
+              </a:lnSpc>
+              <a:spcBef>
+                <a:spcPts val="0"/>
+              </a:spcBef>
+              <a:spcAft>
+                <a:spcPts val="0"/>
+              </a:spcAft>
+              <a:buClr>
+                <a:srgbClr val="000000"/>
+              </a:buClr>
+              <a:buSzPts val="1400"/>
+              <a:buFont typeface="Arial"/>
               <a:buNone/>
               <a:defRPr b="0" i="0" sz="1200" u="none" cap="none" strike="noStrike">
                 <a:solidFill>
@@ -885,13 +1061,20 @@
               </a:defRPr>
             </a:lvl7pPr>
             <a:lvl8pPr indent="-228600" lvl="7" marL="3657600" marR="0" rtl="0" algn="l">
-              <a:spcBef>
-                <a:spcPts val="0"/>
-              </a:spcBef>
-              <a:spcAft>
-                <a:spcPts val="0"/>
-              </a:spcAft>
-              <a:buSzPts val="1400"/>
+              <a:lnSpc>
+                <a:spcPct val="100000"/>
+              </a:lnSpc>
+              <a:spcBef>
+                <a:spcPts val="0"/>
+              </a:spcBef>
+              <a:spcAft>
+                <a:spcPts val="0"/>
+              </a:spcAft>
+              <a:buClr>
+                <a:srgbClr val="000000"/>
+              </a:buClr>
+              <a:buSzPts val="1400"/>
+              <a:buFont typeface="Arial"/>
               <a:buNone/>
               <a:defRPr b="0" i="0" sz="1200" u="none" cap="none" strike="noStrike">
                 <a:solidFill>
@@ -904,13 +1087,20 @@
               </a:defRPr>
             </a:lvl8pPr>
             <a:lvl9pPr indent="-228600" lvl="8" marL="4114800" marR="0" rtl="0" algn="l">
-              <a:spcBef>
-                <a:spcPts val="0"/>
-              </a:spcBef>
-              <a:spcAft>
-                <a:spcPts val="0"/>
-              </a:spcAft>
-              <a:buSzPts val="1400"/>
+              <a:lnSpc>
+                <a:spcPct val="100000"/>
+              </a:lnSpc>
+              <a:spcBef>
+                <a:spcPts val="0"/>
+              </a:spcBef>
+              <a:spcAft>
+                <a:spcPts val="0"/>
+              </a:spcAft>
+              <a:buClr>
+                <a:srgbClr val="000000"/>
+              </a:buClr>
+              <a:buSzPts val="1400"/>
+              <a:buFont typeface="Arial"/>
               <a:buNone/>
               <a:defRPr b="0" i="0" sz="1200" u="none" cap="none" strike="noStrike">
                 <a:solidFill>
@@ -953,13 +1143,20 @@
           </a:bodyPr>
           <a:lstStyle>
             <a:lvl1pPr lvl="0" marR="0" rtl="0" algn="l">
-              <a:spcBef>
-                <a:spcPts val="0"/>
-              </a:spcBef>
-              <a:spcAft>
-                <a:spcPts val="0"/>
-              </a:spcAft>
-              <a:buSzPts val="1400"/>
+              <a:lnSpc>
+                <a:spcPct val="100000"/>
+              </a:lnSpc>
+              <a:spcBef>
+                <a:spcPts val="0"/>
+              </a:spcBef>
+              <a:spcAft>
+                <a:spcPts val="0"/>
+              </a:spcAft>
+              <a:buClr>
+                <a:srgbClr val="000000"/>
+              </a:buClr>
+              <a:buSzPts val="1400"/>
+              <a:buFont typeface="Arial"/>
               <a:buNone/>
               <a:defRPr b="0" i="0" sz="1200" u="none" cap="none" strike="noStrike">
                 <a:solidFill>
@@ -972,13 +1169,20 @@
               </a:defRPr>
             </a:lvl1pPr>
             <a:lvl2pPr lvl="1" marR="0" rtl="0" algn="l">
-              <a:spcBef>
-                <a:spcPts val="0"/>
-              </a:spcBef>
-              <a:spcAft>
-                <a:spcPts val="0"/>
-              </a:spcAft>
-              <a:buSzPts val="1400"/>
+              <a:lnSpc>
+                <a:spcPct val="100000"/>
+              </a:lnSpc>
+              <a:spcBef>
+                <a:spcPts val="0"/>
+              </a:spcBef>
+              <a:spcAft>
+                <a:spcPts val="0"/>
+              </a:spcAft>
+              <a:buClr>
+                <a:srgbClr val="000000"/>
+              </a:buClr>
+              <a:buSzPts val="1400"/>
+              <a:buFont typeface="Arial"/>
               <a:buNone/>
               <a:defRPr b="0" i="0" sz="1800" u="none" cap="none" strike="noStrike">
                 <a:solidFill>
@@ -991,13 +1195,20 @@
               </a:defRPr>
             </a:lvl2pPr>
             <a:lvl3pPr lvl="2" marR="0" rtl="0" algn="l">
-              <a:spcBef>
-                <a:spcPts val="0"/>
-              </a:spcBef>
-              <a:spcAft>
-                <a:spcPts val="0"/>
-              </a:spcAft>
-              <a:buSzPts val="1400"/>
+              <a:lnSpc>
+                <a:spcPct val="100000"/>
+              </a:lnSpc>
+              <a:spcBef>
+                <a:spcPts val="0"/>
+              </a:spcBef>
+              <a:spcAft>
+                <a:spcPts val="0"/>
+              </a:spcAft>
+              <a:buClr>
+                <a:srgbClr val="000000"/>
+              </a:buClr>
+              <a:buSzPts val="1400"/>
+              <a:buFont typeface="Arial"/>
               <a:buNone/>
               <a:defRPr b="0" i="0" sz="1800" u="none" cap="none" strike="noStrike">
                 <a:solidFill>
@@ -1010,13 +1221,20 @@
               </a:defRPr>
             </a:lvl3pPr>
             <a:lvl4pPr lvl="3" marR="0" rtl="0" algn="l">
-              <a:spcBef>
-                <a:spcPts val="0"/>
-              </a:spcBef>
-              <a:spcAft>
-                <a:spcPts val="0"/>
-              </a:spcAft>
-              <a:buSzPts val="1400"/>
+              <a:lnSpc>
+                <a:spcPct val="100000"/>
+              </a:lnSpc>
+              <a:spcBef>
+                <a:spcPts val="0"/>
+              </a:spcBef>
+              <a:spcAft>
+                <a:spcPts val="0"/>
+              </a:spcAft>
+              <a:buClr>
+                <a:srgbClr val="000000"/>
+              </a:buClr>
+              <a:buSzPts val="1400"/>
+              <a:buFont typeface="Arial"/>
               <a:buNone/>
               <a:defRPr b="0" i="0" sz="1800" u="none" cap="none" strike="noStrike">
                 <a:solidFill>
@@ -1029,13 +1247,20 @@
               </a:defRPr>
             </a:lvl4pPr>
             <a:lvl5pPr lvl="4" marR="0" rtl="0" algn="l">
-              <a:spcBef>
-                <a:spcPts val="0"/>
-              </a:spcBef>
-              <a:spcAft>
-                <a:spcPts val="0"/>
-              </a:spcAft>
-              <a:buSzPts val="1400"/>
+              <a:lnSpc>
+                <a:spcPct val="100000"/>
+              </a:lnSpc>
+              <a:spcBef>
+                <a:spcPts val="0"/>
+              </a:spcBef>
+              <a:spcAft>
+                <a:spcPts val="0"/>
+              </a:spcAft>
+              <a:buClr>
+                <a:srgbClr val="000000"/>
+              </a:buClr>
+              <a:buSzPts val="1400"/>
+              <a:buFont typeface="Arial"/>
               <a:buNone/>
               <a:defRPr b="0" i="0" sz="1800" u="none" cap="none" strike="noStrike">
                 <a:solidFill>
@@ -1048,13 +1273,20 @@
               </a:defRPr>
             </a:lvl5pPr>
             <a:lvl6pPr lvl="5" marR="0" rtl="0" algn="l">
-              <a:spcBef>
-                <a:spcPts val="0"/>
-              </a:spcBef>
-              <a:spcAft>
-                <a:spcPts val="0"/>
-              </a:spcAft>
-              <a:buSzPts val="1400"/>
+              <a:lnSpc>
+                <a:spcPct val="100000"/>
+              </a:lnSpc>
+              <a:spcBef>
+                <a:spcPts val="0"/>
+              </a:spcBef>
+              <a:spcAft>
+                <a:spcPts val="0"/>
+              </a:spcAft>
+              <a:buClr>
+                <a:srgbClr val="000000"/>
+              </a:buClr>
+              <a:buSzPts val="1400"/>
+              <a:buFont typeface="Arial"/>
               <a:buNone/>
               <a:defRPr b="0" i="0" sz="1800" u="none" cap="none" strike="noStrike">
                 <a:solidFill>
@@ -1067,13 +1299,20 @@
               </a:defRPr>
             </a:lvl6pPr>
             <a:lvl7pPr lvl="6" marR="0" rtl="0" algn="l">
-              <a:spcBef>
-                <a:spcPts val="0"/>
-              </a:spcBef>
-              <a:spcAft>
-                <a:spcPts val="0"/>
-              </a:spcAft>
-              <a:buSzPts val="1400"/>
+              <a:lnSpc>
+                <a:spcPct val="100000"/>
+              </a:lnSpc>
+              <a:spcBef>
+                <a:spcPts val="0"/>
+              </a:spcBef>
+              <a:spcAft>
+                <a:spcPts val="0"/>
+              </a:spcAft>
+              <a:buClr>
+                <a:srgbClr val="000000"/>
+              </a:buClr>
+              <a:buSzPts val="1400"/>
+              <a:buFont typeface="Arial"/>
               <a:buNone/>
               <a:defRPr b="0" i="0" sz="1800" u="none" cap="none" strike="noStrike">
                 <a:solidFill>
@@ -1086,13 +1325,20 @@
               </a:defRPr>
             </a:lvl7pPr>
             <a:lvl8pPr lvl="7" marR="0" rtl="0" algn="l">
-              <a:spcBef>
-                <a:spcPts val="0"/>
-              </a:spcBef>
-              <a:spcAft>
-                <a:spcPts val="0"/>
-              </a:spcAft>
-              <a:buSzPts val="1400"/>
+              <a:lnSpc>
+                <a:spcPct val="100000"/>
+              </a:lnSpc>
+              <a:spcBef>
+                <a:spcPts val="0"/>
+              </a:spcBef>
+              <a:spcAft>
+                <a:spcPts val="0"/>
+              </a:spcAft>
+              <a:buClr>
+                <a:srgbClr val="000000"/>
+              </a:buClr>
+              <a:buSzPts val="1400"/>
+              <a:buFont typeface="Arial"/>
               <a:buNone/>
               <a:defRPr b="0" i="0" sz="1800" u="none" cap="none" strike="noStrike">
                 <a:solidFill>
@@ -1105,13 +1351,20 @@
               </a:defRPr>
             </a:lvl8pPr>
             <a:lvl9pPr lvl="8" marR="0" rtl="0" algn="l">
-              <a:spcBef>
-                <a:spcPts val="0"/>
-              </a:spcBef>
-              <a:spcAft>
-                <a:spcPts val="0"/>
-              </a:spcAft>
-              <a:buSzPts val="1400"/>
+              <a:lnSpc>
+                <a:spcPct val="100000"/>
+              </a:lnSpc>
+              <a:spcBef>
+                <a:spcPts val="0"/>
+              </a:spcBef>
+              <a:spcAft>
+                <a:spcPts val="0"/>
+              </a:spcAft>
+              <a:buClr>
+                <a:srgbClr val="000000"/>
+              </a:buClr>
+              <a:buSzPts val="1400"/>
+              <a:buFont typeface="Arial"/>
               <a:buNone/>
               <a:defRPr b="0" i="0" sz="1800" u="none" cap="none" strike="noStrike">
                 <a:solidFill>
@@ -1155,12 +1408,20 @@
           <a:lstStyle/>
           <a:p>
             <a:pPr indent="0" lvl="0" marL="0" marR="0" rtl="0" algn="r">
-              <a:spcBef>
-                <a:spcPts val="0"/>
-              </a:spcBef>
-              <a:spcAft>
-                <a:spcPts val="0"/>
-              </a:spcAft>
+              <a:lnSpc>
+                <a:spcPct val="100000"/>
+              </a:lnSpc>
+              <a:spcBef>
+                <a:spcPts val="0"/>
+              </a:spcBef>
+              <a:spcAft>
+                <a:spcPts val="0"/>
+              </a:spcAft>
+              <a:buClr>
+                <a:srgbClr val="000000"/>
+              </a:buClr>
+              <a:buSzPts val="1200"/>
+              <a:buFont typeface="Arial"/>
               <a:buNone/>
             </a:pPr>
             <a:fld id="{00000000-1234-1234-1234-123412341234}" type="slidenum">
@@ -1512,12 +1773,16 @@
           <a:lstStyle/>
           <a:p>
             <a:pPr indent="0" lvl="0" marL="0" rtl="0" algn="l">
-              <a:spcBef>
-                <a:spcPts val="0"/>
-              </a:spcBef>
-              <a:spcAft>
-                <a:spcPts val="0"/>
-              </a:spcAft>
+              <a:lnSpc>
+                <a:spcPct val="100000"/>
+              </a:lnSpc>
+              <a:spcBef>
+                <a:spcPts val="0"/>
+              </a:spcBef>
+              <a:spcAft>
+                <a:spcPts val="0"/>
+              </a:spcAft>
+              <a:buSzPts val="1400"/>
               <a:buNone/>
             </a:pPr>
             <a:r>
@@ -1555,12 +1820,16 @@
           <a:lstStyle/>
           <a:p>
             <a:pPr indent="0" lvl="0" marL="0" rtl="0" algn="r">
-              <a:spcBef>
-                <a:spcPts val="0"/>
-              </a:spcBef>
-              <a:spcAft>
-                <a:spcPts val="0"/>
-              </a:spcAft>
+              <a:lnSpc>
+                <a:spcPct val="100000"/>
+              </a:lnSpc>
+              <a:spcBef>
+                <a:spcPts val="0"/>
+              </a:spcBef>
+              <a:spcAft>
+                <a:spcPts val="0"/>
+              </a:spcAft>
+              <a:buSzPts val="1400"/>
               <a:buNone/>
             </a:pPr>
             <a:fld id="{00000000-1234-1234-1234-123412341234}" type="slidenum">
@@ -1612,6 +1881,10 @@
           <a:prstGeom prst="rect">
             <a:avLst/>
           </a:prstGeom>
+          <a:noFill/>
+          <a:ln>
+            <a:noFill/>
+          </a:ln>
         </p:spPr>
         <p:txBody>
           <a:bodyPr anchorCtr="0" anchor="t" bIns="45700" lIns="91425" spcFirstLastPara="1" rIns="91425" wrap="square" tIns="45700">
@@ -1620,12 +1893,16 @@
           <a:lstStyle/>
           <a:p>
             <a:pPr indent="0" lvl="0" marL="0" rtl="0" algn="l">
-              <a:spcBef>
-                <a:spcPts val="0"/>
-              </a:spcBef>
-              <a:spcAft>
-                <a:spcPts val="0"/>
-              </a:spcAft>
+              <a:lnSpc>
+                <a:spcPct val="100000"/>
+              </a:lnSpc>
+              <a:spcBef>
+                <a:spcPts val="0"/>
+              </a:spcBef>
+              <a:spcAft>
+                <a:spcPts val="0"/>
+              </a:spcAft>
+              <a:buSzPts val="1400"/>
               <a:buNone/>
             </a:pPr>
             <a:r>
@@ -1668,6 +1945,16 @@
               </a:path>
             </a:pathLst>
           </a:custGeom>
+          <a:noFill/>
+          <a:ln cap="flat" cmpd="sng" w="12700">
+            <a:solidFill>
+              <a:srgbClr val="000000"/>
+            </a:solidFill>
+            <a:prstDash val="solid"/>
+            <a:round/>
+            <a:headEnd len="sm" w="sm" type="none"/>
+            <a:tailEnd len="sm" w="sm" type="none"/>
+          </a:ln>
         </p:spPr>
       </p:sp>
     </p:spTree>
@@ -1711,6 +1998,10 @@
           <a:prstGeom prst="rect">
             <a:avLst/>
           </a:prstGeom>
+          <a:noFill/>
+          <a:ln>
+            <a:noFill/>
+          </a:ln>
         </p:spPr>
         <p:txBody>
           <a:bodyPr anchorCtr="0" anchor="t" bIns="45700" lIns="91425" spcFirstLastPara="1" rIns="91425" wrap="square" tIns="45700">
@@ -1719,12 +2010,16 @@
           <a:lstStyle/>
           <a:p>
             <a:pPr indent="0" lvl="0" marL="0" rtl="0" algn="l">
-              <a:spcBef>
-                <a:spcPts val="0"/>
-              </a:spcBef>
-              <a:spcAft>
-                <a:spcPts val="0"/>
-              </a:spcAft>
+              <a:lnSpc>
+                <a:spcPct val="100000"/>
+              </a:lnSpc>
+              <a:spcBef>
+                <a:spcPts val="0"/>
+              </a:spcBef>
+              <a:spcAft>
+                <a:spcPts val="0"/>
+              </a:spcAft>
+              <a:buSzPts val="1400"/>
               <a:buNone/>
             </a:pPr>
             <a:r>
@@ -1767,6 +2062,16 @@
               </a:path>
             </a:pathLst>
           </a:custGeom>
+          <a:noFill/>
+          <a:ln cap="flat" cmpd="sng" w="12700">
+            <a:solidFill>
+              <a:srgbClr val="000000"/>
+            </a:solidFill>
+            <a:prstDash val="solid"/>
+            <a:round/>
+            <a:headEnd len="sm" w="sm" type="none"/>
+            <a:tailEnd len="sm" w="sm" type="none"/>
+          </a:ln>
         </p:spPr>
       </p:sp>
     </p:spTree>
@@ -1810,6 +2115,10 @@
           <a:prstGeom prst="rect">
             <a:avLst/>
           </a:prstGeom>
+          <a:noFill/>
+          <a:ln>
+            <a:noFill/>
+          </a:ln>
         </p:spPr>
         <p:txBody>
           <a:bodyPr anchorCtr="0" anchor="t" bIns="45700" lIns="91425" spcFirstLastPara="1" rIns="91425" wrap="square" tIns="45700">
@@ -1818,12 +2127,16 @@
           <a:lstStyle/>
           <a:p>
             <a:pPr indent="0" lvl="0" marL="0" rtl="0" algn="l">
-              <a:spcBef>
-                <a:spcPts val="0"/>
-              </a:spcBef>
-              <a:spcAft>
-                <a:spcPts val="0"/>
-              </a:spcAft>
+              <a:lnSpc>
+                <a:spcPct val="100000"/>
+              </a:lnSpc>
+              <a:spcBef>
+                <a:spcPts val="0"/>
+              </a:spcBef>
+              <a:spcAft>
+                <a:spcPts val="0"/>
+              </a:spcAft>
+              <a:buSzPts val="1400"/>
               <a:buNone/>
             </a:pPr>
             <a:r>
@@ -1866,7 +2179,161 @@
               </a:path>
             </a:pathLst>
           </a:custGeom>
+          <a:noFill/>
+          <a:ln cap="flat" cmpd="sng" w="12700">
+            <a:solidFill>
+              <a:srgbClr val="000000"/>
+            </a:solidFill>
+            <a:prstDash val="solid"/>
+            <a:round/>
+            <a:headEnd len="sm" w="sm" type="none"/>
+            <a:tailEnd len="sm" w="sm" type="none"/>
+          </a:ln>
         </p:spPr>
+      </p:sp>
+    </p:spTree>
+  </p:cSld>
+  <p:clrMapOvr>
+    <a:masterClrMapping/>
+  </p:clrMapOvr>
+</p:notes>
+</file>
+
+<file path=ppt/notesSlides/notesSlide5.xml><?xml version="1.0" encoding="utf-8"?>
+<p:notes xmlns:a="http://schemas.openxmlformats.org/drawingml/2006/main" xmlns:r="http://schemas.openxmlformats.org/officeDocument/2006/relationships" xmlns:mc="http://schemas.openxmlformats.org/markup-compatibility/2006" xmlns:mv="urn:schemas-microsoft-com:mac:vml" xmlns:p="http://schemas.openxmlformats.org/presentationml/2006/main" xmlns:c="http://schemas.openxmlformats.org/drawingml/2006/chart" xmlns:dgm="http://schemas.openxmlformats.org/drawingml/2006/diagram" xmlns:o="urn:schemas-microsoft-com:office:office" xmlns:v="urn:schemas-microsoft-com:vml" xmlns:pvml="urn:schemas-microsoft-com:office:powerpoint" xmlns:com="http://schemas.openxmlformats.org/drawingml/2006/compatibility" xmlns:p14="http://schemas.microsoft.com/office/powerpoint/2010/main" xmlns:p15="http://schemas.microsoft.com/office/powerpoint/2012/main" xmlns:ahyp="http://schemas.microsoft.com/office/drawing/2018/hyperlinkcolor" showMasterPhAnim="0" showMasterSp="0">
+  <p:cSld>
+    <p:spTree>
+      <p:nvGrpSpPr>
+        <p:cNvPr id="126" name="Shape 126"/>
+        <p:cNvGrpSpPr/>
+        <p:nvPr/>
+      </p:nvGrpSpPr>
+      <p:grpSpPr>
+        <a:xfrm>
+          <a:off x="0" y="0"/>
+          <a:ext cx="0" cy="0"/>
+          <a:chOff x="0" y="0"/>
+          <a:chExt cx="0" cy="0"/>
+        </a:xfrm>
+      </p:grpSpPr>
+      <p:sp>
+        <p:nvSpPr>
+          <p:cNvPr id="127" name="Google Shape;127;g10f97f049ff_0_0:notes"/>
+          <p:cNvSpPr/>
+          <p:nvPr>
+            <p:ph idx="2" type="sldImg"/>
+          </p:nvPr>
+        </p:nvSpPr>
+        <p:spPr>
+          <a:xfrm>
+            <a:off x="685800" y="1143000"/>
+            <a:ext cx="5486400" cy="3086100"/>
+          </a:xfrm>
+          <a:custGeom>
+            <a:rect b="b" l="l" r="r" t="t"/>
+            <a:pathLst>
+              <a:path extrusionOk="0" h="120000" w="120000">
+                <a:moveTo>
+                  <a:pt x="0" y="0"/>
+                </a:moveTo>
+                <a:lnTo>
+                  <a:pt x="120000" y="0"/>
+                </a:lnTo>
+                <a:lnTo>
+                  <a:pt x="120000" y="120000"/>
+                </a:lnTo>
+                <a:lnTo>
+                  <a:pt x="0" y="120000"/>
+                </a:lnTo>
+                <a:close/>
+              </a:path>
+            </a:pathLst>
+          </a:custGeom>
+        </p:spPr>
+      </p:sp>
+      <p:sp>
+        <p:nvSpPr>
+          <p:cNvPr id="128" name="Google Shape;128;g10f97f049ff_0_0:notes"/>
+          <p:cNvSpPr txBox="1"/>
+          <p:nvPr>
+            <p:ph idx="1" type="body"/>
+          </p:nvPr>
+        </p:nvSpPr>
+        <p:spPr>
+          <a:xfrm>
+            <a:off x="685800" y="4400550"/>
+            <a:ext cx="5486400" cy="3600600"/>
+          </a:xfrm>
+          <a:prstGeom prst="rect">
+            <a:avLst/>
+          </a:prstGeom>
+        </p:spPr>
+        <p:txBody>
+          <a:bodyPr anchorCtr="0" anchor="t" bIns="45700" lIns="91425" spcFirstLastPara="1" rIns="91425" wrap="square" tIns="45700">
+            <a:noAutofit/>
+          </a:bodyPr>
+          <a:lstStyle/>
+          <a:p>
+            <a:pPr indent="0" lvl="0" marL="0" rtl="0" algn="l">
+              <a:spcBef>
+                <a:spcPts val="0"/>
+              </a:spcBef>
+              <a:spcAft>
+                <a:spcPts val="0"/>
+              </a:spcAft>
+              <a:buNone/>
+            </a:pPr>
+            <a:r>
+              <a:t/>
+            </a:r>
+            <a:endParaRPr/>
+          </a:p>
+        </p:txBody>
+      </p:sp>
+      <p:sp>
+        <p:nvSpPr>
+          <p:cNvPr id="129" name="Google Shape;129;g10f97f049ff_0_0:notes"/>
+          <p:cNvSpPr txBox="1"/>
+          <p:nvPr>
+            <p:ph idx="12" type="sldNum"/>
+          </p:nvPr>
+        </p:nvSpPr>
+        <p:spPr>
+          <a:xfrm>
+            <a:off x="3884613" y="8685213"/>
+            <a:ext cx="2971800" cy="458700"/>
+          </a:xfrm>
+          <a:prstGeom prst="rect">
+            <a:avLst/>
+          </a:prstGeom>
+        </p:spPr>
+        <p:txBody>
+          <a:bodyPr anchorCtr="0" anchor="b" bIns="45700" lIns="91425" spcFirstLastPara="1" rIns="91425" wrap="square" tIns="45700">
+            <a:noAutofit/>
+          </a:bodyPr>
+          <a:lstStyle/>
+          <a:p>
+            <a:pPr indent="0" lvl="0" marL="0" rtl="0" algn="r">
+              <a:spcBef>
+                <a:spcPts val="0"/>
+              </a:spcBef>
+              <a:spcAft>
+                <a:spcPts val="0"/>
+              </a:spcAft>
+              <a:buClr>
+                <a:srgbClr val="000000"/>
+              </a:buClr>
+              <a:buSzPts val="1200"/>
+              <a:buFont typeface="Arial"/>
+              <a:buNone/>
+            </a:pPr>
+            <a:fld id="{00000000-1234-1234-1234-123412341234}" type="slidenum">
+              <a:rPr lang="es-ES"/>
+              <a:t>‹#›</a:t>
+            </a:fld>
+            <a:endParaRPr/>
+          </a:p>
+        </p:txBody>
       </p:sp>
     </p:spTree>
   </p:cSld>
@@ -1937,7 +2404,10 @@
               <a:buNone/>
               <a:defRPr sz="6600"/>
             </a:lvl1pPr>
-            <a:lvl2pPr lvl="1">
+            <a:lvl2pPr lvl="1" algn="l">
+              <a:lnSpc>
+                <a:spcPct val="100000"/>
+              </a:lnSpc>
               <a:spcBef>
                 <a:spcPts val="0"/>
               </a:spcBef>
@@ -1948,7 +2418,10 @@
               <a:buNone/>
               <a:defRPr/>
             </a:lvl2pPr>
-            <a:lvl3pPr lvl="2">
+            <a:lvl3pPr lvl="2" algn="l">
+              <a:lnSpc>
+                <a:spcPct val="100000"/>
+              </a:lnSpc>
               <a:spcBef>
                 <a:spcPts val="0"/>
               </a:spcBef>
@@ -1959,7 +2432,10 @@
               <a:buNone/>
               <a:defRPr/>
             </a:lvl3pPr>
-            <a:lvl4pPr lvl="3">
+            <a:lvl4pPr lvl="3" algn="l">
+              <a:lnSpc>
+                <a:spcPct val="100000"/>
+              </a:lnSpc>
               <a:spcBef>
                 <a:spcPts val="0"/>
               </a:spcBef>
@@ -1970,7 +2446,10 @@
               <a:buNone/>
               <a:defRPr/>
             </a:lvl4pPr>
-            <a:lvl5pPr lvl="4">
+            <a:lvl5pPr lvl="4" algn="l">
+              <a:lnSpc>
+                <a:spcPct val="100000"/>
+              </a:lnSpc>
               <a:spcBef>
                 <a:spcPts val="0"/>
               </a:spcBef>
@@ -1981,7 +2460,10 @@
               <a:buNone/>
               <a:defRPr/>
             </a:lvl5pPr>
-            <a:lvl6pPr lvl="5">
+            <a:lvl6pPr lvl="5" algn="l">
+              <a:lnSpc>
+                <a:spcPct val="100000"/>
+              </a:lnSpc>
               <a:spcBef>
                 <a:spcPts val="0"/>
               </a:spcBef>
@@ -1992,7 +2474,10 @@
               <a:buNone/>
               <a:defRPr/>
             </a:lvl6pPr>
-            <a:lvl7pPr lvl="6">
+            <a:lvl7pPr lvl="6" algn="l">
+              <a:lnSpc>
+                <a:spcPct val="100000"/>
+              </a:lnSpc>
               <a:spcBef>
                 <a:spcPts val="0"/>
               </a:spcBef>
@@ -2003,7 +2488,10 @@
               <a:buNone/>
               <a:defRPr/>
             </a:lvl7pPr>
-            <a:lvl8pPr lvl="7">
+            <a:lvl8pPr lvl="7" algn="l">
+              <a:lnSpc>
+                <a:spcPct val="100000"/>
+              </a:lnSpc>
               <a:spcBef>
                 <a:spcPts val="0"/>
               </a:spcBef>
@@ -2014,7 +2502,10 @@
               <a:buNone/>
               <a:defRPr/>
             </a:lvl8pPr>
-            <a:lvl9pPr lvl="8">
+            <a:lvl9pPr lvl="8" algn="l">
+              <a:lnSpc>
+                <a:spcPct val="100000"/>
+              </a:lnSpc>
               <a:spcBef>
                 <a:spcPts val="0"/>
               </a:spcBef>
@@ -2216,6 +2707,9 @@
           </a:bodyPr>
           <a:lstStyle>
             <a:lvl1pPr lvl="0" algn="r">
+              <a:lnSpc>
+                <a:spcPct val="100000"/>
+              </a:lnSpc>
               <a:spcBef>
                 <a:spcPts val="0"/>
               </a:spcBef>
@@ -2227,6 +2721,9 @@
               <a:defRPr/>
             </a:lvl1pPr>
             <a:lvl2pPr lvl="1" algn="l">
+              <a:lnSpc>
+                <a:spcPct val="100000"/>
+              </a:lnSpc>
               <a:spcBef>
                 <a:spcPts val="0"/>
               </a:spcBef>
@@ -2238,6 +2735,9 @@
               <a:defRPr/>
             </a:lvl2pPr>
             <a:lvl3pPr lvl="2" algn="l">
+              <a:lnSpc>
+                <a:spcPct val="100000"/>
+              </a:lnSpc>
               <a:spcBef>
                 <a:spcPts val="0"/>
               </a:spcBef>
@@ -2249,6 +2749,9 @@
               <a:defRPr/>
             </a:lvl3pPr>
             <a:lvl4pPr lvl="3" algn="l">
+              <a:lnSpc>
+                <a:spcPct val="100000"/>
+              </a:lnSpc>
               <a:spcBef>
                 <a:spcPts val="0"/>
               </a:spcBef>
@@ -2260,6 +2763,9 @@
               <a:defRPr/>
             </a:lvl4pPr>
             <a:lvl5pPr lvl="4" algn="l">
+              <a:lnSpc>
+                <a:spcPct val="100000"/>
+              </a:lnSpc>
               <a:spcBef>
                 <a:spcPts val="0"/>
               </a:spcBef>
@@ -2271,6 +2777,9 @@
               <a:defRPr/>
             </a:lvl5pPr>
             <a:lvl6pPr lvl="5" algn="l">
+              <a:lnSpc>
+                <a:spcPct val="100000"/>
+              </a:lnSpc>
               <a:spcBef>
                 <a:spcPts val="0"/>
               </a:spcBef>
@@ -2282,6 +2791,9 @@
               <a:defRPr/>
             </a:lvl6pPr>
             <a:lvl7pPr lvl="6" algn="l">
+              <a:lnSpc>
+                <a:spcPct val="100000"/>
+              </a:lnSpc>
               <a:spcBef>
                 <a:spcPts val="0"/>
               </a:spcBef>
@@ -2293,6 +2805,9 @@
               <a:defRPr/>
             </a:lvl7pPr>
             <a:lvl8pPr lvl="7" algn="l">
+              <a:lnSpc>
+                <a:spcPct val="100000"/>
+              </a:lnSpc>
               <a:spcBef>
                 <a:spcPts val="0"/>
               </a:spcBef>
@@ -2304,6 +2819,9 @@
               <a:defRPr/>
             </a:lvl8pPr>
             <a:lvl9pPr lvl="8" algn="l">
+              <a:lnSpc>
+                <a:spcPct val="100000"/>
+              </a:lnSpc>
               <a:spcBef>
                 <a:spcPts val="0"/>
               </a:spcBef>
@@ -2345,6 +2863,9 @@
           </a:bodyPr>
           <a:lstStyle>
             <a:lvl1pPr lvl="0" algn="l">
+              <a:lnSpc>
+                <a:spcPct val="100000"/>
+              </a:lnSpc>
               <a:spcBef>
                 <a:spcPts val="0"/>
               </a:spcBef>
@@ -2356,6 +2877,9 @@
               <a:defRPr/>
             </a:lvl1pPr>
             <a:lvl2pPr lvl="1" algn="l">
+              <a:lnSpc>
+                <a:spcPct val="100000"/>
+              </a:lnSpc>
               <a:spcBef>
                 <a:spcPts val="0"/>
               </a:spcBef>
@@ -2367,6 +2891,9 @@
               <a:defRPr/>
             </a:lvl2pPr>
             <a:lvl3pPr lvl="2" algn="l">
+              <a:lnSpc>
+                <a:spcPct val="100000"/>
+              </a:lnSpc>
               <a:spcBef>
                 <a:spcPts val="0"/>
               </a:spcBef>
@@ -2378,6 +2905,9 @@
               <a:defRPr/>
             </a:lvl3pPr>
             <a:lvl4pPr lvl="3" algn="l">
+              <a:lnSpc>
+                <a:spcPct val="100000"/>
+              </a:lnSpc>
               <a:spcBef>
                 <a:spcPts val="0"/>
               </a:spcBef>
@@ -2389,6 +2919,9 @@
               <a:defRPr/>
             </a:lvl4pPr>
             <a:lvl5pPr lvl="4" algn="l">
+              <a:lnSpc>
+                <a:spcPct val="100000"/>
+              </a:lnSpc>
               <a:spcBef>
                 <a:spcPts val="0"/>
               </a:spcBef>
@@ -2400,6 +2933,9 @@
               <a:defRPr/>
             </a:lvl5pPr>
             <a:lvl6pPr lvl="5" algn="l">
+              <a:lnSpc>
+                <a:spcPct val="100000"/>
+              </a:lnSpc>
               <a:spcBef>
                 <a:spcPts val="0"/>
               </a:spcBef>
@@ -2411,6 +2947,9 @@
               <a:defRPr/>
             </a:lvl6pPr>
             <a:lvl7pPr lvl="6" algn="l">
+              <a:lnSpc>
+                <a:spcPct val="100000"/>
+              </a:lnSpc>
               <a:spcBef>
                 <a:spcPts val="0"/>
               </a:spcBef>
@@ -2422,6 +2961,9 @@
               <a:defRPr/>
             </a:lvl7pPr>
             <a:lvl8pPr lvl="7" algn="l">
+              <a:lnSpc>
+                <a:spcPct val="100000"/>
+              </a:lnSpc>
               <a:spcBef>
                 <a:spcPts val="0"/>
               </a:spcBef>
@@ -2433,6 +2975,9 @@
               <a:defRPr/>
             </a:lvl8pPr>
             <a:lvl9pPr lvl="8" algn="l">
+              <a:lnSpc>
+                <a:spcPct val="100000"/>
+              </a:lnSpc>
               <a:spcBef>
                 <a:spcPts val="0"/>
               </a:spcBef>
@@ -2473,68 +3018,239 @@
             <a:noAutofit/>
           </a:bodyPr>
           <a:lstStyle>
-            <a:lvl1pPr indent="0" lvl="0" marL="0" algn="r">
-              <a:spcBef>
-                <a:spcPts val="0"/>
-              </a:spcBef>
-              <a:buNone/>
-              <a:defRPr/>
+            <a:lvl1pPr indent="0" lvl="0" marL="0" marR="0" algn="r">
+              <a:lnSpc>
+                <a:spcPct val="100000"/>
+              </a:lnSpc>
+              <a:spcBef>
+                <a:spcPts val="0"/>
+              </a:spcBef>
+              <a:spcAft>
+                <a:spcPts val="0"/>
+              </a:spcAft>
+              <a:buClr>
+                <a:srgbClr val="000000"/>
+              </a:buClr>
+              <a:buSzPts val="2800"/>
+              <a:buFont typeface="Arial"/>
+              <a:buNone/>
+              <a:defRPr b="0" i="0" sz="2800" u="none" cap="none" strike="noStrike">
+                <a:solidFill>
+                  <a:schemeClr val="accent1"/>
+                </a:solidFill>
+                <a:latin typeface="Gill Sans"/>
+                <a:ea typeface="Gill Sans"/>
+                <a:cs typeface="Gill Sans"/>
+                <a:sym typeface="Gill Sans"/>
+              </a:defRPr>
             </a:lvl1pPr>
-            <a:lvl2pPr indent="0" lvl="1" marL="0" algn="r">
-              <a:spcBef>
-                <a:spcPts val="0"/>
-              </a:spcBef>
-              <a:buNone/>
-              <a:defRPr/>
+            <a:lvl2pPr indent="0" lvl="1" marL="0" marR="0" algn="r">
+              <a:lnSpc>
+                <a:spcPct val="100000"/>
+              </a:lnSpc>
+              <a:spcBef>
+                <a:spcPts val="0"/>
+              </a:spcBef>
+              <a:spcAft>
+                <a:spcPts val="0"/>
+              </a:spcAft>
+              <a:buClr>
+                <a:srgbClr val="000000"/>
+              </a:buClr>
+              <a:buSzPts val="2800"/>
+              <a:buFont typeface="Arial"/>
+              <a:buNone/>
+              <a:defRPr b="0" i="0" sz="2800" u="none" cap="none" strike="noStrike">
+                <a:solidFill>
+                  <a:schemeClr val="accent1"/>
+                </a:solidFill>
+                <a:latin typeface="Gill Sans"/>
+                <a:ea typeface="Gill Sans"/>
+                <a:cs typeface="Gill Sans"/>
+                <a:sym typeface="Gill Sans"/>
+              </a:defRPr>
             </a:lvl2pPr>
-            <a:lvl3pPr indent="0" lvl="2" marL="0" algn="r">
-              <a:spcBef>
-                <a:spcPts val="0"/>
-              </a:spcBef>
-              <a:buNone/>
-              <a:defRPr/>
+            <a:lvl3pPr indent="0" lvl="2" marL="0" marR="0" algn="r">
+              <a:lnSpc>
+                <a:spcPct val="100000"/>
+              </a:lnSpc>
+              <a:spcBef>
+                <a:spcPts val="0"/>
+              </a:spcBef>
+              <a:spcAft>
+                <a:spcPts val="0"/>
+              </a:spcAft>
+              <a:buClr>
+                <a:srgbClr val="000000"/>
+              </a:buClr>
+              <a:buSzPts val="2800"/>
+              <a:buFont typeface="Arial"/>
+              <a:buNone/>
+              <a:defRPr b="0" i="0" sz="2800" u="none" cap="none" strike="noStrike">
+                <a:solidFill>
+                  <a:schemeClr val="accent1"/>
+                </a:solidFill>
+                <a:latin typeface="Gill Sans"/>
+                <a:ea typeface="Gill Sans"/>
+                <a:cs typeface="Gill Sans"/>
+                <a:sym typeface="Gill Sans"/>
+              </a:defRPr>
             </a:lvl3pPr>
-            <a:lvl4pPr indent="0" lvl="3" marL="0" algn="r">
-              <a:spcBef>
-                <a:spcPts val="0"/>
-              </a:spcBef>
-              <a:buNone/>
-              <a:defRPr/>
+            <a:lvl4pPr indent="0" lvl="3" marL="0" marR="0" algn="r">
+              <a:lnSpc>
+                <a:spcPct val="100000"/>
+              </a:lnSpc>
+              <a:spcBef>
+                <a:spcPts val="0"/>
+              </a:spcBef>
+              <a:spcAft>
+                <a:spcPts val="0"/>
+              </a:spcAft>
+              <a:buClr>
+                <a:srgbClr val="000000"/>
+              </a:buClr>
+              <a:buSzPts val="2800"/>
+              <a:buFont typeface="Arial"/>
+              <a:buNone/>
+              <a:defRPr b="0" i="0" sz="2800" u="none" cap="none" strike="noStrike">
+                <a:solidFill>
+                  <a:schemeClr val="accent1"/>
+                </a:solidFill>
+                <a:latin typeface="Gill Sans"/>
+                <a:ea typeface="Gill Sans"/>
+                <a:cs typeface="Gill Sans"/>
+                <a:sym typeface="Gill Sans"/>
+              </a:defRPr>
             </a:lvl4pPr>
-            <a:lvl5pPr indent="0" lvl="4" marL="0" algn="r">
-              <a:spcBef>
-                <a:spcPts val="0"/>
-              </a:spcBef>
-              <a:buNone/>
-              <a:defRPr/>
+            <a:lvl5pPr indent="0" lvl="4" marL="0" marR="0" algn="r">
+              <a:lnSpc>
+                <a:spcPct val="100000"/>
+              </a:lnSpc>
+              <a:spcBef>
+                <a:spcPts val="0"/>
+              </a:spcBef>
+              <a:spcAft>
+                <a:spcPts val="0"/>
+              </a:spcAft>
+              <a:buClr>
+                <a:srgbClr val="000000"/>
+              </a:buClr>
+              <a:buSzPts val="2800"/>
+              <a:buFont typeface="Arial"/>
+              <a:buNone/>
+              <a:defRPr b="0" i="0" sz="2800" u="none" cap="none" strike="noStrike">
+                <a:solidFill>
+                  <a:schemeClr val="accent1"/>
+                </a:solidFill>
+                <a:latin typeface="Gill Sans"/>
+                <a:ea typeface="Gill Sans"/>
+                <a:cs typeface="Gill Sans"/>
+                <a:sym typeface="Gill Sans"/>
+              </a:defRPr>
             </a:lvl5pPr>
-            <a:lvl6pPr indent="0" lvl="5" marL="0" algn="r">
-              <a:spcBef>
-                <a:spcPts val="0"/>
-              </a:spcBef>
-              <a:buNone/>
-              <a:defRPr/>
+            <a:lvl6pPr indent="0" lvl="5" marL="0" marR="0" algn="r">
+              <a:lnSpc>
+                <a:spcPct val="100000"/>
+              </a:lnSpc>
+              <a:spcBef>
+                <a:spcPts val="0"/>
+              </a:spcBef>
+              <a:spcAft>
+                <a:spcPts val="0"/>
+              </a:spcAft>
+              <a:buClr>
+                <a:srgbClr val="000000"/>
+              </a:buClr>
+              <a:buSzPts val="2800"/>
+              <a:buFont typeface="Arial"/>
+              <a:buNone/>
+              <a:defRPr b="0" i="0" sz="2800" u="none" cap="none" strike="noStrike">
+                <a:solidFill>
+                  <a:schemeClr val="accent1"/>
+                </a:solidFill>
+                <a:latin typeface="Gill Sans"/>
+                <a:ea typeface="Gill Sans"/>
+                <a:cs typeface="Gill Sans"/>
+                <a:sym typeface="Gill Sans"/>
+              </a:defRPr>
             </a:lvl6pPr>
-            <a:lvl7pPr indent="0" lvl="6" marL="0" algn="r">
-              <a:spcBef>
-                <a:spcPts val="0"/>
-              </a:spcBef>
-              <a:buNone/>
-              <a:defRPr/>
+            <a:lvl7pPr indent="0" lvl="6" marL="0" marR="0" algn="r">
+              <a:lnSpc>
+                <a:spcPct val="100000"/>
+              </a:lnSpc>
+              <a:spcBef>
+                <a:spcPts val="0"/>
+              </a:spcBef>
+              <a:spcAft>
+                <a:spcPts val="0"/>
+              </a:spcAft>
+              <a:buClr>
+                <a:srgbClr val="000000"/>
+              </a:buClr>
+              <a:buSzPts val="2800"/>
+              <a:buFont typeface="Arial"/>
+              <a:buNone/>
+              <a:defRPr b="0" i="0" sz="2800" u="none" cap="none" strike="noStrike">
+                <a:solidFill>
+                  <a:schemeClr val="accent1"/>
+                </a:solidFill>
+                <a:latin typeface="Gill Sans"/>
+                <a:ea typeface="Gill Sans"/>
+                <a:cs typeface="Gill Sans"/>
+                <a:sym typeface="Gill Sans"/>
+              </a:defRPr>
             </a:lvl7pPr>
-            <a:lvl8pPr indent="0" lvl="7" marL="0" algn="r">
-              <a:spcBef>
-                <a:spcPts val="0"/>
-              </a:spcBef>
-              <a:buNone/>
-              <a:defRPr/>
+            <a:lvl8pPr indent="0" lvl="7" marL="0" marR="0" algn="r">
+              <a:lnSpc>
+                <a:spcPct val="100000"/>
+              </a:lnSpc>
+              <a:spcBef>
+                <a:spcPts val="0"/>
+              </a:spcBef>
+              <a:spcAft>
+                <a:spcPts val="0"/>
+              </a:spcAft>
+              <a:buClr>
+                <a:srgbClr val="000000"/>
+              </a:buClr>
+              <a:buSzPts val="2800"/>
+              <a:buFont typeface="Arial"/>
+              <a:buNone/>
+              <a:defRPr b="0" i="0" sz="2800" u="none" cap="none" strike="noStrike">
+                <a:solidFill>
+                  <a:schemeClr val="accent1"/>
+                </a:solidFill>
+                <a:latin typeface="Gill Sans"/>
+                <a:ea typeface="Gill Sans"/>
+                <a:cs typeface="Gill Sans"/>
+                <a:sym typeface="Gill Sans"/>
+              </a:defRPr>
             </a:lvl8pPr>
-            <a:lvl9pPr indent="0" lvl="8" marL="0" algn="r">
-              <a:spcBef>
-                <a:spcPts val="0"/>
-              </a:spcBef>
-              <a:buNone/>
-              <a:defRPr/>
+            <a:lvl9pPr indent="0" lvl="8" marL="0" marR="0" algn="r">
+              <a:lnSpc>
+                <a:spcPct val="100000"/>
+              </a:lnSpc>
+              <a:spcBef>
+                <a:spcPts val="0"/>
+              </a:spcBef>
+              <a:spcAft>
+                <a:spcPts val="0"/>
+              </a:spcAft>
+              <a:buClr>
+                <a:srgbClr val="000000"/>
+              </a:buClr>
+              <a:buSzPts val="2800"/>
+              <a:buFont typeface="Arial"/>
+              <a:buNone/>
+              <a:defRPr b="0" i="0" sz="2800" u="none" cap="none" strike="noStrike">
+                <a:solidFill>
+                  <a:schemeClr val="accent1"/>
+                </a:solidFill>
+                <a:latin typeface="Gill Sans"/>
+                <a:ea typeface="Gill Sans"/>
+                <a:cs typeface="Gill Sans"/>
+                <a:sym typeface="Gill Sans"/>
+              </a:defRPr>
             </a:lvl9pPr>
           </a:lstStyle>
           <a:p>
@@ -2649,7 +3365,10 @@
               <a:buNone/>
               <a:defRPr/>
             </a:lvl1pPr>
-            <a:lvl2pPr lvl="1">
+            <a:lvl2pPr lvl="1" algn="l">
+              <a:lnSpc>
+                <a:spcPct val="100000"/>
+              </a:lnSpc>
               <a:spcBef>
                 <a:spcPts val="0"/>
               </a:spcBef>
@@ -2660,7 +3379,10 @@
               <a:buNone/>
               <a:defRPr/>
             </a:lvl2pPr>
-            <a:lvl3pPr lvl="2">
+            <a:lvl3pPr lvl="2" algn="l">
+              <a:lnSpc>
+                <a:spcPct val="100000"/>
+              </a:lnSpc>
               <a:spcBef>
                 <a:spcPts val="0"/>
               </a:spcBef>
@@ -2671,7 +3393,10 @@
               <a:buNone/>
               <a:defRPr/>
             </a:lvl3pPr>
-            <a:lvl4pPr lvl="3">
+            <a:lvl4pPr lvl="3" algn="l">
+              <a:lnSpc>
+                <a:spcPct val="100000"/>
+              </a:lnSpc>
               <a:spcBef>
                 <a:spcPts val="0"/>
               </a:spcBef>
@@ -2682,7 +3407,10 @@
               <a:buNone/>
               <a:defRPr/>
             </a:lvl4pPr>
-            <a:lvl5pPr lvl="4">
+            <a:lvl5pPr lvl="4" algn="l">
+              <a:lnSpc>
+                <a:spcPct val="100000"/>
+              </a:lnSpc>
               <a:spcBef>
                 <a:spcPts val="0"/>
               </a:spcBef>
@@ -2693,7 +3421,10 @@
               <a:buNone/>
               <a:defRPr/>
             </a:lvl5pPr>
-            <a:lvl6pPr lvl="5">
+            <a:lvl6pPr lvl="5" algn="l">
+              <a:lnSpc>
+                <a:spcPct val="100000"/>
+              </a:lnSpc>
               <a:spcBef>
                 <a:spcPts val="0"/>
               </a:spcBef>
@@ -2704,7 +3435,10 @@
               <a:buNone/>
               <a:defRPr/>
             </a:lvl6pPr>
-            <a:lvl7pPr lvl="6">
+            <a:lvl7pPr lvl="6" algn="l">
+              <a:lnSpc>
+                <a:spcPct val="100000"/>
+              </a:lnSpc>
               <a:spcBef>
                 <a:spcPts val="0"/>
               </a:spcBef>
@@ -2715,7 +3449,10 @@
               <a:buNone/>
               <a:defRPr/>
             </a:lvl7pPr>
-            <a:lvl8pPr lvl="7">
+            <a:lvl8pPr lvl="7" algn="l">
+              <a:lnSpc>
+                <a:spcPct val="100000"/>
+              </a:lnSpc>
               <a:spcBef>
                 <a:spcPts val="0"/>
               </a:spcBef>
@@ -2726,7 +3463,10 @@
               <a:buNone/>
               <a:defRPr/>
             </a:lvl8pPr>
-            <a:lvl9pPr lvl="8">
+            <a:lvl9pPr lvl="8" algn="l">
+              <a:lnSpc>
+                <a:spcPct val="100000"/>
+              </a:lnSpc>
               <a:spcBef>
                 <a:spcPts val="0"/>
               </a:spcBef>
@@ -2924,6 +3664,9 @@
           </a:bodyPr>
           <a:lstStyle>
             <a:lvl1pPr lvl="0" algn="r">
+              <a:lnSpc>
+                <a:spcPct val="100000"/>
+              </a:lnSpc>
               <a:spcBef>
                 <a:spcPts val="0"/>
               </a:spcBef>
@@ -2935,6 +3678,9 @@
               <a:defRPr/>
             </a:lvl1pPr>
             <a:lvl2pPr lvl="1" algn="l">
+              <a:lnSpc>
+                <a:spcPct val="100000"/>
+              </a:lnSpc>
               <a:spcBef>
                 <a:spcPts val="0"/>
               </a:spcBef>
@@ -2946,6 +3692,9 @@
               <a:defRPr/>
             </a:lvl2pPr>
             <a:lvl3pPr lvl="2" algn="l">
+              <a:lnSpc>
+                <a:spcPct val="100000"/>
+              </a:lnSpc>
               <a:spcBef>
                 <a:spcPts val="0"/>
               </a:spcBef>
@@ -2957,6 +3706,9 @@
               <a:defRPr/>
             </a:lvl3pPr>
             <a:lvl4pPr lvl="3" algn="l">
+              <a:lnSpc>
+                <a:spcPct val="100000"/>
+              </a:lnSpc>
               <a:spcBef>
                 <a:spcPts val="0"/>
               </a:spcBef>
@@ -2968,6 +3720,9 @@
               <a:defRPr/>
             </a:lvl4pPr>
             <a:lvl5pPr lvl="4" algn="l">
+              <a:lnSpc>
+                <a:spcPct val="100000"/>
+              </a:lnSpc>
               <a:spcBef>
                 <a:spcPts val="0"/>
               </a:spcBef>
@@ -2979,6 +3734,9 @@
               <a:defRPr/>
             </a:lvl5pPr>
             <a:lvl6pPr lvl="5" algn="l">
+              <a:lnSpc>
+                <a:spcPct val="100000"/>
+              </a:lnSpc>
               <a:spcBef>
                 <a:spcPts val="0"/>
               </a:spcBef>
@@ -2990,6 +3748,9 @@
               <a:defRPr/>
             </a:lvl6pPr>
             <a:lvl7pPr lvl="6" algn="l">
+              <a:lnSpc>
+                <a:spcPct val="100000"/>
+              </a:lnSpc>
               <a:spcBef>
                 <a:spcPts val="0"/>
               </a:spcBef>
@@ -3001,6 +3762,9 @@
               <a:defRPr/>
             </a:lvl7pPr>
             <a:lvl8pPr lvl="7" algn="l">
+              <a:lnSpc>
+                <a:spcPct val="100000"/>
+              </a:lnSpc>
               <a:spcBef>
                 <a:spcPts val="0"/>
               </a:spcBef>
@@ -3012,6 +3776,9 @@
               <a:defRPr/>
             </a:lvl8pPr>
             <a:lvl9pPr lvl="8" algn="l">
+              <a:lnSpc>
+                <a:spcPct val="100000"/>
+              </a:lnSpc>
               <a:spcBef>
                 <a:spcPts val="0"/>
               </a:spcBef>
@@ -3053,6 +3820,9 @@
           </a:bodyPr>
           <a:lstStyle>
             <a:lvl1pPr lvl="0" algn="l">
+              <a:lnSpc>
+                <a:spcPct val="100000"/>
+              </a:lnSpc>
               <a:spcBef>
                 <a:spcPts val="0"/>
               </a:spcBef>
@@ -3064,6 +3834,9 @@
               <a:defRPr/>
             </a:lvl1pPr>
             <a:lvl2pPr lvl="1" algn="l">
+              <a:lnSpc>
+                <a:spcPct val="100000"/>
+              </a:lnSpc>
               <a:spcBef>
                 <a:spcPts val="0"/>
               </a:spcBef>
@@ -3075,6 +3848,9 @@
               <a:defRPr/>
             </a:lvl2pPr>
             <a:lvl3pPr lvl="2" algn="l">
+              <a:lnSpc>
+                <a:spcPct val="100000"/>
+              </a:lnSpc>
               <a:spcBef>
                 <a:spcPts val="0"/>
               </a:spcBef>
@@ -3086,6 +3862,9 @@
               <a:defRPr/>
             </a:lvl3pPr>
             <a:lvl4pPr lvl="3" algn="l">
+              <a:lnSpc>
+                <a:spcPct val="100000"/>
+              </a:lnSpc>
               <a:spcBef>
                 <a:spcPts val="0"/>
               </a:spcBef>
@@ -3097,6 +3876,9 @@
               <a:defRPr/>
             </a:lvl4pPr>
             <a:lvl5pPr lvl="4" algn="l">
+              <a:lnSpc>
+                <a:spcPct val="100000"/>
+              </a:lnSpc>
               <a:spcBef>
                 <a:spcPts val="0"/>
               </a:spcBef>
@@ -3108,6 +3890,9 @@
               <a:defRPr/>
             </a:lvl5pPr>
             <a:lvl6pPr lvl="5" algn="l">
+              <a:lnSpc>
+                <a:spcPct val="100000"/>
+              </a:lnSpc>
               <a:spcBef>
                 <a:spcPts val="0"/>
               </a:spcBef>
@@ -3119,6 +3904,9 @@
               <a:defRPr/>
             </a:lvl6pPr>
             <a:lvl7pPr lvl="6" algn="l">
+              <a:lnSpc>
+                <a:spcPct val="100000"/>
+              </a:lnSpc>
               <a:spcBef>
                 <a:spcPts val="0"/>
               </a:spcBef>
@@ -3130,6 +3918,9 @@
               <a:defRPr/>
             </a:lvl7pPr>
             <a:lvl8pPr lvl="7" algn="l">
+              <a:lnSpc>
+                <a:spcPct val="100000"/>
+              </a:lnSpc>
               <a:spcBef>
                 <a:spcPts val="0"/>
               </a:spcBef>
@@ -3141,6 +3932,9 @@
               <a:defRPr/>
             </a:lvl8pPr>
             <a:lvl9pPr lvl="8" algn="l">
+              <a:lnSpc>
+                <a:spcPct val="100000"/>
+              </a:lnSpc>
               <a:spcBef>
                 <a:spcPts val="0"/>
               </a:spcBef>
@@ -3181,68 +3975,239 @@
             <a:noAutofit/>
           </a:bodyPr>
           <a:lstStyle>
-            <a:lvl1pPr indent="0" lvl="0" marL="0" algn="r">
-              <a:spcBef>
-                <a:spcPts val="0"/>
-              </a:spcBef>
-              <a:buNone/>
-              <a:defRPr/>
+            <a:lvl1pPr indent="0" lvl="0" marL="0" marR="0" algn="r">
+              <a:lnSpc>
+                <a:spcPct val="100000"/>
+              </a:lnSpc>
+              <a:spcBef>
+                <a:spcPts val="0"/>
+              </a:spcBef>
+              <a:spcAft>
+                <a:spcPts val="0"/>
+              </a:spcAft>
+              <a:buClr>
+                <a:srgbClr val="000000"/>
+              </a:buClr>
+              <a:buSzPts val="2800"/>
+              <a:buFont typeface="Arial"/>
+              <a:buNone/>
+              <a:defRPr b="0" i="0" sz="2800" u="none" cap="none" strike="noStrike">
+                <a:solidFill>
+                  <a:schemeClr val="accent1"/>
+                </a:solidFill>
+                <a:latin typeface="Gill Sans"/>
+                <a:ea typeface="Gill Sans"/>
+                <a:cs typeface="Gill Sans"/>
+                <a:sym typeface="Gill Sans"/>
+              </a:defRPr>
             </a:lvl1pPr>
-            <a:lvl2pPr indent="0" lvl="1" marL="0" algn="r">
-              <a:spcBef>
-                <a:spcPts val="0"/>
-              </a:spcBef>
-              <a:buNone/>
-              <a:defRPr/>
+            <a:lvl2pPr indent="0" lvl="1" marL="0" marR="0" algn="r">
+              <a:lnSpc>
+                <a:spcPct val="100000"/>
+              </a:lnSpc>
+              <a:spcBef>
+                <a:spcPts val="0"/>
+              </a:spcBef>
+              <a:spcAft>
+                <a:spcPts val="0"/>
+              </a:spcAft>
+              <a:buClr>
+                <a:srgbClr val="000000"/>
+              </a:buClr>
+              <a:buSzPts val="2800"/>
+              <a:buFont typeface="Arial"/>
+              <a:buNone/>
+              <a:defRPr b="0" i="0" sz="2800" u="none" cap="none" strike="noStrike">
+                <a:solidFill>
+                  <a:schemeClr val="accent1"/>
+                </a:solidFill>
+                <a:latin typeface="Gill Sans"/>
+                <a:ea typeface="Gill Sans"/>
+                <a:cs typeface="Gill Sans"/>
+                <a:sym typeface="Gill Sans"/>
+              </a:defRPr>
             </a:lvl2pPr>
-            <a:lvl3pPr indent="0" lvl="2" marL="0" algn="r">
-              <a:spcBef>
-                <a:spcPts val="0"/>
-              </a:spcBef>
-              <a:buNone/>
-              <a:defRPr/>
+            <a:lvl3pPr indent="0" lvl="2" marL="0" marR="0" algn="r">
+              <a:lnSpc>
+                <a:spcPct val="100000"/>
+              </a:lnSpc>
+              <a:spcBef>
+                <a:spcPts val="0"/>
+              </a:spcBef>
+              <a:spcAft>
+                <a:spcPts val="0"/>
+              </a:spcAft>
+              <a:buClr>
+                <a:srgbClr val="000000"/>
+              </a:buClr>
+              <a:buSzPts val="2800"/>
+              <a:buFont typeface="Arial"/>
+              <a:buNone/>
+              <a:defRPr b="0" i="0" sz="2800" u="none" cap="none" strike="noStrike">
+                <a:solidFill>
+                  <a:schemeClr val="accent1"/>
+                </a:solidFill>
+                <a:latin typeface="Gill Sans"/>
+                <a:ea typeface="Gill Sans"/>
+                <a:cs typeface="Gill Sans"/>
+                <a:sym typeface="Gill Sans"/>
+              </a:defRPr>
             </a:lvl3pPr>
-            <a:lvl4pPr indent="0" lvl="3" marL="0" algn="r">
-              <a:spcBef>
-                <a:spcPts val="0"/>
-              </a:spcBef>
-              <a:buNone/>
-              <a:defRPr/>
+            <a:lvl4pPr indent="0" lvl="3" marL="0" marR="0" algn="r">
+              <a:lnSpc>
+                <a:spcPct val="100000"/>
+              </a:lnSpc>
+              <a:spcBef>
+                <a:spcPts val="0"/>
+              </a:spcBef>
+              <a:spcAft>
+                <a:spcPts val="0"/>
+              </a:spcAft>
+              <a:buClr>
+                <a:srgbClr val="000000"/>
+              </a:buClr>
+              <a:buSzPts val="2800"/>
+              <a:buFont typeface="Arial"/>
+              <a:buNone/>
+              <a:defRPr b="0" i="0" sz="2800" u="none" cap="none" strike="noStrike">
+                <a:solidFill>
+                  <a:schemeClr val="accent1"/>
+                </a:solidFill>
+                <a:latin typeface="Gill Sans"/>
+                <a:ea typeface="Gill Sans"/>
+                <a:cs typeface="Gill Sans"/>
+                <a:sym typeface="Gill Sans"/>
+              </a:defRPr>
             </a:lvl4pPr>
-            <a:lvl5pPr indent="0" lvl="4" marL="0" algn="r">
-              <a:spcBef>
-                <a:spcPts val="0"/>
-              </a:spcBef>
-              <a:buNone/>
-              <a:defRPr/>
+            <a:lvl5pPr indent="0" lvl="4" marL="0" marR="0" algn="r">
+              <a:lnSpc>
+                <a:spcPct val="100000"/>
+              </a:lnSpc>
+              <a:spcBef>
+                <a:spcPts val="0"/>
+              </a:spcBef>
+              <a:spcAft>
+                <a:spcPts val="0"/>
+              </a:spcAft>
+              <a:buClr>
+                <a:srgbClr val="000000"/>
+              </a:buClr>
+              <a:buSzPts val="2800"/>
+              <a:buFont typeface="Arial"/>
+              <a:buNone/>
+              <a:defRPr b="0" i="0" sz="2800" u="none" cap="none" strike="noStrike">
+                <a:solidFill>
+                  <a:schemeClr val="accent1"/>
+                </a:solidFill>
+                <a:latin typeface="Gill Sans"/>
+                <a:ea typeface="Gill Sans"/>
+                <a:cs typeface="Gill Sans"/>
+                <a:sym typeface="Gill Sans"/>
+              </a:defRPr>
             </a:lvl5pPr>
-            <a:lvl6pPr indent="0" lvl="5" marL="0" algn="r">
-              <a:spcBef>
-                <a:spcPts val="0"/>
-              </a:spcBef>
-              <a:buNone/>
-              <a:defRPr/>
+            <a:lvl6pPr indent="0" lvl="5" marL="0" marR="0" algn="r">
+              <a:lnSpc>
+                <a:spcPct val="100000"/>
+              </a:lnSpc>
+              <a:spcBef>
+                <a:spcPts val="0"/>
+              </a:spcBef>
+              <a:spcAft>
+                <a:spcPts val="0"/>
+              </a:spcAft>
+              <a:buClr>
+                <a:srgbClr val="000000"/>
+              </a:buClr>
+              <a:buSzPts val="2800"/>
+              <a:buFont typeface="Arial"/>
+              <a:buNone/>
+              <a:defRPr b="0" i="0" sz="2800" u="none" cap="none" strike="noStrike">
+                <a:solidFill>
+                  <a:schemeClr val="accent1"/>
+                </a:solidFill>
+                <a:latin typeface="Gill Sans"/>
+                <a:ea typeface="Gill Sans"/>
+                <a:cs typeface="Gill Sans"/>
+                <a:sym typeface="Gill Sans"/>
+              </a:defRPr>
             </a:lvl6pPr>
-            <a:lvl7pPr indent="0" lvl="6" marL="0" algn="r">
-              <a:spcBef>
-                <a:spcPts val="0"/>
-              </a:spcBef>
-              <a:buNone/>
-              <a:defRPr/>
+            <a:lvl7pPr indent="0" lvl="6" marL="0" marR="0" algn="r">
+              <a:lnSpc>
+                <a:spcPct val="100000"/>
+              </a:lnSpc>
+              <a:spcBef>
+                <a:spcPts val="0"/>
+              </a:spcBef>
+              <a:spcAft>
+                <a:spcPts val="0"/>
+              </a:spcAft>
+              <a:buClr>
+                <a:srgbClr val="000000"/>
+              </a:buClr>
+              <a:buSzPts val="2800"/>
+              <a:buFont typeface="Arial"/>
+              <a:buNone/>
+              <a:defRPr b="0" i="0" sz="2800" u="none" cap="none" strike="noStrike">
+                <a:solidFill>
+                  <a:schemeClr val="accent1"/>
+                </a:solidFill>
+                <a:latin typeface="Gill Sans"/>
+                <a:ea typeface="Gill Sans"/>
+                <a:cs typeface="Gill Sans"/>
+                <a:sym typeface="Gill Sans"/>
+              </a:defRPr>
             </a:lvl7pPr>
-            <a:lvl8pPr indent="0" lvl="7" marL="0" algn="r">
-              <a:spcBef>
-                <a:spcPts val="0"/>
-              </a:spcBef>
-              <a:buNone/>
-              <a:defRPr/>
+            <a:lvl8pPr indent="0" lvl="7" marL="0" marR="0" algn="r">
+              <a:lnSpc>
+                <a:spcPct val="100000"/>
+              </a:lnSpc>
+              <a:spcBef>
+                <a:spcPts val="0"/>
+              </a:spcBef>
+              <a:spcAft>
+                <a:spcPts val="0"/>
+              </a:spcAft>
+              <a:buClr>
+                <a:srgbClr val="000000"/>
+              </a:buClr>
+              <a:buSzPts val="2800"/>
+              <a:buFont typeface="Arial"/>
+              <a:buNone/>
+              <a:defRPr b="0" i="0" sz="2800" u="none" cap="none" strike="noStrike">
+                <a:solidFill>
+                  <a:schemeClr val="accent1"/>
+                </a:solidFill>
+                <a:latin typeface="Gill Sans"/>
+                <a:ea typeface="Gill Sans"/>
+                <a:cs typeface="Gill Sans"/>
+                <a:sym typeface="Gill Sans"/>
+              </a:defRPr>
             </a:lvl8pPr>
-            <a:lvl9pPr indent="0" lvl="8" marL="0" algn="r">
-              <a:spcBef>
-                <a:spcPts val="0"/>
-              </a:spcBef>
-              <a:buNone/>
-              <a:defRPr/>
+            <a:lvl9pPr indent="0" lvl="8" marL="0" marR="0" algn="r">
+              <a:lnSpc>
+                <a:spcPct val="100000"/>
+              </a:lnSpc>
+              <a:spcBef>
+                <a:spcPts val="0"/>
+              </a:spcBef>
+              <a:spcAft>
+                <a:spcPts val="0"/>
+              </a:spcAft>
+              <a:buClr>
+                <a:srgbClr val="000000"/>
+              </a:buClr>
+              <a:buSzPts val="2800"/>
+              <a:buFont typeface="Arial"/>
+              <a:buNone/>
+              <a:defRPr b="0" i="0" sz="2800" u="none" cap="none" strike="noStrike">
+                <a:solidFill>
+                  <a:schemeClr val="accent1"/>
+                </a:solidFill>
+                <a:latin typeface="Gill Sans"/>
+                <a:ea typeface="Gill Sans"/>
+                <a:cs typeface="Gill Sans"/>
+                <a:sym typeface="Gill Sans"/>
+              </a:defRPr>
             </a:lvl9pPr>
           </a:lstStyle>
           <a:p>
@@ -3358,7 +4323,10 @@
               <a:buNone/>
               <a:defRPr/>
             </a:lvl1pPr>
-            <a:lvl2pPr lvl="1">
+            <a:lvl2pPr lvl="1" algn="l">
+              <a:lnSpc>
+                <a:spcPct val="100000"/>
+              </a:lnSpc>
               <a:spcBef>
                 <a:spcPts val="0"/>
               </a:spcBef>
@@ -3369,7 +4337,10 @@
               <a:buNone/>
               <a:defRPr/>
             </a:lvl2pPr>
-            <a:lvl3pPr lvl="2">
+            <a:lvl3pPr lvl="2" algn="l">
+              <a:lnSpc>
+                <a:spcPct val="100000"/>
+              </a:lnSpc>
               <a:spcBef>
                 <a:spcPts val="0"/>
               </a:spcBef>
@@ -3380,7 +4351,10 @@
               <a:buNone/>
               <a:defRPr/>
             </a:lvl3pPr>
-            <a:lvl4pPr lvl="3">
+            <a:lvl4pPr lvl="3" algn="l">
+              <a:lnSpc>
+                <a:spcPct val="100000"/>
+              </a:lnSpc>
               <a:spcBef>
                 <a:spcPts val="0"/>
               </a:spcBef>
@@ -3391,7 +4365,10 @@
               <a:buNone/>
               <a:defRPr/>
             </a:lvl4pPr>
-            <a:lvl5pPr lvl="4">
+            <a:lvl5pPr lvl="4" algn="l">
+              <a:lnSpc>
+                <a:spcPct val="100000"/>
+              </a:lnSpc>
               <a:spcBef>
                 <a:spcPts val="0"/>
               </a:spcBef>
@@ -3402,7 +4379,10 @@
               <a:buNone/>
               <a:defRPr/>
             </a:lvl5pPr>
-            <a:lvl6pPr lvl="5">
+            <a:lvl6pPr lvl="5" algn="l">
+              <a:lnSpc>
+                <a:spcPct val="100000"/>
+              </a:lnSpc>
               <a:spcBef>
                 <a:spcPts val="0"/>
               </a:spcBef>
@@ -3413,7 +4393,10 @@
               <a:buNone/>
               <a:defRPr/>
             </a:lvl6pPr>
-            <a:lvl7pPr lvl="6">
+            <a:lvl7pPr lvl="6" algn="l">
+              <a:lnSpc>
+                <a:spcPct val="100000"/>
+              </a:lnSpc>
               <a:spcBef>
                 <a:spcPts val="0"/>
               </a:spcBef>
@@ -3424,7 +4407,10 @@
               <a:buNone/>
               <a:defRPr/>
             </a:lvl7pPr>
-            <a:lvl8pPr lvl="7">
+            <a:lvl8pPr lvl="7" algn="l">
+              <a:lnSpc>
+                <a:spcPct val="100000"/>
+              </a:lnSpc>
               <a:spcBef>
                 <a:spcPts val="0"/>
               </a:spcBef>
@@ -3435,7 +4421,10 @@
               <a:buNone/>
               <a:defRPr/>
             </a:lvl8pPr>
-            <a:lvl9pPr lvl="8">
+            <a:lvl9pPr lvl="8" algn="l">
+              <a:lnSpc>
+                <a:spcPct val="100000"/>
+              </a:lnSpc>
               <a:spcBef>
                 <a:spcPts val="0"/>
               </a:spcBef>
@@ -3633,6 +4622,9 @@
           </a:bodyPr>
           <a:lstStyle>
             <a:lvl1pPr lvl="0" algn="r">
+              <a:lnSpc>
+                <a:spcPct val="100000"/>
+              </a:lnSpc>
               <a:spcBef>
                 <a:spcPts val="0"/>
               </a:spcBef>
@@ -3644,6 +4636,9 @@
               <a:defRPr/>
             </a:lvl1pPr>
             <a:lvl2pPr lvl="1" algn="l">
+              <a:lnSpc>
+                <a:spcPct val="100000"/>
+              </a:lnSpc>
               <a:spcBef>
                 <a:spcPts val="0"/>
               </a:spcBef>
@@ -3655,6 +4650,9 @@
               <a:defRPr/>
             </a:lvl2pPr>
             <a:lvl3pPr lvl="2" algn="l">
+              <a:lnSpc>
+                <a:spcPct val="100000"/>
+              </a:lnSpc>
               <a:spcBef>
                 <a:spcPts val="0"/>
               </a:spcBef>
@@ -3666,6 +4664,9 @@
               <a:defRPr/>
             </a:lvl3pPr>
             <a:lvl4pPr lvl="3" algn="l">
+              <a:lnSpc>
+                <a:spcPct val="100000"/>
+              </a:lnSpc>
               <a:spcBef>
                 <a:spcPts val="0"/>
               </a:spcBef>
@@ -3677,6 +4678,9 @@
               <a:defRPr/>
             </a:lvl4pPr>
             <a:lvl5pPr lvl="4" algn="l">
+              <a:lnSpc>
+                <a:spcPct val="100000"/>
+              </a:lnSpc>
               <a:spcBef>
                 <a:spcPts val="0"/>
               </a:spcBef>
@@ -3688,6 +4692,9 @@
               <a:defRPr/>
             </a:lvl5pPr>
             <a:lvl6pPr lvl="5" algn="l">
+              <a:lnSpc>
+                <a:spcPct val="100000"/>
+              </a:lnSpc>
               <a:spcBef>
                 <a:spcPts val="0"/>
               </a:spcBef>
@@ -3699,6 +4706,9 @@
               <a:defRPr/>
             </a:lvl6pPr>
             <a:lvl7pPr lvl="6" algn="l">
+              <a:lnSpc>
+                <a:spcPct val="100000"/>
+              </a:lnSpc>
               <a:spcBef>
                 <a:spcPts val="0"/>
               </a:spcBef>
@@ -3710,6 +4720,9 @@
               <a:defRPr/>
             </a:lvl7pPr>
             <a:lvl8pPr lvl="7" algn="l">
+              <a:lnSpc>
+                <a:spcPct val="100000"/>
+              </a:lnSpc>
               <a:spcBef>
                 <a:spcPts val="0"/>
               </a:spcBef>
@@ -3721,6 +4734,9 @@
               <a:defRPr/>
             </a:lvl8pPr>
             <a:lvl9pPr lvl="8" algn="l">
+              <a:lnSpc>
+                <a:spcPct val="100000"/>
+              </a:lnSpc>
               <a:spcBef>
                 <a:spcPts val="0"/>
               </a:spcBef>
@@ -3762,6 +4778,9 @@
           </a:bodyPr>
           <a:lstStyle>
             <a:lvl1pPr lvl="0" algn="l">
+              <a:lnSpc>
+                <a:spcPct val="100000"/>
+              </a:lnSpc>
               <a:spcBef>
                 <a:spcPts val="0"/>
               </a:spcBef>
@@ -3773,6 +4792,9 @@
               <a:defRPr/>
             </a:lvl1pPr>
             <a:lvl2pPr lvl="1" algn="l">
+              <a:lnSpc>
+                <a:spcPct val="100000"/>
+              </a:lnSpc>
               <a:spcBef>
                 <a:spcPts val="0"/>
               </a:spcBef>
@@ -3784,6 +4806,9 @@
               <a:defRPr/>
             </a:lvl2pPr>
             <a:lvl3pPr lvl="2" algn="l">
+              <a:lnSpc>
+                <a:spcPct val="100000"/>
+              </a:lnSpc>
               <a:spcBef>
                 <a:spcPts val="0"/>
               </a:spcBef>
@@ -3795,6 +4820,9 @@
               <a:defRPr/>
             </a:lvl3pPr>
             <a:lvl4pPr lvl="3" algn="l">
+              <a:lnSpc>
+                <a:spcPct val="100000"/>
+              </a:lnSpc>
               <a:spcBef>
                 <a:spcPts val="0"/>
               </a:spcBef>
@@ -3806,6 +4834,9 @@
               <a:defRPr/>
             </a:lvl4pPr>
             <a:lvl5pPr lvl="4" algn="l">
+              <a:lnSpc>
+                <a:spcPct val="100000"/>
+              </a:lnSpc>
               <a:spcBef>
                 <a:spcPts val="0"/>
               </a:spcBef>
@@ -3817,6 +4848,9 @@
               <a:defRPr/>
             </a:lvl5pPr>
             <a:lvl6pPr lvl="5" algn="l">
+              <a:lnSpc>
+                <a:spcPct val="100000"/>
+              </a:lnSpc>
               <a:spcBef>
                 <a:spcPts val="0"/>
               </a:spcBef>
@@ -3828,6 +4862,9 @@
               <a:defRPr/>
             </a:lvl6pPr>
             <a:lvl7pPr lvl="6" algn="l">
+              <a:lnSpc>
+                <a:spcPct val="100000"/>
+              </a:lnSpc>
               <a:spcBef>
                 <a:spcPts val="0"/>
               </a:spcBef>
@@ -3839,6 +4876,9 @@
               <a:defRPr/>
             </a:lvl7pPr>
             <a:lvl8pPr lvl="7" algn="l">
+              <a:lnSpc>
+                <a:spcPct val="100000"/>
+              </a:lnSpc>
               <a:spcBef>
                 <a:spcPts val="0"/>
               </a:spcBef>
@@ -3850,6 +4890,9 @@
               <a:defRPr/>
             </a:lvl8pPr>
             <a:lvl9pPr lvl="8" algn="l">
+              <a:lnSpc>
+                <a:spcPct val="100000"/>
+              </a:lnSpc>
               <a:spcBef>
                 <a:spcPts val="0"/>
               </a:spcBef>
@@ -3890,68 +4933,239 @@
             <a:noAutofit/>
           </a:bodyPr>
           <a:lstStyle>
-            <a:lvl1pPr indent="0" lvl="0" marL="0" algn="r">
-              <a:spcBef>
-                <a:spcPts val="0"/>
-              </a:spcBef>
-              <a:buNone/>
-              <a:defRPr/>
+            <a:lvl1pPr indent="0" lvl="0" marL="0" marR="0" algn="r">
+              <a:lnSpc>
+                <a:spcPct val="100000"/>
+              </a:lnSpc>
+              <a:spcBef>
+                <a:spcPts val="0"/>
+              </a:spcBef>
+              <a:spcAft>
+                <a:spcPts val="0"/>
+              </a:spcAft>
+              <a:buClr>
+                <a:srgbClr val="000000"/>
+              </a:buClr>
+              <a:buSzPts val="2800"/>
+              <a:buFont typeface="Arial"/>
+              <a:buNone/>
+              <a:defRPr b="0" i="0" sz="2800" u="none" cap="none" strike="noStrike">
+                <a:solidFill>
+                  <a:schemeClr val="accent1"/>
+                </a:solidFill>
+                <a:latin typeface="Gill Sans"/>
+                <a:ea typeface="Gill Sans"/>
+                <a:cs typeface="Gill Sans"/>
+                <a:sym typeface="Gill Sans"/>
+              </a:defRPr>
             </a:lvl1pPr>
-            <a:lvl2pPr indent="0" lvl="1" marL="0" algn="r">
-              <a:spcBef>
-                <a:spcPts val="0"/>
-              </a:spcBef>
-              <a:buNone/>
-              <a:defRPr/>
+            <a:lvl2pPr indent="0" lvl="1" marL="0" marR="0" algn="r">
+              <a:lnSpc>
+                <a:spcPct val="100000"/>
+              </a:lnSpc>
+              <a:spcBef>
+                <a:spcPts val="0"/>
+              </a:spcBef>
+              <a:spcAft>
+                <a:spcPts val="0"/>
+              </a:spcAft>
+              <a:buClr>
+                <a:srgbClr val="000000"/>
+              </a:buClr>
+              <a:buSzPts val="2800"/>
+              <a:buFont typeface="Arial"/>
+              <a:buNone/>
+              <a:defRPr b="0" i="0" sz="2800" u="none" cap="none" strike="noStrike">
+                <a:solidFill>
+                  <a:schemeClr val="accent1"/>
+                </a:solidFill>
+                <a:latin typeface="Gill Sans"/>
+                <a:ea typeface="Gill Sans"/>
+                <a:cs typeface="Gill Sans"/>
+                <a:sym typeface="Gill Sans"/>
+              </a:defRPr>
             </a:lvl2pPr>
-            <a:lvl3pPr indent="0" lvl="2" marL="0" algn="r">
-              <a:spcBef>
-                <a:spcPts val="0"/>
-              </a:spcBef>
-              <a:buNone/>
-              <a:defRPr/>
+            <a:lvl3pPr indent="0" lvl="2" marL="0" marR="0" algn="r">
+              <a:lnSpc>
+                <a:spcPct val="100000"/>
+              </a:lnSpc>
+              <a:spcBef>
+                <a:spcPts val="0"/>
+              </a:spcBef>
+              <a:spcAft>
+                <a:spcPts val="0"/>
+              </a:spcAft>
+              <a:buClr>
+                <a:srgbClr val="000000"/>
+              </a:buClr>
+              <a:buSzPts val="2800"/>
+              <a:buFont typeface="Arial"/>
+              <a:buNone/>
+              <a:defRPr b="0" i="0" sz="2800" u="none" cap="none" strike="noStrike">
+                <a:solidFill>
+                  <a:schemeClr val="accent1"/>
+                </a:solidFill>
+                <a:latin typeface="Gill Sans"/>
+                <a:ea typeface="Gill Sans"/>
+                <a:cs typeface="Gill Sans"/>
+                <a:sym typeface="Gill Sans"/>
+              </a:defRPr>
             </a:lvl3pPr>
-            <a:lvl4pPr indent="0" lvl="3" marL="0" algn="r">
-              <a:spcBef>
-                <a:spcPts val="0"/>
-              </a:spcBef>
-              <a:buNone/>
-              <a:defRPr/>
+            <a:lvl4pPr indent="0" lvl="3" marL="0" marR="0" algn="r">
+              <a:lnSpc>
+                <a:spcPct val="100000"/>
+              </a:lnSpc>
+              <a:spcBef>
+                <a:spcPts val="0"/>
+              </a:spcBef>
+              <a:spcAft>
+                <a:spcPts val="0"/>
+              </a:spcAft>
+              <a:buClr>
+                <a:srgbClr val="000000"/>
+              </a:buClr>
+              <a:buSzPts val="2800"/>
+              <a:buFont typeface="Arial"/>
+              <a:buNone/>
+              <a:defRPr b="0" i="0" sz="2800" u="none" cap="none" strike="noStrike">
+                <a:solidFill>
+                  <a:schemeClr val="accent1"/>
+                </a:solidFill>
+                <a:latin typeface="Gill Sans"/>
+                <a:ea typeface="Gill Sans"/>
+                <a:cs typeface="Gill Sans"/>
+                <a:sym typeface="Gill Sans"/>
+              </a:defRPr>
             </a:lvl4pPr>
-            <a:lvl5pPr indent="0" lvl="4" marL="0" algn="r">
-              <a:spcBef>
-                <a:spcPts val="0"/>
-              </a:spcBef>
-              <a:buNone/>
-              <a:defRPr/>
+            <a:lvl5pPr indent="0" lvl="4" marL="0" marR="0" algn="r">
+              <a:lnSpc>
+                <a:spcPct val="100000"/>
+              </a:lnSpc>
+              <a:spcBef>
+                <a:spcPts val="0"/>
+              </a:spcBef>
+              <a:spcAft>
+                <a:spcPts val="0"/>
+              </a:spcAft>
+              <a:buClr>
+                <a:srgbClr val="000000"/>
+              </a:buClr>
+              <a:buSzPts val="2800"/>
+              <a:buFont typeface="Arial"/>
+              <a:buNone/>
+              <a:defRPr b="0" i="0" sz="2800" u="none" cap="none" strike="noStrike">
+                <a:solidFill>
+                  <a:schemeClr val="accent1"/>
+                </a:solidFill>
+                <a:latin typeface="Gill Sans"/>
+                <a:ea typeface="Gill Sans"/>
+                <a:cs typeface="Gill Sans"/>
+                <a:sym typeface="Gill Sans"/>
+              </a:defRPr>
             </a:lvl5pPr>
-            <a:lvl6pPr indent="0" lvl="5" marL="0" algn="r">
-              <a:spcBef>
-                <a:spcPts val="0"/>
-              </a:spcBef>
-              <a:buNone/>
-              <a:defRPr/>
+            <a:lvl6pPr indent="0" lvl="5" marL="0" marR="0" algn="r">
+              <a:lnSpc>
+                <a:spcPct val="100000"/>
+              </a:lnSpc>
+              <a:spcBef>
+                <a:spcPts val="0"/>
+              </a:spcBef>
+              <a:spcAft>
+                <a:spcPts val="0"/>
+              </a:spcAft>
+              <a:buClr>
+                <a:srgbClr val="000000"/>
+              </a:buClr>
+              <a:buSzPts val="2800"/>
+              <a:buFont typeface="Arial"/>
+              <a:buNone/>
+              <a:defRPr b="0" i="0" sz="2800" u="none" cap="none" strike="noStrike">
+                <a:solidFill>
+                  <a:schemeClr val="accent1"/>
+                </a:solidFill>
+                <a:latin typeface="Gill Sans"/>
+                <a:ea typeface="Gill Sans"/>
+                <a:cs typeface="Gill Sans"/>
+                <a:sym typeface="Gill Sans"/>
+              </a:defRPr>
             </a:lvl6pPr>
-            <a:lvl7pPr indent="0" lvl="6" marL="0" algn="r">
-              <a:spcBef>
-                <a:spcPts val="0"/>
-              </a:spcBef>
-              <a:buNone/>
-              <a:defRPr/>
+            <a:lvl7pPr indent="0" lvl="6" marL="0" marR="0" algn="r">
+              <a:lnSpc>
+                <a:spcPct val="100000"/>
+              </a:lnSpc>
+              <a:spcBef>
+                <a:spcPts val="0"/>
+              </a:spcBef>
+              <a:spcAft>
+                <a:spcPts val="0"/>
+              </a:spcAft>
+              <a:buClr>
+                <a:srgbClr val="000000"/>
+              </a:buClr>
+              <a:buSzPts val="2800"/>
+              <a:buFont typeface="Arial"/>
+              <a:buNone/>
+              <a:defRPr b="0" i="0" sz="2800" u="none" cap="none" strike="noStrike">
+                <a:solidFill>
+                  <a:schemeClr val="accent1"/>
+                </a:solidFill>
+                <a:latin typeface="Gill Sans"/>
+                <a:ea typeface="Gill Sans"/>
+                <a:cs typeface="Gill Sans"/>
+                <a:sym typeface="Gill Sans"/>
+              </a:defRPr>
             </a:lvl7pPr>
-            <a:lvl8pPr indent="0" lvl="7" marL="0" algn="r">
-              <a:spcBef>
-                <a:spcPts val="0"/>
-              </a:spcBef>
-              <a:buNone/>
-              <a:defRPr/>
+            <a:lvl8pPr indent="0" lvl="7" marL="0" marR="0" algn="r">
+              <a:lnSpc>
+                <a:spcPct val="100000"/>
+              </a:lnSpc>
+              <a:spcBef>
+                <a:spcPts val="0"/>
+              </a:spcBef>
+              <a:spcAft>
+                <a:spcPts val="0"/>
+              </a:spcAft>
+              <a:buClr>
+                <a:srgbClr val="000000"/>
+              </a:buClr>
+              <a:buSzPts val="2800"/>
+              <a:buFont typeface="Arial"/>
+              <a:buNone/>
+              <a:defRPr b="0" i="0" sz="2800" u="none" cap="none" strike="noStrike">
+                <a:solidFill>
+                  <a:schemeClr val="accent1"/>
+                </a:solidFill>
+                <a:latin typeface="Gill Sans"/>
+                <a:ea typeface="Gill Sans"/>
+                <a:cs typeface="Gill Sans"/>
+                <a:sym typeface="Gill Sans"/>
+              </a:defRPr>
             </a:lvl8pPr>
-            <a:lvl9pPr indent="0" lvl="8" marL="0" algn="r">
-              <a:spcBef>
-                <a:spcPts val="0"/>
-              </a:spcBef>
-              <a:buNone/>
-              <a:defRPr/>
+            <a:lvl9pPr indent="0" lvl="8" marL="0" marR="0" algn="r">
+              <a:lnSpc>
+                <a:spcPct val="100000"/>
+              </a:lnSpc>
+              <a:spcBef>
+                <a:spcPts val="0"/>
+              </a:spcBef>
+              <a:spcAft>
+                <a:spcPts val="0"/>
+              </a:spcAft>
+              <a:buClr>
+                <a:srgbClr val="000000"/>
+              </a:buClr>
+              <a:buSzPts val="2800"/>
+              <a:buFont typeface="Arial"/>
+              <a:buNone/>
+              <a:defRPr b="0" i="0" sz="2800" u="none" cap="none" strike="noStrike">
+                <a:solidFill>
+                  <a:schemeClr val="accent1"/>
+                </a:solidFill>
+                <a:latin typeface="Gill Sans"/>
+                <a:ea typeface="Gill Sans"/>
+                <a:cs typeface="Gill Sans"/>
+                <a:sym typeface="Gill Sans"/>
+              </a:defRPr>
             </a:lvl9pPr>
           </a:lstStyle>
           <a:p>
@@ -4066,7 +5280,10 @@
               <a:buNone/>
               <a:defRPr/>
             </a:lvl1pPr>
-            <a:lvl2pPr lvl="1">
+            <a:lvl2pPr lvl="1" algn="l">
+              <a:lnSpc>
+                <a:spcPct val="100000"/>
+              </a:lnSpc>
               <a:spcBef>
                 <a:spcPts val="0"/>
               </a:spcBef>
@@ -4077,7 +5294,10 @@
               <a:buNone/>
               <a:defRPr/>
             </a:lvl2pPr>
-            <a:lvl3pPr lvl="2">
+            <a:lvl3pPr lvl="2" algn="l">
+              <a:lnSpc>
+                <a:spcPct val="100000"/>
+              </a:lnSpc>
               <a:spcBef>
                 <a:spcPts val="0"/>
               </a:spcBef>
@@ -4088,7 +5308,10 @@
               <a:buNone/>
               <a:defRPr/>
             </a:lvl3pPr>
-            <a:lvl4pPr lvl="3">
+            <a:lvl4pPr lvl="3" algn="l">
+              <a:lnSpc>
+                <a:spcPct val="100000"/>
+              </a:lnSpc>
               <a:spcBef>
                 <a:spcPts val="0"/>
               </a:spcBef>
@@ -4099,7 +5322,10 @@
               <a:buNone/>
               <a:defRPr/>
             </a:lvl4pPr>
-            <a:lvl5pPr lvl="4">
+            <a:lvl5pPr lvl="4" algn="l">
+              <a:lnSpc>
+                <a:spcPct val="100000"/>
+              </a:lnSpc>
               <a:spcBef>
                 <a:spcPts val="0"/>
               </a:spcBef>
@@ -4110,7 +5336,10 @@
               <a:buNone/>
               <a:defRPr/>
             </a:lvl5pPr>
-            <a:lvl6pPr lvl="5">
+            <a:lvl6pPr lvl="5" algn="l">
+              <a:lnSpc>
+                <a:spcPct val="100000"/>
+              </a:lnSpc>
               <a:spcBef>
                 <a:spcPts val="0"/>
               </a:spcBef>
@@ -4121,7 +5350,10 @@
               <a:buNone/>
               <a:defRPr/>
             </a:lvl6pPr>
-            <a:lvl7pPr lvl="6">
+            <a:lvl7pPr lvl="6" algn="l">
+              <a:lnSpc>
+                <a:spcPct val="100000"/>
+              </a:lnSpc>
               <a:spcBef>
                 <a:spcPts val="0"/>
               </a:spcBef>
@@ -4132,7 +5364,10 @@
               <a:buNone/>
               <a:defRPr/>
             </a:lvl7pPr>
-            <a:lvl8pPr lvl="7">
+            <a:lvl8pPr lvl="7" algn="l">
+              <a:lnSpc>
+                <a:spcPct val="100000"/>
+              </a:lnSpc>
               <a:spcBef>
                 <a:spcPts val="0"/>
               </a:spcBef>
@@ -4143,7 +5378,10 @@
               <a:buNone/>
               <a:defRPr/>
             </a:lvl8pPr>
-            <a:lvl9pPr lvl="8">
+            <a:lvl9pPr lvl="8" algn="l">
+              <a:lnSpc>
+                <a:spcPct val="100000"/>
+              </a:lnSpc>
               <a:spcBef>
                 <a:spcPts val="0"/>
               </a:spcBef>
@@ -4341,6 +5579,9 @@
           </a:bodyPr>
           <a:lstStyle>
             <a:lvl1pPr lvl="0" algn="r">
+              <a:lnSpc>
+                <a:spcPct val="100000"/>
+              </a:lnSpc>
               <a:spcBef>
                 <a:spcPts val="0"/>
               </a:spcBef>
@@ -4352,6 +5593,9 @@
               <a:defRPr/>
             </a:lvl1pPr>
             <a:lvl2pPr lvl="1" algn="l">
+              <a:lnSpc>
+                <a:spcPct val="100000"/>
+              </a:lnSpc>
               <a:spcBef>
                 <a:spcPts val="0"/>
               </a:spcBef>
@@ -4363,6 +5607,9 @@
               <a:defRPr/>
             </a:lvl2pPr>
             <a:lvl3pPr lvl="2" algn="l">
+              <a:lnSpc>
+                <a:spcPct val="100000"/>
+              </a:lnSpc>
               <a:spcBef>
                 <a:spcPts val="0"/>
               </a:spcBef>
@@ -4374,6 +5621,9 @@
               <a:defRPr/>
             </a:lvl3pPr>
             <a:lvl4pPr lvl="3" algn="l">
+              <a:lnSpc>
+                <a:spcPct val="100000"/>
+              </a:lnSpc>
               <a:spcBef>
                 <a:spcPts val="0"/>
               </a:spcBef>
@@ -4385,6 +5635,9 @@
               <a:defRPr/>
             </a:lvl4pPr>
             <a:lvl5pPr lvl="4" algn="l">
+              <a:lnSpc>
+                <a:spcPct val="100000"/>
+              </a:lnSpc>
               <a:spcBef>
                 <a:spcPts val="0"/>
               </a:spcBef>
@@ -4396,6 +5649,9 @@
               <a:defRPr/>
             </a:lvl5pPr>
             <a:lvl6pPr lvl="5" algn="l">
+              <a:lnSpc>
+                <a:spcPct val="100000"/>
+              </a:lnSpc>
               <a:spcBef>
                 <a:spcPts val="0"/>
               </a:spcBef>
@@ -4407,6 +5663,9 @@
               <a:defRPr/>
             </a:lvl6pPr>
             <a:lvl7pPr lvl="6" algn="l">
+              <a:lnSpc>
+                <a:spcPct val="100000"/>
+              </a:lnSpc>
               <a:spcBef>
                 <a:spcPts val="0"/>
               </a:spcBef>
@@ -4418,6 +5677,9 @@
               <a:defRPr/>
             </a:lvl7pPr>
             <a:lvl8pPr lvl="7" algn="l">
+              <a:lnSpc>
+                <a:spcPct val="100000"/>
+              </a:lnSpc>
               <a:spcBef>
                 <a:spcPts val="0"/>
               </a:spcBef>
@@ -4429,6 +5691,9 @@
               <a:defRPr/>
             </a:lvl8pPr>
             <a:lvl9pPr lvl="8" algn="l">
+              <a:lnSpc>
+                <a:spcPct val="100000"/>
+              </a:lnSpc>
               <a:spcBef>
                 <a:spcPts val="0"/>
               </a:spcBef>
@@ -4470,6 +5735,9 @@
           </a:bodyPr>
           <a:lstStyle>
             <a:lvl1pPr lvl="0" algn="l">
+              <a:lnSpc>
+                <a:spcPct val="100000"/>
+              </a:lnSpc>
               <a:spcBef>
                 <a:spcPts val="0"/>
               </a:spcBef>
@@ -4481,6 +5749,9 @@
               <a:defRPr/>
             </a:lvl1pPr>
             <a:lvl2pPr lvl="1" algn="l">
+              <a:lnSpc>
+                <a:spcPct val="100000"/>
+              </a:lnSpc>
               <a:spcBef>
                 <a:spcPts val="0"/>
               </a:spcBef>
@@ -4492,6 +5763,9 @@
               <a:defRPr/>
             </a:lvl2pPr>
             <a:lvl3pPr lvl="2" algn="l">
+              <a:lnSpc>
+                <a:spcPct val="100000"/>
+              </a:lnSpc>
               <a:spcBef>
                 <a:spcPts val="0"/>
               </a:spcBef>
@@ -4503,6 +5777,9 @@
               <a:defRPr/>
             </a:lvl3pPr>
             <a:lvl4pPr lvl="3" algn="l">
+              <a:lnSpc>
+                <a:spcPct val="100000"/>
+              </a:lnSpc>
               <a:spcBef>
                 <a:spcPts val="0"/>
               </a:spcBef>
@@ -4514,6 +5791,9 @@
               <a:defRPr/>
             </a:lvl4pPr>
             <a:lvl5pPr lvl="4" algn="l">
+              <a:lnSpc>
+                <a:spcPct val="100000"/>
+              </a:lnSpc>
               <a:spcBef>
                 <a:spcPts val="0"/>
               </a:spcBef>
@@ -4525,6 +5805,9 @@
               <a:defRPr/>
             </a:lvl5pPr>
             <a:lvl6pPr lvl="5" algn="l">
+              <a:lnSpc>
+                <a:spcPct val="100000"/>
+              </a:lnSpc>
               <a:spcBef>
                 <a:spcPts val="0"/>
               </a:spcBef>
@@ -4536,6 +5819,9 @@
               <a:defRPr/>
             </a:lvl6pPr>
             <a:lvl7pPr lvl="6" algn="l">
+              <a:lnSpc>
+                <a:spcPct val="100000"/>
+              </a:lnSpc>
               <a:spcBef>
                 <a:spcPts val="0"/>
               </a:spcBef>
@@ -4547,6 +5833,9 @@
               <a:defRPr/>
             </a:lvl7pPr>
             <a:lvl8pPr lvl="7" algn="l">
+              <a:lnSpc>
+                <a:spcPct val="100000"/>
+              </a:lnSpc>
               <a:spcBef>
                 <a:spcPts val="0"/>
               </a:spcBef>
@@ -4558,6 +5847,9 @@
               <a:defRPr/>
             </a:lvl8pPr>
             <a:lvl9pPr lvl="8" algn="l">
+              <a:lnSpc>
+                <a:spcPct val="100000"/>
+              </a:lnSpc>
               <a:spcBef>
                 <a:spcPts val="0"/>
               </a:spcBef>
@@ -4598,68 +5890,239 @@
             <a:noAutofit/>
           </a:bodyPr>
           <a:lstStyle>
-            <a:lvl1pPr indent="0" lvl="0" marL="0" algn="r">
-              <a:spcBef>
-                <a:spcPts val="0"/>
-              </a:spcBef>
-              <a:buNone/>
-              <a:defRPr/>
+            <a:lvl1pPr indent="0" lvl="0" marL="0" marR="0" algn="r">
+              <a:lnSpc>
+                <a:spcPct val="100000"/>
+              </a:lnSpc>
+              <a:spcBef>
+                <a:spcPts val="0"/>
+              </a:spcBef>
+              <a:spcAft>
+                <a:spcPts val="0"/>
+              </a:spcAft>
+              <a:buClr>
+                <a:srgbClr val="000000"/>
+              </a:buClr>
+              <a:buSzPts val="2800"/>
+              <a:buFont typeface="Arial"/>
+              <a:buNone/>
+              <a:defRPr b="0" i="0" sz="2800" u="none" cap="none" strike="noStrike">
+                <a:solidFill>
+                  <a:schemeClr val="accent1"/>
+                </a:solidFill>
+                <a:latin typeface="Gill Sans"/>
+                <a:ea typeface="Gill Sans"/>
+                <a:cs typeface="Gill Sans"/>
+                <a:sym typeface="Gill Sans"/>
+              </a:defRPr>
             </a:lvl1pPr>
-            <a:lvl2pPr indent="0" lvl="1" marL="0" algn="r">
-              <a:spcBef>
-                <a:spcPts val="0"/>
-              </a:spcBef>
-              <a:buNone/>
-              <a:defRPr/>
+            <a:lvl2pPr indent="0" lvl="1" marL="0" marR="0" algn="r">
+              <a:lnSpc>
+                <a:spcPct val="100000"/>
+              </a:lnSpc>
+              <a:spcBef>
+                <a:spcPts val="0"/>
+              </a:spcBef>
+              <a:spcAft>
+                <a:spcPts val="0"/>
+              </a:spcAft>
+              <a:buClr>
+                <a:srgbClr val="000000"/>
+              </a:buClr>
+              <a:buSzPts val="2800"/>
+              <a:buFont typeface="Arial"/>
+              <a:buNone/>
+              <a:defRPr b="0" i="0" sz="2800" u="none" cap="none" strike="noStrike">
+                <a:solidFill>
+                  <a:schemeClr val="accent1"/>
+                </a:solidFill>
+                <a:latin typeface="Gill Sans"/>
+                <a:ea typeface="Gill Sans"/>
+                <a:cs typeface="Gill Sans"/>
+                <a:sym typeface="Gill Sans"/>
+              </a:defRPr>
             </a:lvl2pPr>
-            <a:lvl3pPr indent="0" lvl="2" marL="0" algn="r">
-              <a:spcBef>
-                <a:spcPts val="0"/>
-              </a:spcBef>
-              <a:buNone/>
-              <a:defRPr/>
+            <a:lvl3pPr indent="0" lvl="2" marL="0" marR="0" algn="r">
+              <a:lnSpc>
+                <a:spcPct val="100000"/>
+              </a:lnSpc>
+              <a:spcBef>
+                <a:spcPts val="0"/>
+              </a:spcBef>
+              <a:spcAft>
+                <a:spcPts val="0"/>
+              </a:spcAft>
+              <a:buClr>
+                <a:srgbClr val="000000"/>
+              </a:buClr>
+              <a:buSzPts val="2800"/>
+              <a:buFont typeface="Arial"/>
+              <a:buNone/>
+              <a:defRPr b="0" i="0" sz="2800" u="none" cap="none" strike="noStrike">
+                <a:solidFill>
+                  <a:schemeClr val="accent1"/>
+                </a:solidFill>
+                <a:latin typeface="Gill Sans"/>
+                <a:ea typeface="Gill Sans"/>
+                <a:cs typeface="Gill Sans"/>
+                <a:sym typeface="Gill Sans"/>
+              </a:defRPr>
             </a:lvl3pPr>
-            <a:lvl4pPr indent="0" lvl="3" marL="0" algn="r">
-              <a:spcBef>
-                <a:spcPts val="0"/>
-              </a:spcBef>
-              <a:buNone/>
-              <a:defRPr/>
+            <a:lvl4pPr indent="0" lvl="3" marL="0" marR="0" algn="r">
+              <a:lnSpc>
+                <a:spcPct val="100000"/>
+              </a:lnSpc>
+              <a:spcBef>
+                <a:spcPts val="0"/>
+              </a:spcBef>
+              <a:spcAft>
+                <a:spcPts val="0"/>
+              </a:spcAft>
+              <a:buClr>
+                <a:srgbClr val="000000"/>
+              </a:buClr>
+              <a:buSzPts val="2800"/>
+              <a:buFont typeface="Arial"/>
+              <a:buNone/>
+              <a:defRPr b="0" i="0" sz="2800" u="none" cap="none" strike="noStrike">
+                <a:solidFill>
+                  <a:schemeClr val="accent1"/>
+                </a:solidFill>
+                <a:latin typeface="Gill Sans"/>
+                <a:ea typeface="Gill Sans"/>
+                <a:cs typeface="Gill Sans"/>
+                <a:sym typeface="Gill Sans"/>
+              </a:defRPr>
             </a:lvl4pPr>
-            <a:lvl5pPr indent="0" lvl="4" marL="0" algn="r">
-              <a:spcBef>
-                <a:spcPts val="0"/>
-              </a:spcBef>
-              <a:buNone/>
-              <a:defRPr/>
+            <a:lvl5pPr indent="0" lvl="4" marL="0" marR="0" algn="r">
+              <a:lnSpc>
+                <a:spcPct val="100000"/>
+              </a:lnSpc>
+              <a:spcBef>
+                <a:spcPts val="0"/>
+              </a:spcBef>
+              <a:spcAft>
+                <a:spcPts val="0"/>
+              </a:spcAft>
+              <a:buClr>
+                <a:srgbClr val="000000"/>
+              </a:buClr>
+              <a:buSzPts val="2800"/>
+              <a:buFont typeface="Arial"/>
+              <a:buNone/>
+              <a:defRPr b="0" i="0" sz="2800" u="none" cap="none" strike="noStrike">
+                <a:solidFill>
+                  <a:schemeClr val="accent1"/>
+                </a:solidFill>
+                <a:latin typeface="Gill Sans"/>
+                <a:ea typeface="Gill Sans"/>
+                <a:cs typeface="Gill Sans"/>
+                <a:sym typeface="Gill Sans"/>
+              </a:defRPr>
             </a:lvl5pPr>
-            <a:lvl6pPr indent="0" lvl="5" marL="0" algn="r">
-              <a:spcBef>
-                <a:spcPts val="0"/>
-              </a:spcBef>
-              <a:buNone/>
-              <a:defRPr/>
+            <a:lvl6pPr indent="0" lvl="5" marL="0" marR="0" algn="r">
+              <a:lnSpc>
+                <a:spcPct val="100000"/>
+              </a:lnSpc>
+              <a:spcBef>
+                <a:spcPts val="0"/>
+              </a:spcBef>
+              <a:spcAft>
+                <a:spcPts val="0"/>
+              </a:spcAft>
+              <a:buClr>
+                <a:srgbClr val="000000"/>
+              </a:buClr>
+              <a:buSzPts val="2800"/>
+              <a:buFont typeface="Arial"/>
+              <a:buNone/>
+              <a:defRPr b="0" i="0" sz="2800" u="none" cap="none" strike="noStrike">
+                <a:solidFill>
+                  <a:schemeClr val="accent1"/>
+                </a:solidFill>
+                <a:latin typeface="Gill Sans"/>
+                <a:ea typeface="Gill Sans"/>
+                <a:cs typeface="Gill Sans"/>
+                <a:sym typeface="Gill Sans"/>
+              </a:defRPr>
             </a:lvl6pPr>
-            <a:lvl7pPr indent="0" lvl="6" marL="0" algn="r">
-              <a:spcBef>
-                <a:spcPts val="0"/>
-              </a:spcBef>
-              <a:buNone/>
-              <a:defRPr/>
+            <a:lvl7pPr indent="0" lvl="6" marL="0" marR="0" algn="r">
+              <a:lnSpc>
+                <a:spcPct val="100000"/>
+              </a:lnSpc>
+              <a:spcBef>
+                <a:spcPts val="0"/>
+              </a:spcBef>
+              <a:spcAft>
+                <a:spcPts val="0"/>
+              </a:spcAft>
+              <a:buClr>
+                <a:srgbClr val="000000"/>
+              </a:buClr>
+              <a:buSzPts val="2800"/>
+              <a:buFont typeface="Arial"/>
+              <a:buNone/>
+              <a:defRPr b="0" i="0" sz="2800" u="none" cap="none" strike="noStrike">
+                <a:solidFill>
+                  <a:schemeClr val="accent1"/>
+                </a:solidFill>
+                <a:latin typeface="Gill Sans"/>
+                <a:ea typeface="Gill Sans"/>
+                <a:cs typeface="Gill Sans"/>
+                <a:sym typeface="Gill Sans"/>
+              </a:defRPr>
             </a:lvl7pPr>
-            <a:lvl8pPr indent="0" lvl="7" marL="0" algn="r">
-              <a:spcBef>
-                <a:spcPts val="0"/>
-              </a:spcBef>
-              <a:buNone/>
-              <a:defRPr/>
+            <a:lvl8pPr indent="0" lvl="7" marL="0" marR="0" algn="r">
+              <a:lnSpc>
+                <a:spcPct val="100000"/>
+              </a:lnSpc>
+              <a:spcBef>
+                <a:spcPts val="0"/>
+              </a:spcBef>
+              <a:spcAft>
+                <a:spcPts val="0"/>
+              </a:spcAft>
+              <a:buClr>
+                <a:srgbClr val="000000"/>
+              </a:buClr>
+              <a:buSzPts val="2800"/>
+              <a:buFont typeface="Arial"/>
+              <a:buNone/>
+              <a:defRPr b="0" i="0" sz="2800" u="none" cap="none" strike="noStrike">
+                <a:solidFill>
+                  <a:schemeClr val="accent1"/>
+                </a:solidFill>
+                <a:latin typeface="Gill Sans"/>
+                <a:ea typeface="Gill Sans"/>
+                <a:cs typeface="Gill Sans"/>
+                <a:sym typeface="Gill Sans"/>
+              </a:defRPr>
             </a:lvl8pPr>
-            <a:lvl9pPr indent="0" lvl="8" marL="0" algn="r">
-              <a:spcBef>
-                <a:spcPts val="0"/>
-              </a:spcBef>
-              <a:buNone/>
-              <a:defRPr/>
+            <a:lvl9pPr indent="0" lvl="8" marL="0" marR="0" algn="r">
+              <a:lnSpc>
+                <a:spcPct val="100000"/>
+              </a:lnSpc>
+              <a:spcBef>
+                <a:spcPts val="0"/>
+              </a:spcBef>
+              <a:spcAft>
+                <a:spcPts val="0"/>
+              </a:spcAft>
+              <a:buClr>
+                <a:srgbClr val="000000"/>
+              </a:buClr>
+              <a:buSzPts val="2800"/>
+              <a:buFont typeface="Arial"/>
+              <a:buNone/>
+              <a:defRPr b="0" i="0" sz="2800" u="none" cap="none" strike="noStrike">
+                <a:solidFill>
+                  <a:schemeClr val="accent1"/>
+                </a:solidFill>
+                <a:latin typeface="Gill Sans"/>
+                <a:ea typeface="Gill Sans"/>
+                <a:cs typeface="Gill Sans"/>
+                <a:sym typeface="Gill Sans"/>
+              </a:defRPr>
             </a:lvl9pPr>
           </a:lstStyle>
           <a:p>
@@ -4775,7 +6238,10 @@
               <a:buNone/>
               <a:defRPr sz="3600"/>
             </a:lvl1pPr>
-            <a:lvl2pPr lvl="1">
+            <a:lvl2pPr lvl="1" algn="l">
+              <a:lnSpc>
+                <a:spcPct val="100000"/>
+              </a:lnSpc>
               <a:spcBef>
                 <a:spcPts val="0"/>
               </a:spcBef>
@@ -4786,7 +6252,10 @@
               <a:buNone/>
               <a:defRPr/>
             </a:lvl2pPr>
-            <a:lvl3pPr lvl="2">
+            <a:lvl3pPr lvl="2" algn="l">
+              <a:lnSpc>
+                <a:spcPct val="100000"/>
+              </a:lnSpc>
               <a:spcBef>
                 <a:spcPts val="0"/>
               </a:spcBef>
@@ -4797,7 +6266,10 @@
               <a:buNone/>
               <a:defRPr/>
             </a:lvl3pPr>
-            <a:lvl4pPr lvl="3">
+            <a:lvl4pPr lvl="3" algn="l">
+              <a:lnSpc>
+                <a:spcPct val="100000"/>
+              </a:lnSpc>
               <a:spcBef>
                 <a:spcPts val="0"/>
               </a:spcBef>
@@ -4808,7 +6280,10 @@
               <a:buNone/>
               <a:defRPr/>
             </a:lvl4pPr>
-            <a:lvl5pPr lvl="4">
+            <a:lvl5pPr lvl="4" algn="l">
+              <a:lnSpc>
+                <a:spcPct val="100000"/>
+              </a:lnSpc>
               <a:spcBef>
                 <a:spcPts val="0"/>
               </a:spcBef>
@@ -4819,7 +6294,10 @@
               <a:buNone/>
               <a:defRPr/>
             </a:lvl5pPr>
-            <a:lvl6pPr lvl="5">
+            <a:lvl6pPr lvl="5" algn="l">
+              <a:lnSpc>
+                <a:spcPct val="100000"/>
+              </a:lnSpc>
               <a:spcBef>
                 <a:spcPts val="0"/>
               </a:spcBef>
@@ -4830,7 +6308,10 @@
               <a:buNone/>
               <a:defRPr/>
             </a:lvl6pPr>
-            <a:lvl7pPr lvl="6">
+            <a:lvl7pPr lvl="6" algn="l">
+              <a:lnSpc>
+                <a:spcPct val="100000"/>
+              </a:lnSpc>
               <a:spcBef>
                 <a:spcPts val="0"/>
               </a:spcBef>
@@ -4841,7 +6322,10 @@
               <a:buNone/>
               <a:defRPr/>
             </a:lvl7pPr>
-            <a:lvl8pPr lvl="7">
+            <a:lvl8pPr lvl="7" algn="l">
+              <a:lnSpc>
+                <a:spcPct val="100000"/>
+              </a:lnSpc>
               <a:spcBef>
                 <a:spcPts val="0"/>
               </a:spcBef>
@@ -4852,7 +6336,10 @@
               <a:buNone/>
               <a:defRPr/>
             </a:lvl8pPr>
-            <a:lvl9pPr lvl="8">
+            <a:lvl9pPr lvl="8" algn="l">
+              <a:lnSpc>
+                <a:spcPct val="100000"/>
+              </a:lnSpc>
               <a:spcBef>
                 <a:spcPts val="0"/>
               </a:spcBef>
@@ -5086,6 +6573,9 @@
           </a:bodyPr>
           <a:lstStyle>
             <a:lvl1pPr lvl="0" algn="r">
+              <a:lnSpc>
+                <a:spcPct val="100000"/>
+              </a:lnSpc>
               <a:spcBef>
                 <a:spcPts val="0"/>
               </a:spcBef>
@@ -5097,6 +6587,9 @@
               <a:defRPr/>
             </a:lvl1pPr>
             <a:lvl2pPr lvl="1" algn="l">
+              <a:lnSpc>
+                <a:spcPct val="100000"/>
+              </a:lnSpc>
               <a:spcBef>
                 <a:spcPts val="0"/>
               </a:spcBef>
@@ -5108,6 +6601,9 @@
               <a:defRPr/>
             </a:lvl2pPr>
             <a:lvl3pPr lvl="2" algn="l">
+              <a:lnSpc>
+                <a:spcPct val="100000"/>
+              </a:lnSpc>
               <a:spcBef>
                 <a:spcPts val="0"/>
               </a:spcBef>
@@ -5119,6 +6615,9 @@
               <a:defRPr/>
             </a:lvl3pPr>
             <a:lvl4pPr lvl="3" algn="l">
+              <a:lnSpc>
+                <a:spcPct val="100000"/>
+              </a:lnSpc>
               <a:spcBef>
                 <a:spcPts val="0"/>
               </a:spcBef>
@@ -5130,6 +6629,9 @@
               <a:defRPr/>
             </a:lvl4pPr>
             <a:lvl5pPr lvl="4" algn="l">
+              <a:lnSpc>
+                <a:spcPct val="100000"/>
+              </a:lnSpc>
               <a:spcBef>
                 <a:spcPts val="0"/>
               </a:spcBef>
@@ -5141,6 +6643,9 @@
               <a:defRPr/>
             </a:lvl5pPr>
             <a:lvl6pPr lvl="5" algn="l">
+              <a:lnSpc>
+                <a:spcPct val="100000"/>
+              </a:lnSpc>
               <a:spcBef>
                 <a:spcPts val="0"/>
               </a:spcBef>
@@ -5152,6 +6657,9 @@
               <a:defRPr/>
             </a:lvl6pPr>
             <a:lvl7pPr lvl="6" algn="l">
+              <a:lnSpc>
+                <a:spcPct val="100000"/>
+              </a:lnSpc>
               <a:spcBef>
                 <a:spcPts val="0"/>
               </a:spcBef>
@@ -5163,6 +6671,9 @@
               <a:defRPr/>
             </a:lvl7pPr>
             <a:lvl8pPr lvl="7" algn="l">
+              <a:lnSpc>
+                <a:spcPct val="100000"/>
+              </a:lnSpc>
               <a:spcBef>
                 <a:spcPts val="0"/>
               </a:spcBef>
@@ -5174,6 +6685,9 @@
               <a:defRPr/>
             </a:lvl8pPr>
             <a:lvl9pPr lvl="8" algn="l">
+              <a:lnSpc>
+                <a:spcPct val="100000"/>
+              </a:lnSpc>
               <a:spcBef>
                 <a:spcPts val="0"/>
               </a:spcBef>
@@ -5215,6 +6729,9 @@
           </a:bodyPr>
           <a:lstStyle>
             <a:lvl1pPr lvl="0" algn="l">
+              <a:lnSpc>
+                <a:spcPct val="100000"/>
+              </a:lnSpc>
               <a:spcBef>
                 <a:spcPts val="0"/>
               </a:spcBef>
@@ -5226,6 +6743,9 @@
               <a:defRPr/>
             </a:lvl1pPr>
             <a:lvl2pPr lvl="1" algn="l">
+              <a:lnSpc>
+                <a:spcPct val="100000"/>
+              </a:lnSpc>
               <a:spcBef>
                 <a:spcPts val="0"/>
               </a:spcBef>
@@ -5237,6 +6757,9 @@
               <a:defRPr/>
             </a:lvl2pPr>
             <a:lvl3pPr lvl="2" algn="l">
+              <a:lnSpc>
+                <a:spcPct val="100000"/>
+              </a:lnSpc>
               <a:spcBef>
                 <a:spcPts val="0"/>
               </a:spcBef>
@@ -5248,6 +6771,9 @@
               <a:defRPr/>
             </a:lvl3pPr>
             <a:lvl4pPr lvl="3" algn="l">
+              <a:lnSpc>
+                <a:spcPct val="100000"/>
+              </a:lnSpc>
               <a:spcBef>
                 <a:spcPts val="0"/>
               </a:spcBef>
@@ -5259,6 +6785,9 @@
               <a:defRPr/>
             </a:lvl4pPr>
             <a:lvl5pPr lvl="4" algn="l">
+              <a:lnSpc>
+                <a:spcPct val="100000"/>
+              </a:lnSpc>
               <a:spcBef>
                 <a:spcPts val="0"/>
               </a:spcBef>
@@ -5270,6 +6799,9 @@
               <a:defRPr/>
             </a:lvl5pPr>
             <a:lvl6pPr lvl="5" algn="l">
+              <a:lnSpc>
+                <a:spcPct val="100000"/>
+              </a:lnSpc>
               <a:spcBef>
                 <a:spcPts val="0"/>
               </a:spcBef>
@@ -5281,6 +6813,9 @@
               <a:defRPr/>
             </a:lvl6pPr>
             <a:lvl7pPr lvl="6" algn="l">
+              <a:lnSpc>
+                <a:spcPct val="100000"/>
+              </a:lnSpc>
               <a:spcBef>
                 <a:spcPts val="0"/>
               </a:spcBef>
@@ -5292,6 +6827,9 @@
               <a:defRPr/>
             </a:lvl7pPr>
             <a:lvl8pPr lvl="7" algn="l">
+              <a:lnSpc>
+                <a:spcPct val="100000"/>
+              </a:lnSpc>
               <a:spcBef>
                 <a:spcPts val="0"/>
               </a:spcBef>
@@ -5303,6 +6841,9 @@
               <a:defRPr/>
             </a:lvl8pPr>
             <a:lvl9pPr lvl="8" algn="l">
+              <a:lnSpc>
+                <a:spcPct val="100000"/>
+              </a:lnSpc>
               <a:spcBef>
                 <a:spcPts val="0"/>
               </a:spcBef>
@@ -5343,68 +6884,239 @@
             <a:noAutofit/>
           </a:bodyPr>
           <a:lstStyle>
-            <a:lvl1pPr indent="0" lvl="0" marL="0" algn="r">
-              <a:spcBef>
-                <a:spcPts val="0"/>
-              </a:spcBef>
-              <a:buNone/>
-              <a:defRPr/>
+            <a:lvl1pPr indent="0" lvl="0" marL="0" marR="0" algn="r">
+              <a:lnSpc>
+                <a:spcPct val="100000"/>
+              </a:lnSpc>
+              <a:spcBef>
+                <a:spcPts val="0"/>
+              </a:spcBef>
+              <a:spcAft>
+                <a:spcPts val="0"/>
+              </a:spcAft>
+              <a:buClr>
+                <a:srgbClr val="000000"/>
+              </a:buClr>
+              <a:buSzPts val="2800"/>
+              <a:buFont typeface="Arial"/>
+              <a:buNone/>
+              <a:defRPr b="0" i="0" sz="2800" u="none" cap="none" strike="noStrike">
+                <a:solidFill>
+                  <a:schemeClr val="accent1"/>
+                </a:solidFill>
+                <a:latin typeface="Gill Sans"/>
+                <a:ea typeface="Gill Sans"/>
+                <a:cs typeface="Gill Sans"/>
+                <a:sym typeface="Gill Sans"/>
+              </a:defRPr>
             </a:lvl1pPr>
-            <a:lvl2pPr indent="0" lvl="1" marL="0" algn="r">
-              <a:spcBef>
-                <a:spcPts val="0"/>
-              </a:spcBef>
-              <a:buNone/>
-              <a:defRPr/>
+            <a:lvl2pPr indent="0" lvl="1" marL="0" marR="0" algn="r">
+              <a:lnSpc>
+                <a:spcPct val="100000"/>
+              </a:lnSpc>
+              <a:spcBef>
+                <a:spcPts val="0"/>
+              </a:spcBef>
+              <a:spcAft>
+                <a:spcPts val="0"/>
+              </a:spcAft>
+              <a:buClr>
+                <a:srgbClr val="000000"/>
+              </a:buClr>
+              <a:buSzPts val="2800"/>
+              <a:buFont typeface="Arial"/>
+              <a:buNone/>
+              <a:defRPr b="0" i="0" sz="2800" u="none" cap="none" strike="noStrike">
+                <a:solidFill>
+                  <a:schemeClr val="accent1"/>
+                </a:solidFill>
+                <a:latin typeface="Gill Sans"/>
+                <a:ea typeface="Gill Sans"/>
+                <a:cs typeface="Gill Sans"/>
+                <a:sym typeface="Gill Sans"/>
+              </a:defRPr>
             </a:lvl2pPr>
-            <a:lvl3pPr indent="0" lvl="2" marL="0" algn="r">
-              <a:spcBef>
-                <a:spcPts val="0"/>
-              </a:spcBef>
-              <a:buNone/>
-              <a:defRPr/>
+            <a:lvl3pPr indent="0" lvl="2" marL="0" marR="0" algn="r">
+              <a:lnSpc>
+                <a:spcPct val="100000"/>
+              </a:lnSpc>
+              <a:spcBef>
+                <a:spcPts val="0"/>
+              </a:spcBef>
+              <a:spcAft>
+                <a:spcPts val="0"/>
+              </a:spcAft>
+              <a:buClr>
+                <a:srgbClr val="000000"/>
+              </a:buClr>
+              <a:buSzPts val="2800"/>
+              <a:buFont typeface="Arial"/>
+              <a:buNone/>
+              <a:defRPr b="0" i="0" sz="2800" u="none" cap="none" strike="noStrike">
+                <a:solidFill>
+                  <a:schemeClr val="accent1"/>
+                </a:solidFill>
+                <a:latin typeface="Gill Sans"/>
+                <a:ea typeface="Gill Sans"/>
+                <a:cs typeface="Gill Sans"/>
+                <a:sym typeface="Gill Sans"/>
+              </a:defRPr>
             </a:lvl3pPr>
-            <a:lvl4pPr indent="0" lvl="3" marL="0" algn="r">
-              <a:spcBef>
-                <a:spcPts val="0"/>
-              </a:spcBef>
-              <a:buNone/>
-              <a:defRPr/>
+            <a:lvl4pPr indent="0" lvl="3" marL="0" marR="0" algn="r">
+              <a:lnSpc>
+                <a:spcPct val="100000"/>
+              </a:lnSpc>
+              <a:spcBef>
+                <a:spcPts val="0"/>
+              </a:spcBef>
+              <a:spcAft>
+                <a:spcPts val="0"/>
+              </a:spcAft>
+              <a:buClr>
+                <a:srgbClr val="000000"/>
+              </a:buClr>
+              <a:buSzPts val="2800"/>
+              <a:buFont typeface="Arial"/>
+              <a:buNone/>
+              <a:defRPr b="0" i="0" sz="2800" u="none" cap="none" strike="noStrike">
+                <a:solidFill>
+                  <a:schemeClr val="accent1"/>
+                </a:solidFill>
+                <a:latin typeface="Gill Sans"/>
+                <a:ea typeface="Gill Sans"/>
+                <a:cs typeface="Gill Sans"/>
+                <a:sym typeface="Gill Sans"/>
+              </a:defRPr>
             </a:lvl4pPr>
-            <a:lvl5pPr indent="0" lvl="4" marL="0" algn="r">
-              <a:spcBef>
-                <a:spcPts val="0"/>
-              </a:spcBef>
-              <a:buNone/>
-              <a:defRPr/>
+            <a:lvl5pPr indent="0" lvl="4" marL="0" marR="0" algn="r">
+              <a:lnSpc>
+                <a:spcPct val="100000"/>
+              </a:lnSpc>
+              <a:spcBef>
+                <a:spcPts val="0"/>
+              </a:spcBef>
+              <a:spcAft>
+                <a:spcPts val="0"/>
+              </a:spcAft>
+              <a:buClr>
+                <a:srgbClr val="000000"/>
+              </a:buClr>
+              <a:buSzPts val="2800"/>
+              <a:buFont typeface="Arial"/>
+              <a:buNone/>
+              <a:defRPr b="0" i="0" sz="2800" u="none" cap="none" strike="noStrike">
+                <a:solidFill>
+                  <a:schemeClr val="accent1"/>
+                </a:solidFill>
+                <a:latin typeface="Gill Sans"/>
+                <a:ea typeface="Gill Sans"/>
+                <a:cs typeface="Gill Sans"/>
+                <a:sym typeface="Gill Sans"/>
+              </a:defRPr>
             </a:lvl5pPr>
-            <a:lvl6pPr indent="0" lvl="5" marL="0" algn="r">
-              <a:spcBef>
-                <a:spcPts val="0"/>
-              </a:spcBef>
-              <a:buNone/>
-              <a:defRPr/>
+            <a:lvl6pPr indent="0" lvl="5" marL="0" marR="0" algn="r">
+              <a:lnSpc>
+                <a:spcPct val="100000"/>
+              </a:lnSpc>
+              <a:spcBef>
+                <a:spcPts val="0"/>
+              </a:spcBef>
+              <a:spcAft>
+                <a:spcPts val="0"/>
+              </a:spcAft>
+              <a:buClr>
+                <a:srgbClr val="000000"/>
+              </a:buClr>
+              <a:buSzPts val="2800"/>
+              <a:buFont typeface="Arial"/>
+              <a:buNone/>
+              <a:defRPr b="0" i="0" sz="2800" u="none" cap="none" strike="noStrike">
+                <a:solidFill>
+                  <a:schemeClr val="accent1"/>
+                </a:solidFill>
+                <a:latin typeface="Gill Sans"/>
+                <a:ea typeface="Gill Sans"/>
+                <a:cs typeface="Gill Sans"/>
+                <a:sym typeface="Gill Sans"/>
+              </a:defRPr>
             </a:lvl6pPr>
-            <a:lvl7pPr indent="0" lvl="6" marL="0" algn="r">
-              <a:spcBef>
-                <a:spcPts val="0"/>
-              </a:spcBef>
-              <a:buNone/>
-              <a:defRPr/>
+            <a:lvl7pPr indent="0" lvl="6" marL="0" marR="0" algn="r">
+              <a:lnSpc>
+                <a:spcPct val="100000"/>
+              </a:lnSpc>
+              <a:spcBef>
+                <a:spcPts val="0"/>
+              </a:spcBef>
+              <a:spcAft>
+                <a:spcPts val="0"/>
+              </a:spcAft>
+              <a:buClr>
+                <a:srgbClr val="000000"/>
+              </a:buClr>
+              <a:buSzPts val="2800"/>
+              <a:buFont typeface="Arial"/>
+              <a:buNone/>
+              <a:defRPr b="0" i="0" sz="2800" u="none" cap="none" strike="noStrike">
+                <a:solidFill>
+                  <a:schemeClr val="accent1"/>
+                </a:solidFill>
+                <a:latin typeface="Gill Sans"/>
+                <a:ea typeface="Gill Sans"/>
+                <a:cs typeface="Gill Sans"/>
+                <a:sym typeface="Gill Sans"/>
+              </a:defRPr>
             </a:lvl7pPr>
-            <a:lvl8pPr indent="0" lvl="7" marL="0" algn="r">
-              <a:spcBef>
-                <a:spcPts val="0"/>
-              </a:spcBef>
-              <a:buNone/>
-              <a:defRPr/>
+            <a:lvl8pPr indent="0" lvl="7" marL="0" marR="0" algn="r">
+              <a:lnSpc>
+                <a:spcPct val="100000"/>
+              </a:lnSpc>
+              <a:spcBef>
+                <a:spcPts val="0"/>
+              </a:spcBef>
+              <a:spcAft>
+                <a:spcPts val="0"/>
+              </a:spcAft>
+              <a:buClr>
+                <a:srgbClr val="000000"/>
+              </a:buClr>
+              <a:buSzPts val="2800"/>
+              <a:buFont typeface="Arial"/>
+              <a:buNone/>
+              <a:defRPr b="0" i="0" sz="2800" u="none" cap="none" strike="noStrike">
+                <a:solidFill>
+                  <a:schemeClr val="accent1"/>
+                </a:solidFill>
+                <a:latin typeface="Gill Sans"/>
+                <a:ea typeface="Gill Sans"/>
+                <a:cs typeface="Gill Sans"/>
+                <a:sym typeface="Gill Sans"/>
+              </a:defRPr>
             </a:lvl8pPr>
-            <a:lvl9pPr indent="0" lvl="8" marL="0" algn="r">
-              <a:spcBef>
-                <a:spcPts val="0"/>
-              </a:spcBef>
-              <a:buNone/>
-              <a:defRPr/>
+            <a:lvl9pPr indent="0" lvl="8" marL="0" marR="0" algn="r">
+              <a:lnSpc>
+                <a:spcPct val="100000"/>
+              </a:lnSpc>
+              <a:spcBef>
+                <a:spcPts val="0"/>
+              </a:spcBef>
+              <a:spcAft>
+                <a:spcPts val="0"/>
+              </a:spcAft>
+              <a:buClr>
+                <a:srgbClr val="000000"/>
+              </a:buClr>
+              <a:buSzPts val="2800"/>
+              <a:buFont typeface="Arial"/>
+              <a:buNone/>
+              <a:defRPr b="0" i="0" sz="2800" u="none" cap="none" strike="noStrike">
+                <a:solidFill>
+                  <a:schemeClr val="accent1"/>
+                </a:solidFill>
+                <a:latin typeface="Gill Sans"/>
+                <a:ea typeface="Gill Sans"/>
+                <a:cs typeface="Gill Sans"/>
+                <a:sym typeface="Gill Sans"/>
+              </a:defRPr>
             </a:lvl9pPr>
           </a:lstStyle>
           <a:p>
@@ -5519,7 +7231,10 @@
               <a:buNone/>
               <a:defRPr/>
             </a:lvl1pPr>
-            <a:lvl2pPr lvl="1">
+            <a:lvl2pPr lvl="1" algn="l">
+              <a:lnSpc>
+                <a:spcPct val="100000"/>
+              </a:lnSpc>
               <a:spcBef>
                 <a:spcPts val="0"/>
               </a:spcBef>
@@ -5530,7 +7245,10 @@
               <a:buNone/>
               <a:defRPr/>
             </a:lvl2pPr>
-            <a:lvl3pPr lvl="2">
+            <a:lvl3pPr lvl="2" algn="l">
+              <a:lnSpc>
+                <a:spcPct val="100000"/>
+              </a:lnSpc>
               <a:spcBef>
                 <a:spcPts val="0"/>
               </a:spcBef>
@@ -5541,7 +7259,10 @@
               <a:buNone/>
               <a:defRPr/>
             </a:lvl3pPr>
-            <a:lvl4pPr lvl="3">
+            <a:lvl4pPr lvl="3" algn="l">
+              <a:lnSpc>
+                <a:spcPct val="100000"/>
+              </a:lnSpc>
               <a:spcBef>
                 <a:spcPts val="0"/>
               </a:spcBef>
@@ -5552,7 +7273,10 @@
               <a:buNone/>
               <a:defRPr/>
             </a:lvl4pPr>
-            <a:lvl5pPr lvl="4">
+            <a:lvl5pPr lvl="4" algn="l">
+              <a:lnSpc>
+                <a:spcPct val="100000"/>
+              </a:lnSpc>
               <a:spcBef>
                 <a:spcPts val="0"/>
               </a:spcBef>
@@ -5563,7 +7287,10 @@
               <a:buNone/>
               <a:defRPr/>
             </a:lvl5pPr>
-            <a:lvl6pPr lvl="5">
+            <a:lvl6pPr lvl="5" algn="l">
+              <a:lnSpc>
+                <a:spcPct val="100000"/>
+              </a:lnSpc>
               <a:spcBef>
                 <a:spcPts val="0"/>
               </a:spcBef>
@@ -5574,7 +7301,10 @@
               <a:buNone/>
               <a:defRPr/>
             </a:lvl6pPr>
-            <a:lvl7pPr lvl="6">
+            <a:lvl7pPr lvl="6" algn="l">
+              <a:lnSpc>
+                <a:spcPct val="100000"/>
+              </a:lnSpc>
               <a:spcBef>
                 <a:spcPts val="0"/>
               </a:spcBef>
@@ -5585,7 +7315,10 @@
               <a:buNone/>
               <a:defRPr/>
             </a:lvl7pPr>
-            <a:lvl8pPr lvl="7">
+            <a:lvl8pPr lvl="7" algn="l">
+              <a:lnSpc>
+                <a:spcPct val="100000"/>
+              </a:lnSpc>
               <a:spcBef>
                 <a:spcPts val="0"/>
               </a:spcBef>
@@ -5596,7 +7329,10 @@
               <a:buNone/>
               <a:defRPr/>
             </a:lvl8pPr>
-            <a:lvl9pPr lvl="8">
+            <a:lvl9pPr lvl="8" algn="l">
+              <a:lnSpc>
+                <a:spcPct val="100000"/>
+              </a:lnSpc>
               <a:spcBef>
                 <a:spcPts val="0"/>
               </a:spcBef>
@@ -5950,6 +7686,9 @@
           </a:bodyPr>
           <a:lstStyle>
             <a:lvl1pPr lvl="0" algn="r">
+              <a:lnSpc>
+                <a:spcPct val="100000"/>
+              </a:lnSpc>
               <a:spcBef>
                 <a:spcPts val="0"/>
               </a:spcBef>
@@ -5961,6 +7700,9 @@
               <a:defRPr/>
             </a:lvl1pPr>
             <a:lvl2pPr lvl="1" algn="l">
+              <a:lnSpc>
+                <a:spcPct val="100000"/>
+              </a:lnSpc>
               <a:spcBef>
                 <a:spcPts val="0"/>
               </a:spcBef>
@@ -5972,6 +7714,9 @@
               <a:defRPr/>
             </a:lvl2pPr>
             <a:lvl3pPr lvl="2" algn="l">
+              <a:lnSpc>
+                <a:spcPct val="100000"/>
+              </a:lnSpc>
               <a:spcBef>
                 <a:spcPts val="0"/>
               </a:spcBef>
@@ -5983,6 +7728,9 @@
               <a:defRPr/>
             </a:lvl3pPr>
             <a:lvl4pPr lvl="3" algn="l">
+              <a:lnSpc>
+                <a:spcPct val="100000"/>
+              </a:lnSpc>
               <a:spcBef>
                 <a:spcPts val="0"/>
               </a:spcBef>
@@ -5994,6 +7742,9 @@
               <a:defRPr/>
             </a:lvl4pPr>
             <a:lvl5pPr lvl="4" algn="l">
+              <a:lnSpc>
+                <a:spcPct val="100000"/>
+              </a:lnSpc>
               <a:spcBef>
                 <a:spcPts val="0"/>
               </a:spcBef>
@@ -6005,6 +7756,9 @@
               <a:defRPr/>
             </a:lvl5pPr>
             <a:lvl6pPr lvl="5" algn="l">
+              <a:lnSpc>
+                <a:spcPct val="100000"/>
+              </a:lnSpc>
               <a:spcBef>
                 <a:spcPts val="0"/>
               </a:spcBef>
@@ -6016,6 +7770,9 @@
               <a:defRPr/>
             </a:lvl6pPr>
             <a:lvl7pPr lvl="6" algn="l">
+              <a:lnSpc>
+                <a:spcPct val="100000"/>
+              </a:lnSpc>
               <a:spcBef>
                 <a:spcPts val="0"/>
               </a:spcBef>
@@ -6027,6 +7784,9 @@
               <a:defRPr/>
             </a:lvl7pPr>
             <a:lvl8pPr lvl="7" algn="l">
+              <a:lnSpc>
+                <a:spcPct val="100000"/>
+              </a:lnSpc>
               <a:spcBef>
                 <a:spcPts val="0"/>
               </a:spcBef>
@@ -6038,6 +7798,9 @@
               <a:defRPr/>
             </a:lvl8pPr>
             <a:lvl9pPr lvl="8" algn="l">
+              <a:lnSpc>
+                <a:spcPct val="100000"/>
+              </a:lnSpc>
               <a:spcBef>
                 <a:spcPts val="0"/>
               </a:spcBef>
@@ -6079,6 +7842,9 @@
           </a:bodyPr>
           <a:lstStyle>
             <a:lvl1pPr lvl="0" algn="l">
+              <a:lnSpc>
+                <a:spcPct val="100000"/>
+              </a:lnSpc>
               <a:spcBef>
                 <a:spcPts val="0"/>
               </a:spcBef>
@@ -6090,6 +7856,9 @@
               <a:defRPr/>
             </a:lvl1pPr>
             <a:lvl2pPr lvl="1" algn="l">
+              <a:lnSpc>
+                <a:spcPct val="100000"/>
+              </a:lnSpc>
               <a:spcBef>
                 <a:spcPts val="0"/>
               </a:spcBef>
@@ -6101,6 +7870,9 @@
               <a:defRPr/>
             </a:lvl2pPr>
             <a:lvl3pPr lvl="2" algn="l">
+              <a:lnSpc>
+                <a:spcPct val="100000"/>
+              </a:lnSpc>
               <a:spcBef>
                 <a:spcPts val="0"/>
               </a:spcBef>
@@ -6112,6 +7884,9 @@
               <a:defRPr/>
             </a:lvl3pPr>
             <a:lvl4pPr lvl="3" algn="l">
+              <a:lnSpc>
+                <a:spcPct val="100000"/>
+              </a:lnSpc>
               <a:spcBef>
                 <a:spcPts val="0"/>
               </a:spcBef>
@@ -6123,6 +7898,9 @@
               <a:defRPr/>
             </a:lvl4pPr>
             <a:lvl5pPr lvl="4" algn="l">
+              <a:lnSpc>
+                <a:spcPct val="100000"/>
+              </a:lnSpc>
               <a:spcBef>
                 <a:spcPts val="0"/>
               </a:spcBef>
@@ -6134,6 +7912,9 @@
               <a:defRPr/>
             </a:lvl5pPr>
             <a:lvl6pPr lvl="5" algn="l">
+              <a:lnSpc>
+                <a:spcPct val="100000"/>
+              </a:lnSpc>
               <a:spcBef>
                 <a:spcPts val="0"/>
               </a:spcBef>
@@ -6145,6 +7926,9 @@
               <a:defRPr/>
             </a:lvl6pPr>
             <a:lvl7pPr lvl="6" algn="l">
+              <a:lnSpc>
+                <a:spcPct val="100000"/>
+              </a:lnSpc>
               <a:spcBef>
                 <a:spcPts val="0"/>
               </a:spcBef>
@@ -6156,6 +7940,9 @@
               <a:defRPr/>
             </a:lvl7pPr>
             <a:lvl8pPr lvl="7" algn="l">
+              <a:lnSpc>
+                <a:spcPct val="100000"/>
+              </a:lnSpc>
               <a:spcBef>
                 <a:spcPts val="0"/>
               </a:spcBef>
@@ -6167,6 +7954,9 @@
               <a:defRPr/>
             </a:lvl8pPr>
             <a:lvl9pPr lvl="8" algn="l">
+              <a:lnSpc>
+                <a:spcPct val="100000"/>
+              </a:lnSpc>
               <a:spcBef>
                 <a:spcPts val="0"/>
               </a:spcBef>
@@ -6207,68 +7997,239 @@
             <a:noAutofit/>
           </a:bodyPr>
           <a:lstStyle>
-            <a:lvl1pPr indent="0" lvl="0" marL="0" algn="r">
-              <a:spcBef>
-                <a:spcPts val="0"/>
-              </a:spcBef>
-              <a:buNone/>
-              <a:defRPr/>
+            <a:lvl1pPr indent="0" lvl="0" marL="0" marR="0" algn="r">
+              <a:lnSpc>
+                <a:spcPct val="100000"/>
+              </a:lnSpc>
+              <a:spcBef>
+                <a:spcPts val="0"/>
+              </a:spcBef>
+              <a:spcAft>
+                <a:spcPts val="0"/>
+              </a:spcAft>
+              <a:buClr>
+                <a:srgbClr val="000000"/>
+              </a:buClr>
+              <a:buSzPts val="2800"/>
+              <a:buFont typeface="Arial"/>
+              <a:buNone/>
+              <a:defRPr b="0" i="0" sz="2800" u="none" cap="none" strike="noStrike">
+                <a:solidFill>
+                  <a:schemeClr val="accent1"/>
+                </a:solidFill>
+                <a:latin typeface="Gill Sans"/>
+                <a:ea typeface="Gill Sans"/>
+                <a:cs typeface="Gill Sans"/>
+                <a:sym typeface="Gill Sans"/>
+              </a:defRPr>
             </a:lvl1pPr>
-            <a:lvl2pPr indent="0" lvl="1" marL="0" algn="r">
-              <a:spcBef>
-                <a:spcPts val="0"/>
-              </a:spcBef>
-              <a:buNone/>
-              <a:defRPr/>
+            <a:lvl2pPr indent="0" lvl="1" marL="0" marR="0" algn="r">
+              <a:lnSpc>
+                <a:spcPct val="100000"/>
+              </a:lnSpc>
+              <a:spcBef>
+                <a:spcPts val="0"/>
+              </a:spcBef>
+              <a:spcAft>
+                <a:spcPts val="0"/>
+              </a:spcAft>
+              <a:buClr>
+                <a:srgbClr val="000000"/>
+              </a:buClr>
+              <a:buSzPts val="2800"/>
+              <a:buFont typeface="Arial"/>
+              <a:buNone/>
+              <a:defRPr b="0" i="0" sz="2800" u="none" cap="none" strike="noStrike">
+                <a:solidFill>
+                  <a:schemeClr val="accent1"/>
+                </a:solidFill>
+                <a:latin typeface="Gill Sans"/>
+                <a:ea typeface="Gill Sans"/>
+                <a:cs typeface="Gill Sans"/>
+                <a:sym typeface="Gill Sans"/>
+              </a:defRPr>
             </a:lvl2pPr>
-            <a:lvl3pPr indent="0" lvl="2" marL="0" algn="r">
-              <a:spcBef>
-                <a:spcPts val="0"/>
-              </a:spcBef>
-              <a:buNone/>
-              <a:defRPr/>
+            <a:lvl3pPr indent="0" lvl="2" marL="0" marR="0" algn="r">
+              <a:lnSpc>
+                <a:spcPct val="100000"/>
+              </a:lnSpc>
+              <a:spcBef>
+                <a:spcPts val="0"/>
+              </a:spcBef>
+              <a:spcAft>
+                <a:spcPts val="0"/>
+              </a:spcAft>
+              <a:buClr>
+                <a:srgbClr val="000000"/>
+              </a:buClr>
+              <a:buSzPts val="2800"/>
+              <a:buFont typeface="Arial"/>
+              <a:buNone/>
+              <a:defRPr b="0" i="0" sz="2800" u="none" cap="none" strike="noStrike">
+                <a:solidFill>
+                  <a:schemeClr val="accent1"/>
+                </a:solidFill>
+                <a:latin typeface="Gill Sans"/>
+                <a:ea typeface="Gill Sans"/>
+                <a:cs typeface="Gill Sans"/>
+                <a:sym typeface="Gill Sans"/>
+              </a:defRPr>
             </a:lvl3pPr>
-            <a:lvl4pPr indent="0" lvl="3" marL="0" algn="r">
-              <a:spcBef>
-                <a:spcPts val="0"/>
-              </a:spcBef>
-              <a:buNone/>
-              <a:defRPr/>
+            <a:lvl4pPr indent="0" lvl="3" marL="0" marR="0" algn="r">
+              <a:lnSpc>
+                <a:spcPct val="100000"/>
+              </a:lnSpc>
+              <a:spcBef>
+                <a:spcPts val="0"/>
+              </a:spcBef>
+              <a:spcAft>
+                <a:spcPts val="0"/>
+              </a:spcAft>
+              <a:buClr>
+                <a:srgbClr val="000000"/>
+              </a:buClr>
+              <a:buSzPts val="2800"/>
+              <a:buFont typeface="Arial"/>
+              <a:buNone/>
+              <a:defRPr b="0" i="0" sz="2800" u="none" cap="none" strike="noStrike">
+                <a:solidFill>
+                  <a:schemeClr val="accent1"/>
+                </a:solidFill>
+                <a:latin typeface="Gill Sans"/>
+                <a:ea typeface="Gill Sans"/>
+                <a:cs typeface="Gill Sans"/>
+                <a:sym typeface="Gill Sans"/>
+              </a:defRPr>
             </a:lvl4pPr>
-            <a:lvl5pPr indent="0" lvl="4" marL="0" algn="r">
-              <a:spcBef>
-                <a:spcPts val="0"/>
-              </a:spcBef>
-              <a:buNone/>
-              <a:defRPr/>
+            <a:lvl5pPr indent="0" lvl="4" marL="0" marR="0" algn="r">
+              <a:lnSpc>
+                <a:spcPct val="100000"/>
+              </a:lnSpc>
+              <a:spcBef>
+                <a:spcPts val="0"/>
+              </a:spcBef>
+              <a:spcAft>
+                <a:spcPts val="0"/>
+              </a:spcAft>
+              <a:buClr>
+                <a:srgbClr val="000000"/>
+              </a:buClr>
+              <a:buSzPts val="2800"/>
+              <a:buFont typeface="Arial"/>
+              <a:buNone/>
+              <a:defRPr b="0" i="0" sz="2800" u="none" cap="none" strike="noStrike">
+                <a:solidFill>
+                  <a:schemeClr val="accent1"/>
+                </a:solidFill>
+                <a:latin typeface="Gill Sans"/>
+                <a:ea typeface="Gill Sans"/>
+                <a:cs typeface="Gill Sans"/>
+                <a:sym typeface="Gill Sans"/>
+              </a:defRPr>
             </a:lvl5pPr>
-            <a:lvl6pPr indent="0" lvl="5" marL="0" algn="r">
-              <a:spcBef>
-                <a:spcPts val="0"/>
-              </a:spcBef>
-              <a:buNone/>
-              <a:defRPr/>
+            <a:lvl6pPr indent="0" lvl="5" marL="0" marR="0" algn="r">
+              <a:lnSpc>
+                <a:spcPct val="100000"/>
+              </a:lnSpc>
+              <a:spcBef>
+                <a:spcPts val="0"/>
+              </a:spcBef>
+              <a:spcAft>
+                <a:spcPts val="0"/>
+              </a:spcAft>
+              <a:buClr>
+                <a:srgbClr val="000000"/>
+              </a:buClr>
+              <a:buSzPts val="2800"/>
+              <a:buFont typeface="Arial"/>
+              <a:buNone/>
+              <a:defRPr b="0" i="0" sz="2800" u="none" cap="none" strike="noStrike">
+                <a:solidFill>
+                  <a:schemeClr val="accent1"/>
+                </a:solidFill>
+                <a:latin typeface="Gill Sans"/>
+                <a:ea typeface="Gill Sans"/>
+                <a:cs typeface="Gill Sans"/>
+                <a:sym typeface="Gill Sans"/>
+              </a:defRPr>
             </a:lvl6pPr>
-            <a:lvl7pPr indent="0" lvl="6" marL="0" algn="r">
-              <a:spcBef>
-                <a:spcPts val="0"/>
-              </a:spcBef>
-              <a:buNone/>
-              <a:defRPr/>
+            <a:lvl7pPr indent="0" lvl="6" marL="0" marR="0" algn="r">
+              <a:lnSpc>
+                <a:spcPct val="100000"/>
+              </a:lnSpc>
+              <a:spcBef>
+                <a:spcPts val="0"/>
+              </a:spcBef>
+              <a:spcAft>
+                <a:spcPts val="0"/>
+              </a:spcAft>
+              <a:buClr>
+                <a:srgbClr val="000000"/>
+              </a:buClr>
+              <a:buSzPts val="2800"/>
+              <a:buFont typeface="Arial"/>
+              <a:buNone/>
+              <a:defRPr b="0" i="0" sz="2800" u="none" cap="none" strike="noStrike">
+                <a:solidFill>
+                  <a:schemeClr val="accent1"/>
+                </a:solidFill>
+                <a:latin typeface="Gill Sans"/>
+                <a:ea typeface="Gill Sans"/>
+                <a:cs typeface="Gill Sans"/>
+                <a:sym typeface="Gill Sans"/>
+              </a:defRPr>
             </a:lvl7pPr>
-            <a:lvl8pPr indent="0" lvl="7" marL="0" algn="r">
-              <a:spcBef>
-                <a:spcPts val="0"/>
-              </a:spcBef>
-              <a:buNone/>
-              <a:defRPr/>
+            <a:lvl8pPr indent="0" lvl="7" marL="0" marR="0" algn="r">
+              <a:lnSpc>
+                <a:spcPct val="100000"/>
+              </a:lnSpc>
+              <a:spcBef>
+                <a:spcPts val="0"/>
+              </a:spcBef>
+              <a:spcAft>
+                <a:spcPts val="0"/>
+              </a:spcAft>
+              <a:buClr>
+                <a:srgbClr val="000000"/>
+              </a:buClr>
+              <a:buSzPts val="2800"/>
+              <a:buFont typeface="Arial"/>
+              <a:buNone/>
+              <a:defRPr b="0" i="0" sz="2800" u="none" cap="none" strike="noStrike">
+                <a:solidFill>
+                  <a:schemeClr val="accent1"/>
+                </a:solidFill>
+                <a:latin typeface="Gill Sans"/>
+                <a:ea typeface="Gill Sans"/>
+                <a:cs typeface="Gill Sans"/>
+                <a:sym typeface="Gill Sans"/>
+              </a:defRPr>
             </a:lvl8pPr>
-            <a:lvl9pPr indent="0" lvl="8" marL="0" algn="r">
-              <a:spcBef>
-                <a:spcPts val="0"/>
-              </a:spcBef>
-              <a:buNone/>
-              <a:defRPr/>
+            <a:lvl9pPr indent="0" lvl="8" marL="0" marR="0" algn="r">
+              <a:lnSpc>
+                <a:spcPct val="100000"/>
+              </a:lnSpc>
+              <a:spcBef>
+                <a:spcPts val="0"/>
+              </a:spcBef>
+              <a:spcAft>
+                <a:spcPts val="0"/>
+              </a:spcAft>
+              <a:buClr>
+                <a:srgbClr val="000000"/>
+              </a:buClr>
+              <a:buSzPts val="2800"/>
+              <a:buFont typeface="Arial"/>
+              <a:buNone/>
+              <a:defRPr b="0" i="0" sz="2800" u="none" cap="none" strike="noStrike">
+                <a:solidFill>
+                  <a:schemeClr val="accent1"/>
+                </a:solidFill>
+                <a:latin typeface="Gill Sans"/>
+                <a:ea typeface="Gill Sans"/>
+                <a:cs typeface="Gill Sans"/>
+                <a:sym typeface="Gill Sans"/>
+              </a:defRPr>
             </a:lvl9pPr>
           </a:lstStyle>
           <a:p>
@@ -6383,7 +8344,10 @@
               <a:buNone/>
               <a:defRPr/>
             </a:lvl1pPr>
-            <a:lvl2pPr lvl="1">
+            <a:lvl2pPr lvl="1" algn="l">
+              <a:lnSpc>
+                <a:spcPct val="100000"/>
+              </a:lnSpc>
               <a:spcBef>
                 <a:spcPts val="0"/>
               </a:spcBef>
@@ -6394,7 +8358,10 @@
               <a:buNone/>
               <a:defRPr/>
             </a:lvl2pPr>
-            <a:lvl3pPr lvl="2">
+            <a:lvl3pPr lvl="2" algn="l">
+              <a:lnSpc>
+                <a:spcPct val="100000"/>
+              </a:lnSpc>
               <a:spcBef>
                 <a:spcPts val="0"/>
               </a:spcBef>
@@ -6405,7 +8372,10 @@
               <a:buNone/>
               <a:defRPr/>
             </a:lvl3pPr>
-            <a:lvl4pPr lvl="3">
+            <a:lvl4pPr lvl="3" algn="l">
+              <a:lnSpc>
+                <a:spcPct val="100000"/>
+              </a:lnSpc>
               <a:spcBef>
                 <a:spcPts val="0"/>
               </a:spcBef>
@@ -6416,7 +8386,10 @@
               <a:buNone/>
               <a:defRPr/>
             </a:lvl4pPr>
-            <a:lvl5pPr lvl="4">
+            <a:lvl5pPr lvl="4" algn="l">
+              <a:lnSpc>
+                <a:spcPct val="100000"/>
+              </a:lnSpc>
               <a:spcBef>
                 <a:spcPts val="0"/>
               </a:spcBef>
@@ -6427,7 +8400,10 @@
               <a:buNone/>
               <a:defRPr/>
             </a:lvl5pPr>
-            <a:lvl6pPr lvl="5">
+            <a:lvl6pPr lvl="5" algn="l">
+              <a:lnSpc>
+                <a:spcPct val="100000"/>
+              </a:lnSpc>
               <a:spcBef>
                 <a:spcPts val="0"/>
               </a:spcBef>
@@ -6438,7 +8414,10 @@
               <a:buNone/>
               <a:defRPr/>
             </a:lvl6pPr>
-            <a:lvl7pPr lvl="6">
+            <a:lvl7pPr lvl="6" algn="l">
+              <a:lnSpc>
+                <a:spcPct val="100000"/>
+              </a:lnSpc>
               <a:spcBef>
                 <a:spcPts val="0"/>
               </a:spcBef>
@@ -6449,7 +8428,10 @@
               <a:buNone/>
               <a:defRPr/>
             </a:lvl7pPr>
-            <a:lvl8pPr lvl="7">
+            <a:lvl8pPr lvl="7" algn="l">
+              <a:lnSpc>
+                <a:spcPct val="100000"/>
+              </a:lnSpc>
               <a:spcBef>
                 <a:spcPts val="0"/>
               </a:spcBef>
@@ -6460,7 +8442,10 @@
               <a:buNone/>
               <a:defRPr/>
             </a:lvl8pPr>
-            <a:lvl9pPr lvl="8">
+            <a:lvl9pPr lvl="8" algn="l">
+              <a:lnSpc>
+                <a:spcPct val="100000"/>
+              </a:lnSpc>
               <a:spcBef>
                 <a:spcPts val="0"/>
               </a:spcBef>
@@ -7134,6 +9119,9 @@
           </a:bodyPr>
           <a:lstStyle>
             <a:lvl1pPr lvl="0" algn="r">
+              <a:lnSpc>
+                <a:spcPct val="100000"/>
+              </a:lnSpc>
               <a:spcBef>
                 <a:spcPts val="0"/>
               </a:spcBef>
@@ -7145,6 +9133,9 @@
               <a:defRPr/>
             </a:lvl1pPr>
             <a:lvl2pPr lvl="1" algn="l">
+              <a:lnSpc>
+                <a:spcPct val="100000"/>
+              </a:lnSpc>
               <a:spcBef>
                 <a:spcPts val="0"/>
               </a:spcBef>
@@ -7156,6 +9147,9 @@
               <a:defRPr/>
             </a:lvl2pPr>
             <a:lvl3pPr lvl="2" algn="l">
+              <a:lnSpc>
+                <a:spcPct val="100000"/>
+              </a:lnSpc>
               <a:spcBef>
                 <a:spcPts val="0"/>
               </a:spcBef>
@@ -7167,6 +9161,9 @@
               <a:defRPr/>
             </a:lvl3pPr>
             <a:lvl4pPr lvl="3" algn="l">
+              <a:lnSpc>
+                <a:spcPct val="100000"/>
+              </a:lnSpc>
               <a:spcBef>
                 <a:spcPts val="0"/>
               </a:spcBef>
@@ -7178,6 +9175,9 @@
               <a:defRPr/>
             </a:lvl4pPr>
             <a:lvl5pPr lvl="4" algn="l">
+              <a:lnSpc>
+                <a:spcPct val="100000"/>
+              </a:lnSpc>
               <a:spcBef>
                 <a:spcPts val="0"/>
               </a:spcBef>
@@ -7189,6 +9189,9 @@
               <a:defRPr/>
             </a:lvl5pPr>
             <a:lvl6pPr lvl="5" algn="l">
+              <a:lnSpc>
+                <a:spcPct val="100000"/>
+              </a:lnSpc>
               <a:spcBef>
                 <a:spcPts val="0"/>
               </a:spcBef>
@@ -7200,6 +9203,9 @@
               <a:defRPr/>
             </a:lvl6pPr>
             <a:lvl7pPr lvl="6" algn="l">
+              <a:lnSpc>
+                <a:spcPct val="100000"/>
+              </a:lnSpc>
               <a:spcBef>
                 <a:spcPts val="0"/>
               </a:spcBef>
@@ -7211,6 +9217,9 @@
               <a:defRPr/>
             </a:lvl7pPr>
             <a:lvl8pPr lvl="7" algn="l">
+              <a:lnSpc>
+                <a:spcPct val="100000"/>
+              </a:lnSpc>
               <a:spcBef>
                 <a:spcPts val="0"/>
               </a:spcBef>
@@ -7222,6 +9231,9 @@
               <a:defRPr/>
             </a:lvl8pPr>
             <a:lvl9pPr lvl="8" algn="l">
+              <a:lnSpc>
+                <a:spcPct val="100000"/>
+              </a:lnSpc>
               <a:spcBef>
                 <a:spcPts val="0"/>
               </a:spcBef>
@@ -7263,6 +9275,9 @@
           </a:bodyPr>
           <a:lstStyle>
             <a:lvl1pPr lvl="0" algn="l">
+              <a:lnSpc>
+                <a:spcPct val="100000"/>
+              </a:lnSpc>
               <a:spcBef>
                 <a:spcPts val="0"/>
               </a:spcBef>
@@ -7274,6 +9289,9 @@
               <a:defRPr/>
             </a:lvl1pPr>
             <a:lvl2pPr lvl="1" algn="l">
+              <a:lnSpc>
+                <a:spcPct val="100000"/>
+              </a:lnSpc>
               <a:spcBef>
                 <a:spcPts val="0"/>
               </a:spcBef>
@@ -7285,6 +9303,9 @@
               <a:defRPr/>
             </a:lvl2pPr>
             <a:lvl3pPr lvl="2" algn="l">
+              <a:lnSpc>
+                <a:spcPct val="100000"/>
+              </a:lnSpc>
               <a:spcBef>
                 <a:spcPts val="0"/>
               </a:spcBef>
@@ -7296,6 +9317,9 @@
               <a:defRPr/>
             </a:lvl3pPr>
             <a:lvl4pPr lvl="3" algn="l">
+              <a:lnSpc>
+                <a:spcPct val="100000"/>
+              </a:lnSpc>
               <a:spcBef>
                 <a:spcPts val="0"/>
               </a:spcBef>
@@ -7307,6 +9331,9 @@
               <a:defRPr/>
             </a:lvl4pPr>
             <a:lvl5pPr lvl="4" algn="l">
+              <a:lnSpc>
+                <a:spcPct val="100000"/>
+              </a:lnSpc>
               <a:spcBef>
                 <a:spcPts val="0"/>
               </a:spcBef>
@@ -7318,6 +9345,9 @@
               <a:defRPr/>
             </a:lvl5pPr>
             <a:lvl6pPr lvl="5" algn="l">
+              <a:lnSpc>
+                <a:spcPct val="100000"/>
+              </a:lnSpc>
               <a:spcBef>
                 <a:spcPts val="0"/>
               </a:spcBef>
@@ -7329,6 +9359,9 @@
               <a:defRPr/>
             </a:lvl6pPr>
             <a:lvl7pPr lvl="6" algn="l">
+              <a:lnSpc>
+                <a:spcPct val="100000"/>
+              </a:lnSpc>
               <a:spcBef>
                 <a:spcPts val="0"/>
               </a:spcBef>
@@ -7340,6 +9373,9 @@
               <a:defRPr/>
             </a:lvl7pPr>
             <a:lvl8pPr lvl="7" algn="l">
+              <a:lnSpc>
+                <a:spcPct val="100000"/>
+              </a:lnSpc>
               <a:spcBef>
                 <a:spcPts val="0"/>
               </a:spcBef>
@@ -7351,6 +9387,9 @@
               <a:defRPr/>
             </a:lvl8pPr>
             <a:lvl9pPr lvl="8" algn="l">
+              <a:lnSpc>
+                <a:spcPct val="100000"/>
+              </a:lnSpc>
               <a:spcBef>
                 <a:spcPts val="0"/>
               </a:spcBef>
@@ -7391,68 +9430,239 @@
             <a:noAutofit/>
           </a:bodyPr>
           <a:lstStyle>
-            <a:lvl1pPr indent="0" lvl="0" marL="0" algn="r">
-              <a:spcBef>
-                <a:spcPts val="0"/>
-              </a:spcBef>
-              <a:buNone/>
-              <a:defRPr/>
+            <a:lvl1pPr indent="0" lvl="0" marL="0" marR="0" algn="r">
+              <a:lnSpc>
+                <a:spcPct val="100000"/>
+              </a:lnSpc>
+              <a:spcBef>
+                <a:spcPts val="0"/>
+              </a:spcBef>
+              <a:spcAft>
+                <a:spcPts val="0"/>
+              </a:spcAft>
+              <a:buClr>
+                <a:srgbClr val="000000"/>
+              </a:buClr>
+              <a:buSzPts val="2800"/>
+              <a:buFont typeface="Arial"/>
+              <a:buNone/>
+              <a:defRPr b="0" i="0" sz="2800" u="none" cap="none" strike="noStrike">
+                <a:solidFill>
+                  <a:schemeClr val="accent1"/>
+                </a:solidFill>
+                <a:latin typeface="Gill Sans"/>
+                <a:ea typeface="Gill Sans"/>
+                <a:cs typeface="Gill Sans"/>
+                <a:sym typeface="Gill Sans"/>
+              </a:defRPr>
             </a:lvl1pPr>
-            <a:lvl2pPr indent="0" lvl="1" marL="0" algn="r">
-              <a:spcBef>
-                <a:spcPts val="0"/>
-              </a:spcBef>
-              <a:buNone/>
-              <a:defRPr/>
+            <a:lvl2pPr indent="0" lvl="1" marL="0" marR="0" algn="r">
+              <a:lnSpc>
+                <a:spcPct val="100000"/>
+              </a:lnSpc>
+              <a:spcBef>
+                <a:spcPts val="0"/>
+              </a:spcBef>
+              <a:spcAft>
+                <a:spcPts val="0"/>
+              </a:spcAft>
+              <a:buClr>
+                <a:srgbClr val="000000"/>
+              </a:buClr>
+              <a:buSzPts val="2800"/>
+              <a:buFont typeface="Arial"/>
+              <a:buNone/>
+              <a:defRPr b="0" i="0" sz="2800" u="none" cap="none" strike="noStrike">
+                <a:solidFill>
+                  <a:schemeClr val="accent1"/>
+                </a:solidFill>
+                <a:latin typeface="Gill Sans"/>
+                <a:ea typeface="Gill Sans"/>
+                <a:cs typeface="Gill Sans"/>
+                <a:sym typeface="Gill Sans"/>
+              </a:defRPr>
             </a:lvl2pPr>
-            <a:lvl3pPr indent="0" lvl="2" marL="0" algn="r">
-              <a:spcBef>
-                <a:spcPts val="0"/>
-              </a:spcBef>
-              <a:buNone/>
-              <a:defRPr/>
+            <a:lvl3pPr indent="0" lvl="2" marL="0" marR="0" algn="r">
+              <a:lnSpc>
+                <a:spcPct val="100000"/>
+              </a:lnSpc>
+              <a:spcBef>
+                <a:spcPts val="0"/>
+              </a:spcBef>
+              <a:spcAft>
+                <a:spcPts val="0"/>
+              </a:spcAft>
+              <a:buClr>
+                <a:srgbClr val="000000"/>
+              </a:buClr>
+              <a:buSzPts val="2800"/>
+              <a:buFont typeface="Arial"/>
+              <a:buNone/>
+              <a:defRPr b="0" i="0" sz="2800" u="none" cap="none" strike="noStrike">
+                <a:solidFill>
+                  <a:schemeClr val="accent1"/>
+                </a:solidFill>
+                <a:latin typeface="Gill Sans"/>
+                <a:ea typeface="Gill Sans"/>
+                <a:cs typeface="Gill Sans"/>
+                <a:sym typeface="Gill Sans"/>
+              </a:defRPr>
             </a:lvl3pPr>
-            <a:lvl4pPr indent="0" lvl="3" marL="0" algn="r">
-              <a:spcBef>
-                <a:spcPts val="0"/>
-              </a:spcBef>
-              <a:buNone/>
-              <a:defRPr/>
+            <a:lvl4pPr indent="0" lvl="3" marL="0" marR="0" algn="r">
+              <a:lnSpc>
+                <a:spcPct val="100000"/>
+              </a:lnSpc>
+              <a:spcBef>
+                <a:spcPts val="0"/>
+              </a:spcBef>
+              <a:spcAft>
+                <a:spcPts val="0"/>
+              </a:spcAft>
+              <a:buClr>
+                <a:srgbClr val="000000"/>
+              </a:buClr>
+              <a:buSzPts val="2800"/>
+              <a:buFont typeface="Arial"/>
+              <a:buNone/>
+              <a:defRPr b="0" i="0" sz="2800" u="none" cap="none" strike="noStrike">
+                <a:solidFill>
+                  <a:schemeClr val="accent1"/>
+                </a:solidFill>
+                <a:latin typeface="Gill Sans"/>
+                <a:ea typeface="Gill Sans"/>
+                <a:cs typeface="Gill Sans"/>
+                <a:sym typeface="Gill Sans"/>
+              </a:defRPr>
             </a:lvl4pPr>
-            <a:lvl5pPr indent="0" lvl="4" marL="0" algn="r">
-              <a:spcBef>
-                <a:spcPts val="0"/>
-              </a:spcBef>
-              <a:buNone/>
-              <a:defRPr/>
+            <a:lvl5pPr indent="0" lvl="4" marL="0" marR="0" algn="r">
+              <a:lnSpc>
+                <a:spcPct val="100000"/>
+              </a:lnSpc>
+              <a:spcBef>
+                <a:spcPts val="0"/>
+              </a:spcBef>
+              <a:spcAft>
+                <a:spcPts val="0"/>
+              </a:spcAft>
+              <a:buClr>
+                <a:srgbClr val="000000"/>
+              </a:buClr>
+              <a:buSzPts val="2800"/>
+              <a:buFont typeface="Arial"/>
+              <a:buNone/>
+              <a:defRPr b="0" i="0" sz="2800" u="none" cap="none" strike="noStrike">
+                <a:solidFill>
+                  <a:schemeClr val="accent1"/>
+                </a:solidFill>
+                <a:latin typeface="Gill Sans"/>
+                <a:ea typeface="Gill Sans"/>
+                <a:cs typeface="Gill Sans"/>
+                <a:sym typeface="Gill Sans"/>
+              </a:defRPr>
             </a:lvl5pPr>
-            <a:lvl6pPr indent="0" lvl="5" marL="0" algn="r">
-              <a:spcBef>
-                <a:spcPts val="0"/>
-              </a:spcBef>
-              <a:buNone/>
-              <a:defRPr/>
+            <a:lvl6pPr indent="0" lvl="5" marL="0" marR="0" algn="r">
+              <a:lnSpc>
+                <a:spcPct val="100000"/>
+              </a:lnSpc>
+              <a:spcBef>
+                <a:spcPts val="0"/>
+              </a:spcBef>
+              <a:spcAft>
+                <a:spcPts val="0"/>
+              </a:spcAft>
+              <a:buClr>
+                <a:srgbClr val="000000"/>
+              </a:buClr>
+              <a:buSzPts val="2800"/>
+              <a:buFont typeface="Arial"/>
+              <a:buNone/>
+              <a:defRPr b="0" i="0" sz="2800" u="none" cap="none" strike="noStrike">
+                <a:solidFill>
+                  <a:schemeClr val="accent1"/>
+                </a:solidFill>
+                <a:latin typeface="Gill Sans"/>
+                <a:ea typeface="Gill Sans"/>
+                <a:cs typeface="Gill Sans"/>
+                <a:sym typeface="Gill Sans"/>
+              </a:defRPr>
             </a:lvl6pPr>
-            <a:lvl7pPr indent="0" lvl="6" marL="0" algn="r">
-              <a:spcBef>
-                <a:spcPts val="0"/>
-              </a:spcBef>
-              <a:buNone/>
-              <a:defRPr/>
+            <a:lvl7pPr indent="0" lvl="6" marL="0" marR="0" algn="r">
+              <a:lnSpc>
+                <a:spcPct val="100000"/>
+              </a:lnSpc>
+              <a:spcBef>
+                <a:spcPts val="0"/>
+              </a:spcBef>
+              <a:spcAft>
+                <a:spcPts val="0"/>
+              </a:spcAft>
+              <a:buClr>
+                <a:srgbClr val="000000"/>
+              </a:buClr>
+              <a:buSzPts val="2800"/>
+              <a:buFont typeface="Arial"/>
+              <a:buNone/>
+              <a:defRPr b="0" i="0" sz="2800" u="none" cap="none" strike="noStrike">
+                <a:solidFill>
+                  <a:schemeClr val="accent1"/>
+                </a:solidFill>
+                <a:latin typeface="Gill Sans"/>
+                <a:ea typeface="Gill Sans"/>
+                <a:cs typeface="Gill Sans"/>
+                <a:sym typeface="Gill Sans"/>
+              </a:defRPr>
             </a:lvl7pPr>
-            <a:lvl8pPr indent="0" lvl="7" marL="0" algn="r">
-              <a:spcBef>
-                <a:spcPts val="0"/>
-              </a:spcBef>
-              <a:buNone/>
-              <a:defRPr/>
+            <a:lvl8pPr indent="0" lvl="7" marL="0" marR="0" algn="r">
+              <a:lnSpc>
+                <a:spcPct val="100000"/>
+              </a:lnSpc>
+              <a:spcBef>
+                <a:spcPts val="0"/>
+              </a:spcBef>
+              <a:spcAft>
+                <a:spcPts val="0"/>
+              </a:spcAft>
+              <a:buClr>
+                <a:srgbClr val="000000"/>
+              </a:buClr>
+              <a:buSzPts val="2800"/>
+              <a:buFont typeface="Arial"/>
+              <a:buNone/>
+              <a:defRPr b="0" i="0" sz="2800" u="none" cap="none" strike="noStrike">
+                <a:solidFill>
+                  <a:schemeClr val="accent1"/>
+                </a:solidFill>
+                <a:latin typeface="Gill Sans"/>
+                <a:ea typeface="Gill Sans"/>
+                <a:cs typeface="Gill Sans"/>
+                <a:sym typeface="Gill Sans"/>
+              </a:defRPr>
             </a:lvl8pPr>
-            <a:lvl9pPr indent="0" lvl="8" marL="0" algn="r">
-              <a:spcBef>
-                <a:spcPts val="0"/>
-              </a:spcBef>
-              <a:buNone/>
-              <a:defRPr/>
+            <a:lvl9pPr indent="0" lvl="8" marL="0" marR="0" algn="r">
+              <a:lnSpc>
+                <a:spcPct val="100000"/>
+              </a:lnSpc>
+              <a:spcBef>
+                <a:spcPts val="0"/>
+              </a:spcBef>
+              <a:spcAft>
+                <a:spcPts val="0"/>
+              </a:spcAft>
+              <a:buClr>
+                <a:srgbClr val="000000"/>
+              </a:buClr>
+              <a:buSzPts val="2800"/>
+              <a:buFont typeface="Arial"/>
+              <a:buNone/>
+              <a:defRPr b="0" i="0" sz="2800" u="none" cap="none" strike="noStrike">
+                <a:solidFill>
+                  <a:schemeClr val="accent1"/>
+                </a:solidFill>
+                <a:latin typeface="Gill Sans"/>
+                <a:ea typeface="Gill Sans"/>
+                <a:cs typeface="Gill Sans"/>
+                <a:sym typeface="Gill Sans"/>
+              </a:defRPr>
             </a:lvl9pPr>
           </a:lstStyle>
           <a:p>
@@ -7567,7 +9777,10 @@
               <a:buNone/>
               <a:defRPr/>
             </a:lvl1pPr>
-            <a:lvl2pPr lvl="1">
+            <a:lvl2pPr lvl="1" algn="l">
+              <a:lnSpc>
+                <a:spcPct val="100000"/>
+              </a:lnSpc>
               <a:spcBef>
                 <a:spcPts val="0"/>
               </a:spcBef>
@@ -7578,7 +9791,10 @@
               <a:buNone/>
               <a:defRPr/>
             </a:lvl2pPr>
-            <a:lvl3pPr lvl="2">
+            <a:lvl3pPr lvl="2" algn="l">
+              <a:lnSpc>
+                <a:spcPct val="100000"/>
+              </a:lnSpc>
               <a:spcBef>
                 <a:spcPts val="0"/>
               </a:spcBef>
@@ -7589,7 +9805,10 @@
               <a:buNone/>
               <a:defRPr/>
             </a:lvl3pPr>
-            <a:lvl4pPr lvl="3">
+            <a:lvl4pPr lvl="3" algn="l">
+              <a:lnSpc>
+                <a:spcPct val="100000"/>
+              </a:lnSpc>
               <a:spcBef>
                 <a:spcPts val="0"/>
               </a:spcBef>
@@ -7600,7 +9819,10 @@
               <a:buNone/>
               <a:defRPr/>
             </a:lvl4pPr>
-            <a:lvl5pPr lvl="4">
+            <a:lvl5pPr lvl="4" algn="l">
+              <a:lnSpc>
+                <a:spcPct val="100000"/>
+              </a:lnSpc>
               <a:spcBef>
                 <a:spcPts val="0"/>
               </a:spcBef>
@@ -7611,7 +9833,10 @@
               <a:buNone/>
               <a:defRPr/>
             </a:lvl5pPr>
-            <a:lvl6pPr lvl="5">
+            <a:lvl6pPr lvl="5" algn="l">
+              <a:lnSpc>
+                <a:spcPct val="100000"/>
+              </a:lnSpc>
               <a:spcBef>
                 <a:spcPts val="0"/>
               </a:spcBef>
@@ -7622,7 +9847,10 @@
               <a:buNone/>
               <a:defRPr/>
             </a:lvl6pPr>
-            <a:lvl7pPr lvl="6">
+            <a:lvl7pPr lvl="6" algn="l">
+              <a:lnSpc>
+                <a:spcPct val="100000"/>
+              </a:lnSpc>
               <a:spcBef>
                 <a:spcPts val="0"/>
               </a:spcBef>
@@ -7633,7 +9861,10 @@
               <a:buNone/>
               <a:defRPr/>
             </a:lvl7pPr>
-            <a:lvl8pPr lvl="7">
+            <a:lvl8pPr lvl="7" algn="l">
+              <a:lnSpc>
+                <a:spcPct val="100000"/>
+              </a:lnSpc>
               <a:spcBef>
                 <a:spcPts val="0"/>
               </a:spcBef>
@@ -7644,7 +9875,10 @@
               <a:buNone/>
               <a:defRPr/>
             </a:lvl8pPr>
-            <a:lvl9pPr lvl="8">
+            <a:lvl9pPr lvl="8" algn="l">
+              <a:lnSpc>
+                <a:spcPct val="100000"/>
+              </a:lnSpc>
               <a:spcBef>
                 <a:spcPts val="0"/>
               </a:spcBef>
@@ -7686,6 +9920,9 @@
           </a:bodyPr>
           <a:lstStyle>
             <a:lvl1pPr lvl="0" algn="r">
+              <a:lnSpc>
+                <a:spcPct val="100000"/>
+              </a:lnSpc>
               <a:spcBef>
                 <a:spcPts val="0"/>
               </a:spcBef>
@@ -7697,6 +9934,9 @@
               <a:defRPr/>
             </a:lvl1pPr>
             <a:lvl2pPr lvl="1" algn="l">
+              <a:lnSpc>
+                <a:spcPct val="100000"/>
+              </a:lnSpc>
               <a:spcBef>
                 <a:spcPts val="0"/>
               </a:spcBef>
@@ -7708,6 +9948,9 @@
               <a:defRPr/>
             </a:lvl2pPr>
             <a:lvl3pPr lvl="2" algn="l">
+              <a:lnSpc>
+                <a:spcPct val="100000"/>
+              </a:lnSpc>
               <a:spcBef>
                 <a:spcPts val="0"/>
               </a:spcBef>
@@ -7719,6 +9962,9 @@
               <a:defRPr/>
             </a:lvl3pPr>
             <a:lvl4pPr lvl="3" algn="l">
+              <a:lnSpc>
+                <a:spcPct val="100000"/>
+              </a:lnSpc>
               <a:spcBef>
                 <a:spcPts val="0"/>
               </a:spcBef>
@@ -7730,6 +9976,9 @@
               <a:defRPr/>
             </a:lvl4pPr>
             <a:lvl5pPr lvl="4" algn="l">
+              <a:lnSpc>
+                <a:spcPct val="100000"/>
+              </a:lnSpc>
               <a:spcBef>
                 <a:spcPts val="0"/>
               </a:spcBef>
@@ -7741,6 +9990,9 @@
               <a:defRPr/>
             </a:lvl5pPr>
             <a:lvl6pPr lvl="5" algn="l">
+              <a:lnSpc>
+                <a:spcPct val="100000"/>
+              </a:lnSpc>
               <a:spcBef>
                 <a:spcPts val="0"/>
               </a:spcBef>
@@ -7752,6 +10004,9 @@
               <a:defRPr/>
             </a:lvl6pPr>
             <a:lvl7pPr lvl="6" algn="l">
+              <a:lnSpc>
+                <a:spcPct val="100000"/>
+              </a:lnSpc>
               <a:spcBef>
                 <a:spcPts val="0"/>
               </a:spcBef>
@@ -7763,6 +10018,9 @@
               <a:defRPr/>
             </a:lvl7pPr>
             <a:lvl8pPr lvl="7" algn="l">
+              <a:lnSpc>
+                <a:spcPct val="100000"/>
+              </a:lnSpc>
               <a:spcBef>
                 <a:spcPts val="0"/>
               </a:spcBef>
@@ -7774,6 +10032,9 @@
               <a:defRPr/>
             </a:lvl8pPr>
             <a:lvl9pPr lvl="8" algn="l">
+              <a:lnSpc>
+                <a:spcPct val="100000"/>
+              </a:lnSpc>
               <a:spcBef>
                 <a:spcPts val="0"/>
               </a:spcBef>
@@ -7815,6 +10076,9 @@
           </a:bodyPr>
           <a:lstStyle>
             <a:lvl1pPr lvl="0" algn="l">
+              <a:lnSpc>
+                <a:spcPct val="100000"/>
+              </a:lnSpc>
               <a:spcBef>
                 <a:spcPts val="0"/>
               </a:spcBef>
@@ -7826,6 +10090,9 @@
               <a:defRPr/>
             </a:lvl1pPr>
             <a:lvl2pPr lvl="1" algn="l">
+              <a:lnSpc>
+                <a:spcPct val="100000"/>
+              </a:lnSpc>
               <a:spcBef>
                 <a:spcPts val="0"/>
               </a:spcBef>
@@ -7837,6 +10104,9 @@
               <a:defRPr/>
             </a:lvl2pPr>
             <a:lvl3pPr lvl="2" algn="l">
+              <a:lnSpc>
+                <a:spcPct val="100000"/>
+              </a:lnSpc>
               <a:spcBef>
                 <a:spcPts val="0"/>
               </a:spcBef>
@@ -7848,6 +10118,9 @@
               <a:defRPr/>
             </a:lvl3pPr>
             <a:lvl4pPr lvl="3" algn="l">
+              <a:lnSpc>
+                <a:spcPct val="100000"/>
+              </a:lnSpc>
               <a:spcBef>
                 <a:spcPts val="0"/>
               </a:spcBef>
@@ -7859,6 +10132,9 @@
               <a:defRPr/>
             </a:lvl4pPr>
             <a:lvl5pPr lvl="4" algn="l">
+              <a:lnSpc>
+                <a:spcPct val="100000"/>
+              </a:lnSpc>
               <a:spcBef>
                 <a:spcPts val="0"/>
               </a:spcBef>
@@ -7870,6 +10146,9 @@
               <a:defRPr/>
             </a:lvl5pPr>
             <a:lvl6pPr lvl="5" algn="l">
+              <a:lnSpc>
+                <a:spcPct val="100000"/>
+              </a:lnSpc>
               <a:spcBef>
                 <a:spcPts val="0"/>
               </a:spcBef>
@@ -7881,6 +10160,9 @@
               <a:defRPr/>
             </a:lvl6pPr>
             <a:lvl7pPr lvl="6" algn="l">
+              <a:lnSpc>
+                <a:spcPct val="100000"/>
+              </a:lnSpc>
               <a:spcBef>
                 <a:spcPts val="0"/>
               </a:spcBef>
@@ -7892,6 +10174,9 @@
               <a:defRPr/>
             </a:lvl7pPr>
             <a:lvl8pPr lvl="7" algn="l">
+              <a:lnSpc>
+                <a:spcPct val="100000"/>
+              </a:lnSpc>
               <a:spcBef>
                 <a:spcPts val="0"/>
               </a:spcBef>
@@ -7903,6 +10188,9 @@
               <a:defRPr/>
             </a:lvl8pPr>
             <a:lvl9pPr lvl="8" algn="l">
+              <a:lnSpc>
+                <a:spcPct val="100000"/>
+              </a:lnSpc>
               <a:spcBef>
                 <a:spcPts val="0"/>
               </a:spcBef>
@@ -7943,68 +10231,239 @@
             <a:noAutofit/>
           </a:bodyPr>
           <a:lstStyle>
-            <a:lvl1pPr indent="0" lvl="0" marL="0" algn="r">
-              <a:spcBef>
-                <a:spcPts val="0"/>
-              </a:spcBef>
-              <a:buNone/>
-              <a:defRPr/>
+            <a:lvl1pPr indent="0" lvl="0" marL="0" marR="0" algn="r">
+              <a:lnSpc>
+                <a:spcPct val="100000"/>
+              </a:lnSpc>
+              <a:spcBef>
+                <a:spcPts val="0"/>
+              </a:spcBef>
+              <a:spcAft>
+                <a:spcPts val="0"/>
+              </a:spcAft>
+              <a:buClr>
+                <a:srgbClr val="000000"/>
+              </a:buClr>
+              <a:buSzPts val="2800"/>
+              <a:buFont typeface="Arial"/>
+              <a:buNone/>
+              <a:defRPr b="0" i="0" sz="2800" u="none" cap="none" strike="noStrike">
+                <a:solidFill>
+                  <a:schemeClr val="accent1"/>
+                </a:solidFill>
+                <a:latin typeface="Gill Sans"/>
+                <a:ea typeface="Gill Sans"/>
+                <a:cs typeface="Gill Sans"/>
+                <a:sym typeface="Gill Sans"/>
+              </a:defRPr>
             </a:lvl1pPr>
-            <a:lvl2pPr indent="0" lvl="1" marL="0" algn="r">
-              <a:spcBef>
-                <a:spcPts val="0"/>
-              </a:spcBef>
-              <a:buNone/>
-              <a:defRPr/>
+            <a:lvl2pPr indent="0" lvl="1" marL="0" marR="0" algn="r">
+              <a:lnSpc>
+                <a:spcPct val="100000"/>
+              </a:lnSpc>
+              <a:spcBef>
+                <a:spcPts val="0"/>
+              </a:spcBef>
+              <a:spcAft>
+                <a:spcPts val="0"/>
+              </a:spcAft>
+              <a:buClr>
+                <a:srgbClr val="000000"/>
+              </a:buClr>
+              <a:buSzPts val="2800"/>
+              <a:buFont typeface="Arial"/>
+              <a:buNone/>
+              <a:defRPr b="0" i="0" sz="2800" u="none" cap="none" strike="noStrike">
+                <a:solidFill>
+                  <a:schemeClr val="accent1"/>
+                </a:solidFill>
+                <a:latin typeface="Gill Sans"/>
+                <a:ea typeface="Gill Sans"/>
+                <a:cs typeface="Gill Sans"/>
+                <a:sym typeface="Gill Sans"/>
+              </a:defRPr>
             </a:lvl2pPr>
-            <a:lvl3pPr indent="0" lvl="2" marL="0" algn="r">
-              <a:spcBef>
-                <a:spcPts val="0"/>
-              </a:spcBef>
-              <a:buNone/>
-              <a:defRPr/>
+            <a:lvl3pPr indent="0" lvl="2" marL="0" marR="0" algn="r">
+              <a:lnSpc>
+                <a:spcPct val="100000"/>
+              </a:lnSpc>
+              <a:spcBef>
+                <a:spcPts val="0"/>
+              </a:spcBef>
+              <a:spcAft>
+                <a:spcPts val="0"/>
+              </a:spcAft>
+              <a:buClr>
+                <a:srgbClr val="000000"/>
+              </a:buClr>
+              <a:buSzPts val="2800"/>
+              <a:buFont typeface="Arial"/>
+              <a:buNone/>
+              <a:defRPr b="0" i="0" sz="2800" u="none" cap="none" strike="noStrike">
+                <a:solidFill>
+                  <a:schemeClr val="accent1"/>
+                </a:solidFill>
+                <a:latin typeface="Gill Sans"/>
+                <a:ea typeface="Gill Sans"/>
+                <a:cs typeface="Gill Sans"/>
+                <a:sym typeface="Gill Sans"/>
+              </a:defRPr>
             </a:lvl3pPr>
-            <a:lvl4pPr indent="0" lvl="3" marL="0" algn="r">
-              <a:spcBef>
-                <a:spcPts val="0"/>
-              </a:spcBef>
-              <a:buNone/>
-              <a:defRPr/>
+            <a:lvl4pPr indent="0" lvl="3" marL="0" marR="0" algn="r">
+              <a:lnSpc>
+                <a:spcPct val="100000"/>
+              </a:lnSpc>
+              <a:spcBef>
+                <a:spcPts val="0"/>
+              </a:spcBef>
+              <a:spcAft>
+                <a:spcPts val="0"/>
+              </a:spcAft>
+              <a:buClr>
+                <a:srgbClr val="000000"/>
+              </a:buClr>
+              <a:buSzPts val="2800"/>
+              <a:buFont typeface="Arial"/>
+              <a:buNone/>
+              <a:defRPr b="0" i="0" sz="2800" u="none" cap="none" strike="noStrike">
+                <a:solidFill>
+                  <a:schemeClr val="accent1"/>
+                </a:solidFill>
+                <a:latin typeface="Gill Sans"/>
+                <a:ea typeface="Gill Sans"/>
+                <a:cs typeface="Gill Sans"/>
+                <a:sym typeface="Gill Sans"/>
+              </a:defRPr>
             </a:lvl4pPr>
-            <a:lvl5pPr indent="0" lvl="4" marL="0" algn="r">
-              <a:spcBef>
-                <a:spcPts val="0"/>
-              </a:spcBef>
-              <a:buNone/>
-              <a:defRPr/>
+            <a:lvl5pPr indent="0" lvl="4" marL="0" marR="0" algn="r">
+              <a:lnSpc>
+                <a:spcPct val="100000"/>
+              </a:lnSpc>
+              <a:spcBef>
+                <a:spcPts val="0"/>
+              </a:spcBef>
+              <a:spcAft>
+                <a:spcPts val="0"/>
+              </a:spcAft>
+              <a:buClr>
+                <a:srgbClr val="000000"/>
+              </a:buClr>
+              <a:buSzPts val="2800"/>
+              <a:buFont typeface="Arial"/>
+              <a:buNone/>
+              <a:defRPr b="0" i="0" sz="2800" u="none" cap="none" strike="noStrike">
+                <a:solidFill>
+                  <a:schemeClr val="accent1"/>
+                </a:solidFill>
+                <a:latin typeface="Gill Sans"/>
+                <a:ea typeface="Gill Sans"/>
+                <a:cs typeface="Gill Sans"/>
+                <a:sym typeface="Gill Sans"/>
+              </a:defRPr>
             </a:lvl5pPr>
-            <a:lvl6pPr indent="0" lvl="5" marL="0" algn="r">
-              <a:spcBef>
-                <a:spcPts val="0"/>
-              </a:spcBef>
-              <a:buNone/>
-              <a:defRPr/>
+            <a:lvl6pPr indent="0" lvl="5" marL="0" marR="0" algn="r">
+              <a:lnSpc>
+                <a:spcPct val="100000"/>
+              </a:lnSpc>
+              <a:spcBef>
+                <a:spcPts val="0"/>
+              </a:spcBef>
+              <a:spcAft>
+                <a:spcPts val="0"/>
+              </a:spcAft>
+              <a:buClr>
+                <a:srgbClr val="000000"/>
+              </a:buClr>
+              <a:buSzPts val="2800"/>
+              <a:buFont typeface="Arial"/>
+              <a:buNone/>
+              <a:defRPr b="0" i="0" sz="2800" u="none" cap="none" strike="noStrike">
+                <a:solidFill>
+                  <a:schemeClr val="accent1"/>
+                </a:solidFill>
+                <a:latin typeface="Gill Sans"/>
+                <a:ea typeface="Gill Sans"/>
+                <a:cs typeface="Gill Sans"/>
+                <a:sym typeface="Gill Sans"/>
+              </a:defRPr>
             </a:lvl6pPr>
-            <a:lvl7pPr indent="0" lvl="6" marL="0" algn="r">
-              <a:spcBef>
-                <a:spcPts val="0"/>
-              </a:spcBef>
-              <a:buNone/>
-              <a:defRPr/>
+            <a:lvl7pPr indent="0" lvl="6" marL="0" marR="0" algn="r">
+              <a:lnSpc>
+                <a:spcPct val="100000"/>
+              </a:lnSpc>
+              <a:spcBef>
+                <a:spcPts val="0"/>
+              </a:spcBef>
+              <a:spcAft>
+                <a:spcPts val="0"/>
+              </a:spcAft>
+              <a:buClr>
+                <a:srgbClr val="000000"/>
+              </a:buClr>
+              <a:buSzPts val="2800"/>
+              <a:buFont typeface="Arial"/>
+              <a:buNone/>
+              <a:defRPr b="0" i="0" sz="2800" u="none" cap="none" strike="noStrike">
+                <a:solidFill>
+                  <a:schemeClr val="accent1"/>
+                </a:solidFill>
+                <a:latin typeface="Gill Sans"/>
+                <a:ea typeface="Gill Sans"/>
+                <a:cs typeface="Gill Sans"/>
+                <a:sym typeface="Gill Sans"/>
+              </a:defRPr>
             </a:lvl7pPr>
-            <a:lvl8pPr indent="0" lvl="7" marL="0" algn="r">
-              <a:spcBef>
-                <a:spcPts val="0"/>
-              </a:spcBef>
-              <a:buNone/>
-              <a:defRPr/>
+            <a:lvl8pPr indent="0" lvl="7" marL="0" marR="0" algn="r">
+              <a:lnSpc>
+                <a:spcPct val="100000"/>
+              </a:lnSpc>
+              <a:spcBef>
+                <a:spcPts val="0"/>
+              </a:spcBef>
+              <a:spcAft>
+                <a:spcPts val="0"/>
+              </a:spcAft>
+              <a:buClr>
+                <a:srgbClr val="000000"/>
+              </a:buClr>
+              <a:buSzPts val="2800"/>
+              <a:buFont typeface="Arial"/>
+              <a:buNone/>
+              <a:defRPr b="0" i="0" sz="2800" u="none" cap="none" strike="noStrike">
+                <a:solidFill>
+                  <a:schemeClr val="accent1"/>
+                </a:solidFill>
+                <a:latin typeface="Gill Sans"/>
+                <a:ea typeface="Gill Sans"/>
+                <a:cs typeface="Gill Sans"/>
+                <a:sym typeface="Gill Sans"/>
+              </a:defRPr>
             </a:lvl8pPr>
-            <a:lvl9pPr indent="0" lvl="8" marL="0" algn="r">
-              <a:spcBef>
-                <a:spcPts val="0"/>
-              </a:spcBef>
-              <a:buNone/>
-              <a:defRPr/>
+            <a:lvl9pPr indent="0" lvl="8" marL="0" marR="0" algn="r">
+              <a:lnSpc>
+                <a:spcPct val="100000"/>
+              </a:lnSpc>
+              <a:spcBef>
+                <a:spcPts val="0"/>
+              </a:spcBef>
+              <a:spcAft>
+                <a:spcPts val="0"/>
+              </a:spcAft>
+              <a:buClr>
+                <a:srgbClr val="000000"/>
+              </a:buClr>
+              <a:buSzPts val="2800"/>
+              <a:buFont typeface="Arial"/>
+              <a:buNone/>
+              <a:defRPr b="0" i="0" sz="2800" u="none" cap="none" strike="noStrike">
+                <a:solidFill>
+                  <a:schemeClr val="accent1"/>
+                </a:solidFill>
+                <a:latin typeface="Gill Sans"/>
+                <a:ea typeface="Gill Sans"/>
+                <a:cs typeface="Gill Sans"/>
+                <a:sym typeface="Gill Sans"/>
+              </a:defRPr>
             </a:lvl9pPr>
           </a:lstStyle>
           <a:p>
@@ -8103,6 +10562,9 @@
           </a:bodyPr>
           <a:lstStyle>
             <a:lvl1pPr lvl="0" algn="r">
+              <a:lnSpc>
+                <a:spcPct val="100000"/>
+              </a:lnSpc>
               <a:spcBef>
                 <a:spcPts val="0"/>
               </a:spcBef>
@@ -8114,6 +10576,9 @@
               <a:defRPr/>
             </a:lvl1pPr>
             <a:lvl2pPr lvl="1" algn="l">
+              <a:lnSpc>
+                <a:spcPct val="100000"/>
+              </a:lnSpc>
               <a:spcBef>
                 <a:spcPts val="0"/>
               </a:spcBef>
@@ -8125,6 +10590,9 @@
               <a:defRPr/>
             </a:lvl2pPr>
             <a:lvl3pPr lvl="2" algn="l">
+              <a:lnSpc>
+                <a:spcPct val="100000"/>
+              </a:lnSpc>
               <a:spcBef>
                 <a:spcPts val="0"/>
               </a:spcBef>
@@ -8136,6 +10604,9 @@
               <a:defRPr/>
             </a:lvl3pPr>
             <a:lvl4pPr lvl="3" algn="l">
+              <a:lnSpc>
+                <a:spcPct val="100000"/>
+              </a:lnSpc>
               <a:spcBef>
                 <a:spcPts val="0"/>
               </a:spcBef>
@@ -8147,6 +10618,9 @@
               <a:defRPr/>
             </a:lvl4pPr>
             <a:lvl5pPr lvl="4" algn="l">
+              <a:lnSpc>
+                <a:spcPct val="100000"/>
+              </a:lnSpc>
               <a:spcBef>
                 <a:spcPts val="0"/>
               </a:spcBef>
@@ -8158,6 +10632,9 @@
               <a:defRPr/>
             </a:lvl5pPr>
             <a:lvl6pPr lvl="5" algn="l">
+              <a:lnSpc>
+                <a:spcPct val="100000"/>
+              </a:lnSpc>
               <a:spcBef>
                 <a:spcPts val="0"/>
               </a:spcBef>
@@ -8169,6 +10646,9 @@
               <a:defRPr/>
             </a:lvl6pPr>
             <a:lvl7pPr lvl="6" algn="l">
+              <a:lnSpc>
+                <a:spcPct val="100000"/>
+              </a:lnSpc>
               <a:spcBef>
                 <a:spcPts val="0"/>
               </a:spcBef>
@@ -8180,6 +10660,9 @@
               <a:defRPr/>
             </a:lvl7pPr>
             <a:lvl8pPr lvl="7" algn="l">
+              <a:lnSpc>
+                <a:spcPct val="100000"/>
+              </a:lnSpc>
               <a:spcBef>
                 <a:spcPts val="0"/>
               </a:spcBef>
@@ -8191,6 +10674,9 @@
               <a:defRPr/>
             </a:lvl8pPr>
             <a:lvl9pPr lvl="8" algn="l">
+              <a:lnSpc>
+                <a:spcPct val="100000"/>
+              </a:lnSpc>
               <a:spcBef>
                 <a:spcPts val="0"/>
               </a:spcBef>
@@ -8232,6 +10718,9 @@
           </a:bodyPr>
           <a:lstStyle>
             <a:lvl1pPr lvl="0" algn="l">
+              <a:lnSpc>
+                <a:spcPct val="100000"/>
+              </a:lnSpc>
               <a:spcBef>
                 <a:spcPts val="0"/>
               </a:spcBef>
@@ -8243,6 +10732,9 @@
               <a:defRPr/>
             </a:lvl1pPr>
             <a:lvl2pPr lvl="1" algn="l">
+              <a:lnSpc>
+                <a:spcPct val="100000"/>
+              </a:lnSpc>
               <a:spcBef>
                 <a:spcPts val="0"/>
               </a:spcBef>
@@ -8254,6 +10746,9 @@
               <a:defRPr/>
             </a:lvl2pPr>
             <a:lvl3pPr lvl="2" algn="l">
+              <a:lnSpc>
+                <a:spcPct val="100000"/>
+              </a:lnSpc>
               <a:spcBef>
                 <a:spcPts val="0"/>
               </a:spcBef>
@@ -8265,6 +10760,9 @@
               <a:defRPr/>
             </a:lvl3pPr>
             <a:lvl4pPr lvl="3" algn="l">
+              <a:lnSpc>
+                <a:spcPct val="100000"/>
+              </a:lnSpc>
               <a:spcBef>
                 <a:spcPts val="0"/>
               </a:spcBef>
@@ -8276,6 +10774,9 @@
               <a:defRPr/>
             </a:lvl4pPr>
             <a:lvl5pPr lvl="4" algn="l">
+              <a:lnSpc>
+                <a:spcPct val="100000"/>
+              </a:lnSpc>
               <a:spcBef>
                 <a:spcPts val="0"/>
               </a:spcBef>
@@ -8287,6 +10788,9 @@
               <a:defRPr/>
             </a:lvl5pPr>
             <a:lvl6pPr lvl="5" algn="l">
+              <a:lnSpc>
+                <a:spcPct val="100000"/>
+              </a:lnSpc>
               <a:spcBef>
                 <a:spcPts val="0"/>
               </a:spcBef>
@@ -8298,6 +10802,9 @@
               <a:defRPr/>
             </a:lvl6pPr>
             <a:lvl7pPr lvl="6" algn="l">
+              <a:lnSpc>
+                <a:spcPct val="100000"/>
+              </a:lnSpc>
               <a:spcBef>
                 <a:spcPts val="0"/>
               </a:spcBef>
@@ -8309,6 +10816,9 @@
               <a:defRPr/>
             </a:lvl7pPr>
             <a:lvl8pPr lvl="7" algn="l">
+              <a:lnSpc>
+                <a:spcPct val="100000"/>
+              </a:lnSpc>
               <a:spcBef>
                 <a:spcPts val="0"/>
               </a:spcBef>
@@ -8320,6 +10830,9 @@
               <a:defRPr/>
             </a:lvl8pPr>
             <a:lvl9pPr lvl="8" algn="l">
+              <a:lnSpc>
+                <a:spcPct val="100000"/>
+              </a:lnSpc>
               <a:spcBef>
                 <a:spcPts val="0"/>
               </a:spcBef>
@@ -8360,68 +10873,239 @@
             <a:noAutofit/>
           </a:bodyPr>
           <a:lstStyle>
-            <a:lvl1pPr indent="0" lvl="0" marL="0" algn="r">
-              <a:spcBef>
-                <a:spcPts val="0"/>
-              </a:spcBef>
-              <a:buNone/>
-              <a:defRPr/>
+            <a:lvl1pPr indent="0" lvl="0" marL="0" marR="0" algn="r">
+              <a:lnSpc>
+                <a:spcPct val="100000"/>
+              </a:lnSpc>
+              <a:spcBef>
+                <a:spcPts val="0"/>
+              </a:spcBef>
+              <a:spcAft>
+                <a:spcPts val="0"/>
+              </a:spcAft>
+              <a:buClr>
+                <a:srgbClr val="000000"/>
+              </a:buClr>
+              <a:buSzPts val="2800"/>
+              <a:buFont typeface="Arial"/>
+              <a:buNone/>
+              <a:defRPr b="0" i="0" sz="2800" u="none" cap="none" strike="noStrike">
+                <a:solidFill>
+                  <a:schemeClr val="accent1"/>
+                </a:solidFill>
+                <a:latin typeface="Gill Sans"/>
+                <a:ea typeface="Gill Sans"/>
+                <a:cs typeface="Gill Sans"/>
+                <a:sym typeface="Gill Sans"/>
+              </a:defRPr>
             </a:lvl1pPr>
-            <a:lvl2pPr indent="0" lvl="1" marL="0" algn="r">
-              <a:spcBef>
-                <a:spcPts val="0"/>
-              </a:spcBef>
-              <a:buNone/>
-              <a:defRPr/>
+            <a:lvl2pPr indent="0" lvl="1" marL="0" marR="0" algn="r">
+              <a:lnSpc>
+                <a:spcPct val="100000"/>
+              </a:lnSpc>
+              <a:spcBef>
+                <a:spcPts val="0"/>
+              </a:spcBef>
+              <a:spcAft>
+                <a:spcPts val="0"/>
+              </a:spcAft>
+              <a:buClr>
+                <a:srgbClr val="000000"/>
+              </a:buClr>
+              <a:buSzPts val="2800"/>
+              <a:buFont typeface="Arial"/>
+              <a:buNone/>
+              <a:defRPr b="0" i="0" sz="2800" u="none" cap="none" strike="noStrike">
+                <a:solidFill>
+                  <a:schemeClr val="accent1"/>
+                </a:solidFill>
+                <a:latin typeface="Gill Sans"/>
+                <a:ea typeface="Gill Sans"/>
+                <a:cs typeface="Gill Sans"/>
+                <a:sym typeface="Gill Sans"/>
+              </a:defRPr>
             </a:lvl2pPr>
-            <a:lvl3pPr indent="0" lvl="2" marL="0" algn="r">
-              <a:spcBef>
-                <a:spcPts val="0"/>
-              </a:spcBef>
-              <a:buNone/>
-              <a:defRPr/>
+            <a:lvl3pPr indent="0" lvl="2" marL="0" marR="0" algn="r">
+              <a:lnSpc>
+                <a:spcPct val="100000"/>
+              </a:lnSpc>
+              <a:spcBef>
+                <a:spcPts val="0"/>
+              </a:spcBef>
+              <a:spcAft>
+                <a:spcPts val="0"/>
+              </a:spcAft>
+              <a:buClr>
+                <a:srgbClr val="000000"/>
+              </a:buClr>
+              <a:buSzPts val="2800"/>
+              <a:buFont typeface="Arial"/>
+              <a:buNone/>
+              <a:defRPr b="0" i="0" sz="2800" u="none" cap="none" strike="noStrike">
+                <a:solidFill>
+                  <a:schemeClr val="accent1"/>
+                </a:solidFill>
+                <a:latin typeface="Gill Sans"/>
+                <a:ea typeface="Gill Sans"/>
+                <a:cs typeface="Gill Sans"/>
+                <a:sym typeface="Gill Sans"/>
+              </a:defRPr>
             </a:lvl3pPr>
-            <a:lvl4pPr indent="0" lvl="3" marL="0" algn="r">
-              <a:spcBef>
-                <a:spcPts val="0"/>
-              </a:spcBef>
-              <a:buNone/>
-              <a:defRPr/>
+            <a:lvl4pPr indent="0" lvl="3" marL="0" marR="0" algn="r">
+              <a:lnSpc>
+                <a:spcPct val="100000"/>
+              </a:lnSpc>
+              <a:spcBef>
+                <a:spcPts val="0"/>
+              </a:spcBef>
+              <a:spcAft>
+                <a:spcPts val="0"/>
+              </a:spcAft>
+              <a:buClr>
+                <a:srgbClr val="000000"/>
+              </a:buClr>
+              <a:buSzPts val="2800"/>
+              <a:buFont typeface="Arial"/>
+              <a:buNone/>
+              <a:defRPr b="0" i="0" sz="2800" u="none" cap="none" strike="noStrike">
+                <a:solidFill>
+                  <a:schemeClr val="accent1"/>
+                </a:solidFill>
+                <a:latin typeface="Gill Sans"/>
+                <a:ea typeface="Gill Sans"/>
+                <a:cs typeface="Gill Sans"/>
+                <a:sym typeface="Gill Sans"/>
+              </a:defRPr>
             </a:lvl4pPr>
-            <a:lvl5pPr indent="0" lvl="4" marL="0" algn="r">
-              <a:spcBef>
-                <a:spcPts val="0"/>
-              </a:spcBef>
-              <a:buNone/>
-              <a:defRPr/>
+            <a:lvl5pPr indent="0" lvl="4" marL="0" marR="0" algn="r">
+              <a:lnSpc>
+                <a:spcPct val="100000"/>
+              </a:lnSpc>
+              <a:spcBef>
+                <a:spcPts val="0"/>
+              </a:spcBef>
+              <a:spcAft>
+                <a:spcPts val="0"/>
+              </a:spcAft>
+              <a:buClr>
+                <a:srgbClr val="000000"/>
+              </a:buClr>
+              <a:buSzPts val="2800"/>
+              <a:buFont typeface="Arial"/>
+              <a:buNone/>
+              <a:defRPr b="0" i="0" sz="2800" u="none" cap="none" strike="noStrike">
+                <a:solidFill>
+                  <a:schemeClr val="accent1"/>
+                </a:solidFill>
+                <a:latin typeface="Gill Sans"/>
+                <a:ea typeface="Gill Sans"/>
+                <a:cs typeface="Gill Sans"/>
+                <a:sym typeface="Gill Sans"/>
+              </a:defRPr>
             </a:lvl5pPr>
-            <a:lvl6pPr indent="0" lvl="5" marL="0" algn="r">
-              <a:spcBef>
-                <a:spcPts val="0"/>
-              </a:spcBef>
-              <a:buNone/>
-              <a:defRPr/>
+            <a:lvl6pPr indent="0" lvl="5" marL="0" marR="0" algn="r">
+              <a:lnSpc>
+                <a:spcPct val="100000"/>
+              </a:lnSpc>
+              <a:spcBef>
+                <a:spcPts val="0"/>
+              </a:spcBef>
+              <a:spcAft>
+                <a:spcPts val="0"/>
+              </a:spcAft>
+              <a:buClr>
+                <a:srgbClr val="000000"/>
+              </a:buClr>
+              <a:buSzPts val="2800"/>
+              <a:buFont typeface="Arial"/>
+              <a:buNone/>
+              <a:defRPr b="0" i="0" sz="2800" u="none" cap="none" strike="noStrike">
+                <a:solidFill>
+                  <a:schemeClr val="accent1"/>
+                </a:solidFill>
+                <a:latin typeface="Gill Sans"/>
+                <a:ea typeface="Gill Sans"/>
+                <a:cs typeface="Gill Sans"/>
+                <a:sym typeface="Gill Sans"/>
+              </a:defRPr>
             </a:lvl6pPr>
-            <a:lvl7pPr indent="0" lvl="6" marL="0" algn="r">
-              <a:spcBef>
-                <a:spcPts val="0"/>
-              </a:spcBef>
-              <a:buNone/>
-              <a:defRPr/>
+            <a:lvl7pPr indent="0" lvl="6" marL="0" marR="0" algn="r">
+              <a:lnSpc>
+                <a:spcPct val="100000"/>
+              </a:lnSpc>
+              <a:spcBef>
+                <a:spcPts val="0"/>
+              </a:spcBef>
+              <a:spcAft>
+                <a:spcPts val="0"/>
+              </a:spcAft>
+              <a:buClr>
+                <a:srgbClr val="000000"/>
+              </a:buClr>
+              <a:buSzPts val="2800"/>
+              <a:buFont typeface="Arial"/>
+              <a:buNone/>
+              <a:defRPr b="0" i="0" sz="2800" u="none" cap="none" strike="noStrike">
+                <a:solidFill>
+                  <a:schemeClr val="accent1"/>
+                </a:solidFill>
+                <a:latin typeface="Gill Sans"/>
+                <a:ea typeface="Gill Sans"/>
+                <a:cs typeface="Gill Sans"/>
+                <a:sym typeface="Gill Sans"/>
+              </a:defRPr>
             </a:lvl7pPr>
-            <a:lvl8pPr indent="0" lvl="7" marL="0" algn="r">
-              <a:spcBef>
-                <a:spcPts val="0"/>
-              </a:spcBef>
-              <a:buNone/>
-              <a:defRPr/>
+            <a:lvl8pPr indent="0" lvl="7" marL="0" marR="0" algn="r">
+              <a:lnSpc>
+                <a:spcPct val="100000"/>
+              </a:lnSpc>
+              <a:spcBef>
+                <a:spcPts val="0"/>
+              </a:spcBef>
+              <a:spcAft>
+                <a:spcPts val="0"/>
+              </a:spcAft>
+              <a:buClr>
+                <a:srgbClr val="000000"/>
+              </a:buClr>
+              <a:buSzPts val="2800"/>
+              <a:buFont typeface="Arial"/>
+              <a:buNone/>
+              <a:defRPr b="0" i="0" sz="2800" u="none" cap="none" strike="noStrike">
+                <a:solidFill>
+                  <a:schemeClr val="accent1"/>
+                </a:solidFill>
+                <a:latin typeface="Gill Sans"/>
+                <a:ea typeface="Gill Sans"/>
+                <a:cs typeface="Gill Sans"/>
+                <a:sym typeface="Gill Sans"/>
+              </a:defRPr>
             </a:lvl8pPr>
-            <a:lvl9pPr indent="0" lvl="8" marL="0" algn="r">
-              <a:spcBef>
-                <a:spcPts val="0"/>
-              </a:spcBef>
-              <a:buNone/>
-              <a:defRPr/>
+            <a:lvl9pPr indent="0" lvl="8" marL="0" marR="0" algn="r">
+              <a:lnSpc>
+                <a:spcPct val="100000"/>
+              </a:lnSpc>
+              <a:spcBef>
+                <a:spcPts val="0"/>
+              </a:spcBef>
+              <a:spcAft>
+                <a:spcPts val="0"/>
+              </a:spcAft>
+              <a:buClr>
+                <a:srgbClr val="000000"/>
+              </a:buClr>
+              <a:buSzPts val="2800"/>
+              <a:buFont typeface="Arial"/>
+              <a:buNone/>
+              <a:defRPr b="0" i="0" sz="2800" u="none" cap="none" strike="noStrike">
+                <a:solidFill>
+                  <a:schemeClr val="accent1"/>
+                </a:solidFill>
+                <a:latin typeface="Gill Sans"/>
+                <a:ea typeface="Gill Sans"/>
+                <a:cs typeface="Gill Sans"/>
+                <a:sym typeface="Gill Sans"/>
+              </a:defRPr>
             </a:lvl9pPr>
           </a:lstStyle>
           <a:p>
@@ -8511,7 +11195,10 @@
               <a:buNone/>
               <a:defRPr sz="2400"/>
             </a:lvl1pPr>
-            <a:lvl2pPr lvl="1">
+            <a:lvl2pPr lvl="1" algn="l">
+              <a:lnSpc>
+                <a:spcPct val="100000"/>
+              </a:lnSpc>
               <a:spcBef>
                 <a:spcPts val="0"/>
               </a:spcBef>
@@ -8522,7 +11209,10 @@
               <a:buNone/>
               <a:defRPr/>
             </a:lvl2pPr>
-            <a:lvl3pPr lvl="2">
+            <a:lvl3pPr lvl="2" algn="l">
+              <a:lnSpc>
+                <a:spcPct val="100000"/>
+              </a:lnSpc>
               <a:spcBef>
                 <a:spcPts val="0"/>
               </a:spcBef>
@@ -8533,7 +11223,10 @@
               <a:buNone/>
               <a:defRPr/>
             </a:lvl3pPr>
-            <a:lvl4pPr lvl="3">
+            <a:lvl4pPr lvl="3" algn="l">
+              <a:lnSpc>
+                <a:spcPct val="100000"/>
+              </a:lnSpc>
               <a:spcBef>
                 <a:spcPts val="0"/>
               </a:spcBef>
@@ -8544,7 +11237,10 @@
               <a:buNone/>
               <a:defRPr/>
             </a:lvl4pPr>
-            <a:lvl5pPr lvl="4">
+            <a:lvl5pPr lvl="4" algn="l">
+              <a:lnSpc>
+                <a:spcPct val="100000"/>
+              </a:lnSpc>
               <a:spcBef>
                 <a:spcPts val="0"/>
               </a:spcBef>
@@ -8555,7 +11251,10 @@
               <a:buNone/>
               <a:defRPr/>
             </a:lvl5pPr>
-            <a:lvl6pPr lvl="5">
+            <a:lvl6pPr lvl="5" algn="l">
+              <a:lnSpc>
+                <a:spcPct val="100000"/>
+              </a:lnSpc>
               <a:spcBef>
                 <a:spcPts val="0"/>
               </a:spcBef>
@@ -8566,7 +11265,10 @@
               <a:buNone/>
               <a:defRPr/>
             </a:lvl6pPr>
-            <a:lvl7pPr lvl="6">
+            <a:lvl7pPr lvl="6" algn="l">
+              <a:lnSpc>
+                <a:spcPct val="100000"/>
+              </a:lnSpc>
               <a:spcBef>
                 <a:spcPts val="0"/>
               </a:spcBef>
@@ -8577,7 +11279,10 @@
               <a:buNone/>
               <a:defRPr/>
             </a:lvl7pPr>
-            <a:lvl8pPr lvl="7">
+            <a:lvl8pPr lvl="7" algn="l">
+              <a:lnSpc>
+                <a:spcPct val="100000"/>
+              </a:lnSpc>
               <a:spcBef>
                 <a:spcPts val="0"/>
               </a:spcBef>
@@ -8588,7 +11293,10 @@
               <a:buNone/>
               <a:defRPr/>
             </a:lvl8pPr>
-            <a:lvl9pPr lvl="8">
+            <a:lvl9pPr lvl="8" algn="l">
+              <a:lnSpc>
+                <a:spcPct val="100000"/>
+              </a:lnSpc>
               <a:spcBef>
                 <a:spcPts val="0"/>
               </a:spcBef>
@@ -8942,6 +11650,9 @@
           </a:bodyPr>
           <a:lstStyle>
             <a:lvl1pPr lvl="0" algn="r">
+              <a:lnSpc>
+                <a:spcPct val="100000"/>
+              </a:lnSpc>
               <a:spcBef>
                 <a:spcPts val="0"/>
               </a:spcBef>
@@ -8953,6 +11664,9 @@
               <a:defRPr/>
             </a:lvl1pPr>
             <a:lvl2pPr lvl="1" algn="l">
+              <a:lnSpc>
+                <a:spcPct val="100000"/>
+              </a:lnSpc>
               <a:spcBef>
                 <a:spcPts val="0"/>
               </a:spcBef>
@@ -8964,6 +11678,9 @@
               <a:defRPr/>
             </a:lvl2pPr>
             <a:lvl3pPr lvl="2" algn="l">
+              <a:lnSpc>
+                <a:spcPct val="100000"/>
+              </a:lnSpc>
               <a:spcBef>
                 <a:spcPts val="0"/>
               </a:spcBef>
@@ -8975,6 +11692,9 @@
               <a:defRPr/>
             </a:lvl3pPr>
             <a:lvl4pPr lvl="3" algn="l">
+              <a:lnSpc>
+                <a:spcPct val="100000"/>
+              </a:lnSpc>
               <a:spcBef>
                 <a:spcPts val="0"/>
               </a:spcBef>
@@ -8986,6 +11706,9 @@
               <a:defRPr/>
             </a:lvl4pPr>
             <a:lvl5pPr lvl="4" algn="l">
+              <a:lnSpc>
+                <a:spcPct val="100000"/>
+              </a:lnSpc>
               <a:spcBef>
                 <a:spcPts val="0"/>
               </a:spcBef>
@@ -8997,6 +11720,9 @@
               <a:defRPr/>
             </a:lvl5pPr>
             <a:lvl6pPr lvl="5" algn="l">
+              <a:lnSpc>
+                <a:spcPct val="100000"/>
+              </a:lnSpc>
               <a:spcBef>
                 <a:spcPts val="0"/>
               </a:spcBef>
@@ -9008,6 +11734,9 @@
               <a:defRPr/>
             </a:lvl6pPr>
             <a:lvl7pPr lvl="6" algn="l">
+              <a:lnSpc>
+                <a:spcPct val="100000"/>
+              </a:lnSpc>
               <a:spcBef>
                 <a:spcPts val="0"/>
               </a:spcBef>
@@ -9019,6 +11748,9 @@
               <a:defRPr/>
             </a:lvl7pPr>
             <a:lvl8pPr lvl="7" algn="l">
+              <a:lnSpc>
+                <a:spcPct val="100000"/>
+              </a:lnSpc>
               <a:spcBef>
                 <a:spcPts val="0"/>
               </a:spcBef>
@@ -9030,6 +11762,9 @@
               <a:defRPr/>
             </a:lvl8pPr>
             <a:lvl9pPr lvl="8" algn="l">
+              <a:lnSpc>
+                <a:spcPct val="100000"/>
+              </a:lnSpc>
               <a:spcBef>
                 <a:spcPts val="0"/>
               </a:spcBef>
@@ -9071,6 +11806,9 @@
           </a:bodyPr>
           <a:lstStyle>
             <a:lvl1pPr lvl="0" algn="l">
+              <a:lnSpc>
+                <a:spcPct val="100000"/>
+              </a:lnSpc>
               <a:spcBef>
                 <a:spcPts val="0"/>
               </a:spcBef>
@@ -9082,6 +11820,9 @@
               <a:defRPr/>
             </a:lvl1pPr>
             <a:lvl2pPr lvl="1" algn="l">
+              <a:lnSpc>
+                <a:spcPct val="100000"/>
+              </a:lnSpc>
               <a:spcBef>
                 <a:spcPts val="0"/>
               </a:spcBef>
@@ -9093,6 +11834,9 @@
               <a:defRPr/>
             </a:lvl2pPr>
             <a:lvl3pPr lvl="2" algn="l">
+              <a:lnSpc>
+                <a:spcPct val="100000"/>
+              </a:lnSpc>
               <a:spcBef>
                 <a:spcPts val="0"/>
               </a:spcBef>
@@ -9104,6 +11848,9 @@
               <a:defRPr/>
             </a:lvl3pPr>
             <a:lvl4pPr lvl="3" algn="l">
+              <a:lnSpc>
+                <a:spcPct val="100000"/>
+              </a:lnSpc>
               <a:spcBef>
                 <a:spcPts val="0"/>
               </a:spcBef>
@@ -9115,6 +11862,9 @@
               <a:defRPr/>
             </a:lvl4pPr>
             <a:lvl5pPr lvl="4" algn="l">
+              <a:lnSpc>
+                <a:spcPct val="100000"/>
+              </a:lnSpc>
               <a:spcBef>
                 <a:spcPts val="0"/>
               </a:spcBef>
@@ -9126,6 +11876,9 @@
               <a:defRPr/>
             </a:lvl5pPr>
             <a:lvl6pPr lvl="5" algn="l">
+              <a:lnSpc>
+                <a:spcPct val="100000"/>
+              </a:lnSpc>
               <a:spcBef>
                 <a:spcPts val="0"/>
               </a:spcBef>
@@ -9137,6 +11890,9 @@
               <a:defRPr/>
             </a:lvl6pPr>
             <a:lvl7pPr lvl="6" algn="l">
+              <a:lnSpc>
+                <a:spcPct val="100000"/>
+              </a:lnSpc>
               <a:spcBef>
                 <a:spcPts val="0"/>
               </a:spcBef>
@@ -9148,6 +11904,9 @@
               <a:defRPr/>
             </a:lvl7pPr>
             <a:lvl8pPr lvl="7" algn="l">
+              <a:lnSpc>
+                <a:spcPct val="100000"/>
+              </a:lnSpc>
               <a:spcBef>
                 <a:spcPts val="0"/>
               </a:spcBef>
@@ -9159,6 +11918,9 @@
               <a:defRPr/>
             </a:lvl8pPr>
             <a:lvl9pPr lvl="8" algn="l">
+              <a:lnSpc>
+                <a:spcPct val="100000"/>
+              </a:lnSpc>
               <a:spcBef>
                 <a:spcPts val="0"/>
               </a:spcBef>
@@ -9199,68 +11961,239 @@
             <a:noAutofit/>
           </a:bodyPr>
           <a:lstStyle>
-            <a:lvl1pPr indent="0" lvl="0" marL="0" algn="r">
-              <a:spcBef>
-                <a:spcPts val="0"/>
-              </a:spcBef>
-              <a:buNone/>
-              <a:defRPr/>
+            <a:lvl1pPr indent="0" lvl="0" marL="0" marR="0" algn="r">
+              <a:lnSpc>
+                <a:spcPct val="100000"/>
+              </a:lnSpc>
+              <a:spcBef>
+                <a:spcPts val="0"/>
+              </a:spcBef>
+              <a:spcAft>
+                <a:spcPts val="0"/>
+              </a:spcAft>
+              <a:buClr>
+                <a:srgbClr val="000000"/>
+              </a:buClr>
+              <a:buSzPts val="2800"/>
+              <a:buFont typeface="Arial"/>
+              <a:buNone/>
+              <a:defRPr b="0" i="0" sz="2800" u="none" cap="none" strike="noStrike">
+                <a:solidFill>
+                  <a:schemeClr val="accent1"/>
+                </a:solidFill>
+                <a:latin typeface="Gill Sans"/>
+                <a:ea typeface="Gill Sans"/>
+                <a:cs typeface="Gill Sans"/>
+                <a:sym typeface="Gill Sans"/>
+              </a:defRPr>
             </a:lvl1pPr>
-            <a:lvl2pPr indent="0" lvl="1" marL="0" algn="r">
-              <a:spcBef>
-                <a:spcPts val="0"/>
-              </a:spcBef>
-              <a:buNone/>
-              <a:defRPr/>
+            <a:lvl2pPr indent="0" lvl="1" marL="0" marR="0" algn="r">
+              <a:lnSpc>
+                <a:spcPct val="100000"/>
+              </a:lnSpc>
+              <a:spcBef>
+                <a:spcPts val="0"/>
+              </a:spcBef>
+              <a:spcAft>
+                <a:spcPts val="0"/>
+              </a:spcAft>
+              <a:buClr>
+                <a:srgbClr val="000000"/>
+              </a:buClr>
+              <a:buSzPts val="2800"/>
+              <a:buFont typeface="Arial"/>
+              <a:buNone/>
+              <a:defRPr b="0" i="0" sz="2800" u="none" cap="none" strike="noStrike">
+                <a:solidFill>
+                  <a:schemeClr val="accent1"/>
+                </a:solidFill>
+                <a:latin typeface="Gill Sans"/>
+                <a:ea typeface="Gill Sans"/>
+                <a:cs typeface="Gill Sans"/>
+                <a:sym typeface="Gill Sans"/>
+              </a:defRPr>
             </a:lvl2pPr>
-            <a:lvl3pPr indent="0" lvl="2" marL="0" algn="r">
-              <a:spcBef>
-                <a:spcPts val="0"/>
-              </a:spcBef>
-              <a:buNone/>
-              <a:defRPr/>
+            <a:lvl3pPr indent="0" lvl="2" marL="0" marR="0" algn="r">
+              <a:lnSpc>
+                <a:spcPct val="100000"/>
+              </a:lnSpc>
+              <a:spcBef>
+                <a:spcPts val="0"/>
+              </a:spcBef>
+              <a:spcAft>
+                <a:spcPts val="0"/>
+              </a:spcAft>
+              <a:buClr>
+                <a:srgbClr val="000000"/>
+              </a:buClr>
+              <a:buSzPts val="2800"/>
+              <a:buFont typeface="Arial"/>
+              <a:buNone/>
+              <a:defRPr b="0" i="0" sz="2800" u="none" cap="none" strike="noStrike">
+                <a:solidFill>
+                  <a:schemeClr val="accent1"/>
+                </a:solidFill>
+                <a:latin typeface="Gill Sans"/>
+                <a:ea typeface="Gill Sans"/>
+                <a:cs typeface="Gill Sans"/>
+                <a:sym typeface="Gill Sans"/>
+              </a:defRPr>
             </a:lvl3pPr>
-            <a:lvl4pPr indent="0" lvl="3" marL="0" algn="r">
-              <a:spcBef>
-                <a:spcPts val="0"/>
-              </a:spcBef>
-              <a:buNone/>
-              <a:defRPr/>
+            <a:lvl4pPr indent="0" lvl="3" marL="0" marR="0" algn="r">
+              <a:lnSpc>
+                <a:spcPct val="100000"/>
+              </a:lnSpc>
+              <a:spcBef>
+                <a:spcPts val="0"/>
+              </a:spcBef>
+              <a:spcAft>
+                <a:spcPts val="0"/>
+              </a:spcAft>
+              <a:buClr>
+                <a:srgbClr val="000000"/>
+              </a:buClr>
+              <a:buSzPts val="2800"/>
+              <a:buFont typeface="Arial"/>
+              <a:buNone/>
+              <a:defRPr b="0" i="0" sz="2800" u="none" cap="none" strike="noStrike">
+                <a:solidFill>
+                  <a:schemeClr val="accent1"/>
+                </a:solidFill>
+                <a:latin typeface="Gill Sans"/>
+                <a:ea typeface="Gill Sans"/>
+                <a:cs typeface="Gill Sans"/>
+                <a:sym typeface="Gill Sans"/>
+              </a:defRPr>
             </a:lvl4pPr>
-            <a:lvl5pPr indent="0" lvl="4" marL="0" algn="r">
-              <a:spcBef>
-                <a:spcPts val="0"/>
-              </a:spcBef>
-              <a:buNone/>
-              <a:defRPr/>
+            <a:lvl5pPr indent="0" lvl="4" marL="0" marR="0" algn="r">
+              <a:lnSpc>
+                <a:spcPct val="100000"/>
+              </a:lnSpc>
+              <a:spcBef>
+                <a:spcPts val="0"/>
+              </a:spcBef>
+              <a:spcAft>
+                <a:spcPts val="0"/>
+              </a:spcAft>
+              <a:buClr>
+                <a:srgbClr val="000000"/>
+              </a:buClr>
+              <a:buSzPts val="2800"/>
+              <a:buFont typeface="Arial"/>
+              <a:buNone/>
+              <a:defRPr b="0" i="0" sz="2800" u="none" cap="none" strike="noStrike">
+                <a:solidFill>
+                  <a:schemeClr val="accent1"/>
+                </a:solidFill>
+                <a:latin typeface="Gill Sans"/>
+                <a:ea typeface="Gill Sans"/>
+                <a:cs typeface="Gill Sans"/>
+                <a:sym typeface="Gill Sans"/>
+              </a:defRPr>
             </a:lvl5pPr>
-            <a:lvl6pPr indent="0" lvl="5" marL="0" algn="r">
-              <a:spcBef>
-                <a:spcPts val="0"/>
-              </a:spcBef>
-              <a:buNone/>
-              <a:defRPr/>
+            <a:lvl6pPr indent="0" lvl="5" marL="0" marR="0" algn="r">
+              <a:lnSpc>
+                <a:spcPct val="100000"/>
+              </a:lnSpc>
+              <a:spcBef>
+                <a:spcPts val="0"/>
+              </a:spcBef>
+              <a:spcAft>
+                <a:spcPts val="0"/>
+              </a:spcAft>
+              <a:buClr>
+                <a:srgbClr val="000000"/>
+              </a:buClr>
+              <a:buSzPts val="2800"/>
+              <a:buFont typeface="Arial"/>
+              <a:buNone/>
+              <a:defRPr b="0" i="0" sz="2800" u="none" cap="none" strike="noStrike">
+                <a:solidFill>
+                  <a:schemeClr val="accent1"/>
+                </a:solidFill>
+                <a:latin typeface="Gill Sans"/>
+                <a:ea typeface="Gill Sans"/>
+                <a:cs typeface="Gill Sans"/>
+                <a:sym typeface="Gill Sans"/>
+              </a:defRPr>
             </a:lvl6pPr>
-            <a:lvl7pPr indent="0" lvl="6" marL="0" algn="r">
-              <a:spcBef>
-                <a:spcPts val="0"/>
-              </a:spcBef>
-              <a:buNone/>
-              <a:defRPr/>
+            <a:lvl7pPr indent="0" lvl="6" marL="0" marR="0" algn="r">
+              <a:lnSpc>
+                <a:spcPct val="100000"/>
+              </a:lnSpc>
+              <a:spcBef>
+                <a:spcPts val="0"/>
+              </a:spcBef>
+              <a:spcAft>
+                <a:spcPts val="0"/>
+              </a:spcAft>
+              <a:buClr>
+                <a:srgbClr val="000000"/>
+              </a:buClr>
+              <a:buSzPts val="2800"/>
+              <a:buFont typeface="Arial"/>
+              <a:buNone/>
+              <a:defRPr b="0" i="0" sz="2800" u="none" cap="none" strike="noStrike">
+                <a:solidFill>
+                  <a:schemeClr val="accent1"/>
+                </a:solidFill>
+                <a:latin typeface="Gill Sans"/>
+                <a:ea typeface="Gill Sans"/>
+                <a:cs typeface="Gill Sans"/>
+                <a:sym typeface="Gill Sans"/>
+              </a:defRPr>
             </a:lvl7pPr>
-            <a:lvl8pPr indent="0" lvl="7" marL="0" algn="r">
-              <a:spcBef>
-                <a:spcPts val="0"/>
-              </a:spcBef>
-              <a:buNone/>
-              <a:defRPr/>
+            <a:lvl8pPr indent="0" lvl="7" marL="0" marR="0" algn="r">
+              <a:lnSpc>
+                <a:spcPct val="100000"/>
+              </a:lnSpc>
+              <a:spcBef>
+                <a:spcPts val="0"/>
+              </a:spcBef>
+              <a:spcAft>
+                <a:spcPts val="0"/>
+              </a:spcAft>
+              <a:buClr>
+                <a:srgbClr val="000000"/>
+              </a:buClr>
+              <a:buSzPts val="2800"/>
+              <a:buFont typeface="Arial"/>
+              <a:buNone/>
+              <a:defRPr b="0" i="0" sz="2800" u="none" cap="none" strike="noStrike">
+                <a:solidFill>
+                  <a:schemeClr val="accent1"/>
+                </a:solidFill>
+                <a:latin typeface="Gill Sans"/>
+                <a:ea typeface="Gill Sans"/>
+                <a:cs typeface="Gill Sans"/>
+                <a:sym typeface="Gill Sans"/>
+              </a:defRPr>
             </a:lvl8pPr>
-            <a:lvl9pPr indent="0" lvl="8" marL="0" algn="r">
-              <a:spcBef>
-                <a:spcPts val="0"/>
-              </a:spcBef>
-              <a:buNone/>
-              <a:defRPr/>
+            <a:lvl9pPr indent="0" lvl="8" marL="0" marR="0" algn="r">
+              <a:lnSpc>
+                <a:spcPct val="100000"/>
+              </a:lnSpc>
+              <a:spcBef>
+                <a:spcPts val="0"/>
+              </a:spcBef>
+              <a:spcAft>
+                <a:spcPts val="0"/>
+              </a:spcAft>
+              <a:buClr>
+                <a:srgbClr val="000000"/>
+              </a:buClr>
+              <a:buSzPts val="2800"/>
+              <a:buFont typeface="Arial"/>
+              <a:buNone/>
+              <a:defRPr b="0" i="0" sz="2800" u="none" cap="none" strike="noStrike">
+                <a:solidFill>
+                  <a:schemeClr val="accent1"/>
+                </a:solidFill>
+                <a:latin typeface="Gill Sans"/>
+                <a:ea typeface="Gill Sans"/>
+                <a:cs typeface="Gill Sans"/>
+                <a:sym typeface="Gill Sans"/>
+              </a:defRPr>
             </a:lvl9pPr>
           </a:lstStyle>
           <a:p>
@@ -9377,7 +12310,7 @@
             <a:effectLst>
               <a:outerShdw blurRad="127000" sx="98000" rotWithShape="0" algn="tl" dir="4740000" dist="228600" sy="98000">
                 <a:srgbClr val="000000">
-                  <a:alpha val="33725"/>
+                  <a:alpha val="33333"/>
                 </a:srgbClr>
               </a:outerShdw>
             </a:effectLst>
@@ -9388,19 +12321,35 @@
             </a:bodyPr>
             <a:lstStyle/>
             <a:p>
-              <a:pPr indent="0" lvl="0" marL="0" rtl="0" algn="l">
+              <a:pPr indent="0" lvl="0" marL="0" marR="0" rtl="0" algn="l">
+                <a:lnSpc>
+                  <a:spcPct val="100000"/>
+                </a:lnSpc>
                 <a:spcBef>
                   <a:spcPts val="0"/>
                 </a:spcBef>
                 <a:spcAft>
                   <a:spcPts val="0"/>
                 </a:spcAft>
+                <a:buClr>
+                  <a:srgbClr val="000000"/>
+                </a:buClr>
+                <a:buSzPts val="1400"/>
+                <a:buFont typeface="Arial"/>
                 <a:buNone/>
               </a:pPr>
               <a:r>
                 <a:t/>
               </a:r>
-              <a:endParaRPr/>
+              <a:endParaRPr b="0" i="0" sz="1400" u="none" cap="none" strike="noStrike">
+                <a:solidFill>
+                  <a:srgbClr val="000000"/>
+                </a:solidFill>
+                <a:latin typeface="Arial"/>
+                <a:ea typeface="Arial"/>
+                <a:cs typeface="Arial"/>
+                <a:sym typeface="Arial"/>
+              </a:endParaRPr>
             </a:p>
           </p:txBody>
         </p:sp>
@@ -9445,19 +12394,35 @@
             </a:bodyPr>
             <a:lstStyle/>
             <a:p>
-              <a:pPr indent="0" lvl="0" marL="0" rtl="0" algn="l">
+              <a:pPr indent="0" lvl="0" marL="0" marR="0" rtl="0" algn="l">
+                <a:lnSpc>
+                  <a:spcPct val="100000"/>
+                </a:lnSpc>
                 <a:spcBef>
                   <a:spcPts val="0"/>
                 </a:spcBef>
                 <a:spcAft>
                   <a:spcPts val="0"/>
                 </a:spcAft>
+                <a:buClr>
+                  <a:srgbClr val="000000"/>
+                </a:buClr>
+                <a:buSzPts val="1400"/>
+                <a:buFont typeface="Arial"/>
                 <a:buNone/>
               </a:pPr>
               <a:r>
                 <a:t/>
               </a:r>
-              <a:endParaRPr/>
+              <a:endParaRPr b="0" i="0" sz="1400" u="none" cap="none" strike="noStrike">
+                <a:solidFill>
+                  <a:srgbClr val="000000"/>
+                </a:solidFill>
+                <a:latin typeface="Arial"/>
+                <a:ea typeface="Arial"/>
+                <a:cs typeface="Arial"/>
+                <a:sym typeface="Arial"/>
+              </a:endParaRPr>
             </a:p>
           </p:txBody>
         </p:sp>
@@ -9506,7 +12471,10 @@
               <a:buNone/>
               <a:defRPr sz="3200"/>
             </a:lvl1pPr>
-            <a:lvl2pPr lvl="1">
+            <a:lvl2pPr lvl="1" algn="l">
+              <a:lnSpc>
+                <a:spcPct val="100000"/>
+              </a:lnSpc>
               <a:spcBef>
                 <a:spcPts val="0"/>
               </a:spcBef>
@@ -9517,7 +12485,10 @@
               <a:buNone/>
               <a:defRPr/>
             </a:lvl2pPr>
-            <a:lvl3pPr lvl="2">
+            <a:lvl3pPr lvl="2" algn="l">
+              <a:lnSpc>
+                <a:spcPct val="100000"/>
+              </a:lnSpc>
               <a:spcBef>
                 <a:spcPts val="0"/>
               </a:spcBef>
@@ -9528,7 +12499,10 @@
               <a:buNone/>
               <a:defRPr/>
             </a:lvl3pPr>
-            <a:lvl4pPr lvl="3">
+            <a:lvl4pPr lvl="3" algn="l">
+              <a:lnSpc>
+                <a:spcPct val="100000"/>
+              </a:lnSpc>
               <a:spcBef>
                 <a:spcPts val="0"/>
               </a:spcBef>
@@ -9539,7 +12513,10 @@
               <a:buNone/>
               <a:defRPr/>
             </a:lvl4pPr>
-            <a:lvl5pPr lvl="4">
+            <a:lvl5pPr lvl="4" algn="l">
+              <a:lnSpc>
+                <a:spcPct val="100000"/>
+              </a:lnSpc>
               <a:spcBef>
                 <a:spcPts val="0"/>
               </a:spcBef>
@@ -9550,7 +12527,10 @@
               <a:buNone/>
               <a:defRPr/>
             </a:lvl5pPr>
-            <a:lvl6pPr lvl="5">
+            <a:lvl6pPr lvl="5" algn="l">
+              <a:lnSpc>
+                <a:spcPct val="100000"/>
+              </a:lnSpc>
               <a:spcBef>
                 <a:spcPts val="0"/>
               </a:spcBef>
@@ -9561,7 +12541,10 @@
               <a:buNone/>
               <a:defRPr/>
             </a:lvl6pPr>
-            <a:lvl7pPr lvl="6">
+            <a:lvl7pPr lvl="6" algn="l">
+              <a:lnSpc>
+                <a:spcPct val="100000"/>
+              </a:lnSpc>
               <a:spcBef>
                 <a:spcPts val="0"/>
               </a:spcBef>
@@ -9572,7 +12555,10 @@
               <a:buNone/>
               <a:defRPr/>
             </a:lvl7pPr>
-            <a:lvl8pPr lvl="7">
+            <a:lvl8pPr lvl="7" algn="l">
+              <a:lnSpc>
+                <a:spcPct val="100000"/>
+              </a:lnSpc>
               <a:spcBef>
                 <a:spcPts val="0"/>
               </a:spcBef>
@@ -9583,7 +12569,10 @@
               <a:buNone/>
               <a:defRPr/>
             </a:lvl8pPr>
-            <a:lvl9pPr lvl="8">
+            <a:lvl9pPr lvl="8" algn="l">
+              <a:lnSpc>
+                <a:spcPct val="100000"/>
+              </a:lnSpc>
               <a:spcBef>
                 <a:spcPts val="0"/>
               </a:spcBef>
@@ -9805,6 +12794,9 @@
           </a:bodyPr>
           <a:lstStyle>
             <a:lvl1pPr lvl="0" algn="l">
+              <a:lnSpc>
+                <a:spcPct val="100000"/>
+              </a:lnSpc>
               <a:spcBef>
                 <a:spcPts val="0"/>
               </a:spcBef>
@@ -9816,6 +12808,9 @@
               <a:defRPr/>
             </a:lvl1pPr>
             <a:lvl2pPr lvl="1" algn="l">
+              <a:lnSpc>
+                <a:spcPct val="100000"/>
+              </a:lnSpc>
               <a:spcBef>
                 <a:spcPts val="0"/>
               </a:spcBef>
@@ -9827,6 +12822,9 @@
               <a:defRPr/>
             </a:lvl2pPr>
             <a:lvl3pPr lvl="2" algn="l">
+              <a:lnSpc>
+                <a:spcPct val="100000"/>
+              </a:lnSpc>
               <a:spcBef>
                 <a:spcPts val="0"/>
               </a:spcBef>
@@ -9838,6 +12836,9 @@
               <a:defRPr/>
             </a:lvl3pPr>
             <a:lvl4pPr lvl="3" algn="l">
+              <a:lnSpc>
+                <a:spcPct val="100000"/>
+              </a:lnSpc>
               <a:spcBef>
                 <a:spcPts val="0"/>
               </a:spcBef>
@@ -9849,6 +12850,9 @@
               <a:defRPr/>
             </a:lvl4pPr>
             <a:lvl5pPr lvl="4" algn="l">
+              <a:lnSpc>
+                <a:spcPct val="100000"/>
+              </a:lnSpc>
               <a:spcBef>
                 <a:spcPts val="0"/>
               </a:spcBef>
@@ -9860,6 +12864,9 @@
               <a:defRPr/>
             </a:lvl5pPr>
             <a:lvl6pPr lvl="5" algn="l">
+              <a:lnSpc>
+                <a:spcPct val="100000"/>
+              </a:lnSpc>
               <a:spcBef>
                 <a:spcPts val="0"/>
               </a:spcBef>
@@ -9871,6 +12878,9 @@
               <a:defRPr/>
             </a:lvl6pPr>
             <a:lvl7pPr lvl="6" algn="l">
+              <a:lnSpc>
+                <a:spcPct val="100000"/>
+              </a:lnSpc>
               <a:spcBef>
                 <a:spcPts val="0"/>
               </a:spcBef>
@@ -9882,6 +12892,9 @@
               <a:defRPr/>
             </a:lvl7pPr>
             <a:lvl8pPr lvl="7" algn="l">
+              <a:lnSpc>
+                <a:spcPct val="100000"/>
+              </a:lnSpc>
               <a:spcBef>
                 <a:spcPts val="0"/>
               </a:spcBef>
@@ -9893,6 +12906,9 @@
               <a:defRPr/>
             </a:lvl8pPr>
             <a:lvl9pPr lvl="8" algn="l">
+              <a:lnSpc>
+                <a:spcPct val="100000"/>
+              </a:lnSpc>
               <a:spcBef>
                 <a:spcPts val="0"/>
               </a:spcBef>
@@ -9934,6 +12950,9 @@
           </a:bodyPr>
           <a:lstStyle>
             <a:lvl1pPr lvl="0" algn="l">
+              <a:lnSpc>
+                <a:spcPct val="100000"/>
+              </a:lnSpc>
               <a:spcBef>
                 <a:spcPts val="0"/>
               </a:spcBef>
@@ -9945,6 +12964,9 @@
               <a:defRPr/>
             </a:lvl1pPr>
             <a:lvl2pPr lvl="1" algn="l">
+              <a:lnSpc>
+                <a:spcPct val="100000"/>
+              </a:lnSpc>
               <a:spcBef>
                 <a:spcPts val="0"/>
               </a:spcBef>
@@ -9956,6 +12978,9 @@
               <a:defRPr/>
             </a:lvl2pPr>
             <a:lvl3pPr lvl="2" algn="l">
+              <a:lnSpc>
+                <a:spcPct val="100000"/>
+              </a:lnSpc>
               <a:spcBef>
                 <a:spcPts val="0"/>
               </a:spcBef>
@@ -9967,6 +12992,9 @@
               <a:defRPr/>
             </a:lvl3pPr>
             <a:lvl4pPr lvl="3" algn="l">
+              <a:lnSpc>
+                <a:spcPct val="100000"/>
+              </a:lnSpc>
               <a:spcBef>
                 <a:spcPts val="0"/>
               </a:spcBef>
@@ -9978,6 +13006,9 @@
               <a:defRPr/>
             </a:lvl4pPr>
             <a:lvl5pPr lvl="4" algn="l">
+              <a:lnSpc>
+                <a:spcPct val="100000"/>
+              </a:lnSpc>
               <a:spcBef>
                 <a:spcPts val="0"/>
               </a:spcBef>
@@ -9989,6 +13020,9 @@
               <a:defRPr/>
             </a:lvl5pPr>
             <a:lvl6pPr lvl="5" algn="l">
+              <a:lnSpc>
+                <a:spcPct val="100000"/>
+              </a:lnSpc>
               <a:spcBef>
                 <a:spcPts val="0"/>
               </a:spcBef>
@@ -10000,6 +13034,9 @@
               <a:defRPr/>
             </a:lvl6pPr>
             <a:lvl7pPr lvl="6" algn="l">
+              <a:lnSpc>
+                <a:spcPct val="100000"/>
+              </a:lnSpc>
               <a:spcBef>
                 <a:spcPts val="0"/>
               </a:spcBef>
@@ -10011,6 +13048,9 @@
               <a:defRPr/>
             </a:lvl7pPr>
             <a:lvl8pPr lvl="7" algn="l">
+              <a:lnSpc>
+                <a:spcPct val="100000"/>
+              </a:lnSpc>
               <a:spcBef>
                 <a:spcPts val="0"/>
               </a:spcBef>
@@ -10022,6 +13062,9 @@
               <a:defRPr/>
             </a:lvl8pPr>
             <a:lvl9pPr lvl="8" algn="l">
+              <a:lnSpc>
+                <a:spcPct val="100000"/>
+              </a:lnSpc>
               <a:spcBef>
                 <a:spcPts val="0"/>
               </a:spcBef>
@@ -10062,68 +13105,239 @@
             <a:noAutofit/>
           </a:bodyPr>
           <a:lstStyle>
-            <a:lvl1pPr indent="0" lvl="0" marL="0" algn="r">
-              <a:spcBef>
-                <a:spcPts val="0"/>
-              </a:spcBef>
-              <a:buNone/>
-              <a:defRPr/>
+            <a:lvl1pPr indent="0" lvl="0" marL="0" marR="0" algn="r">
+              <a:lnSpc>
+                <a:spcPct val="100000"/>
+              </a:lnSpc>
+              <a:spcBef>
+                <a:spcPts val="0"/>
+              </a:spcBef>
+              <a:spcAft>
+                <a:spcPts val="0"/>
+              </a:spcAft>
+              <a:buClr>
+                <a:srgbClr val="000000"/>
+              </a:buClr>
+              <a:buSzPts val="2800"/>
+              <a:buFont typeface="Arial"/>
+              <a:buNone/>
+              <a:defRPr b="0" i="0" sz="2800" u="none" cap="none" strike="noStrike">
+                <a:solidFill>
+                  <a:schemeClr val="accent1"/>
+                </a:solidFill>
+                <a:latin typeface="Gill Sans"/>
+                <a:ea typeface="Gill Sans"/>
+                <a:cs typeface="Gill Sans"/>
+                <a:sym typeface="Gill Sans"/>
+              </a:defRPr>
             </a:lvl1pPr>
-            <a:lvl2pPr indent="0" lvl="1" marL="0" algn="r">
-              <a:spcBef>
-                <a:spcPts val="0"/>
-              </a:spcBef>
-              <a:buNone/>
-              <a:defRPr/>
+            <a:lvl2pPr indent="0" lvl="1" marL="0" marR="0" algn="r">
+              <a:lnSpc>
+                <a:spcPct val="100000"/>
+              </a:lnSpc>
+              <a:spcBef>
+                <a:spcPts val="0"/>
+              </a:spcBef>
+              <a:spcAft>
+                <a:spcPts val="0"/>
+              </a:spcAft>
+              <a:buClr>
+                <a:srgbClr val="000000"/>
+              </a:buClr>
+              <a:buSzPts val="2800"/>
+              <a:buFont typeface="Arial"/>
+              <a:buNone/>
+              <a:defRPr b="0" i="0" sz="2800" u="none" cap="none" strike="noStrike">
+                <a:solidFill>
+                  <a:schemeClr val="accent1"/>
+                </a:solidFill>
+                <a:latin typeface="Gill Sans"/>
+                <a:ea typeface="Gill Sans"/>
+                <a:cs typeface="Gill Sans"/>
+                <a:sym typeface="Gill Sans"/>
+              </a:defRPr>
             </a:lvl2pPr>
-            <a:lvl3pPr indent="0" lvl="2" marL="0" algn="r">
-              <a:spcBef>
-                <a:spcPts val="0"/>
-              </a:spcBef>
-              <a:buNone/>
-              <a:defRPr/>
+            <a:lvl3pPr indent="0" lvl="2" marL="0" marR="0" algn="r">
+              <a:lnSpc>
+                <a:spcPct val="100000"/>
+              </a:lnSpc>
+              <a:spcBef>
+                <a:spcPts val="0"/>
+              </a:spcBef>
+              <a:spcAft>
+                <a:spcPts val="0"/>
+              </a:spcAft>
+              <a:buClr>
+                <a:srgbClr val="000000"/>
+              </a:buClr>
+              <a:buSzPts val="2800"/>
+              <a:buFont typeface="Arial"/>
+              <a:buNone/>
+              <a:defRPr b="0" i="0" sz="2800" u="none" cap="none" strike="noStrike">
+                <a:solidFill>
+                  <a:schemeClr val="accent1"/>
+                </a:solidFill>
+                <a:latin typeface="Gill Sans"/>
+                <a:ea typeface="Gill Sans"/>
+                <a:cs typeface="Gill Sans"/>
+                <a:sym typeface="Gill Sans"/>
+              </a:defRPr>
             </a:lvl3pPr>
-            <a:lvl4pPr indent="0" lvl="3" marL="0" algn="r">
-              <a:spcBef>
-                <a:spcPts val="0"/>
-              </a:spcBef>
-              <a:buNone/>
-              <a:defRPr/>
+            <a:lvl4pPr indent="0" lvl="3" marL="0" marR="0" algn="r">
+              <a:lnSpc>
+                <a:spcPct val="100000"/>
+              </a:lnSpc>
+              <a:spcBef>
+                <a:spcPts val="0"/>
+              </a:spcBef>
+              <a:spcAft>
+                <a:spcPts val="0"/>
+              </a:spcAft>
+              <a:buClr>
+                <a:srgbClr val="000000"/>
+              </a:buClr>
+              <a:buSzPts val="2800"/>
+              <a:buFont typeface="Arial"/>
+              <a:buNone/>
+              <a:defRPr b="0" i="0" sz="2800" u="none" cap="none" strike="noStrike">
+                <a:solidFill>
+                  <a:schemeClr val="accent1"/>
+                </a:solidFill>
+                <a:latin typeface="Gill Sans"/>
+                <a:ea typeface="Gill Sans"/>
+                <a:cs typeface="Gill Sans"/>
+                <a:sym typeface="Gill Sans"/>
+              </a:defRPr>
             </a:lvl4pPr>
-            <a:lvl5pPr indent="0" lvl="4" marL="0" algn="r">
-              <a:spcBef>
-                <a:spcPts val="0"/>
-              </a:spcBef>
-              <a:buNone/>
-              <a:defRPr/>
+            <a:lvl5pPr indent="0" lvl="4" marL="0" marR="0" algn="r">
+              <a:lnSpc>
+                <a:spcPct val="100000"/>
+              </a:lnSpc>
+              <a:spcBef>
+                <a:spcPts val="0"/>
+              </a:spcBef>
+              <a:spcAft>
+                <a:spcPts val="0"/>
+              </a:spcAft>
+              <a:buClr>
+                <a:srgbClr val="000000"/>
+              </a:buClr>
+              <a:buSzPts val="2800"/>
+              <a:buFont typeface="Arial"/>
+              <a:buNone/>
+              <a:defRPr b="0" i="0" sz="2800" u="none" cap="none" strike="noStrike">
+                <a:solidFill>
+                  <a:schemeClr val="accent1"/>
+                </a:solidFill>
+                <a:latin typeface="Gill Sans"/>
+                <a:ea typeface="Gill Sans"/>
+                <a:cs typeface="Gill Sans"/>
+                <a:sym typeface="Gill Sans"/>
+              </a:defRPr>
             </a:lvl5pPr>
-            <a:lvl6pPr indent="0" lvl="5" marL="0" algn="r">
-              <a:spcBef>
-                <a:spcPts val="0"/>
-              </a:spcBef>
-              <a:buNone/>
-              <a:defRPr/>
+            <a:lvl6pPr indent="0" lvl="5" marL="0" marR="0" algn="r">
+              <a:lnSpc>
+                <a:spcPct val="100000"/>
+              </a:lnSpc>
+              <a:spcBef>
+                <a:spcPts val="0"/>
+              </a:spcBef>
+              <a:spcAft>
+                <a:spcPts val="0"/>
+              </a:spcAft>
+              <a:buClr>
+                <a:srgbClr val="000000"/>
+              </a:buClr>
+              <a:buSzPts val="2800"/>
+              <a:buFont typeface="Arial"/>
+              <a:buNone/>
+              <a:defRPr b="0" i="0" sz="2800" u="none" cap="none" strike="noStrike">
+                <a:solidFill>
+                  <a:schemeClr val="accent1"/>
+                </a:solidFill>
+                <a:latin typeface="Gill Sans"/>
+                <a:ea typeface="Gill Sans"/>
+                <a:cs typeface="Gill Sans"/>
+                <a:sym typeface="Gill Sans"/>
+              </a:defRPr>
             </a:lvl6pPr>
-            <a:lvl7pPr indent="0" lvl="6" marL="0" algn="r">
-              <a:spcBef>
-                <a:spcPts val="0"/>
-              </a:spcBef>
-              <a:buNone/>
-              <a:defRPr/>
+            <a:lvl7pPr indent="0" lvl="6" marL="0" marR="0" algn="r">
+              <a:lnSpc>
+                <a:spcPct val="100000"/>
+              </a:lnSpc>
+              <a:spcBef>
+                <a:spcPts val="0"/>
+              </a:spcBef>
+              <a:spcAft>
+                <a:spcPts val="0"/>
+              </a:spcAft>
+              <a:buClr>
+                <a:srgbClr val="000000"/>
+              </a:buClr>
+              <a:buSzPts val="2800"/>
+              <a:buFont typeface="Arial"/>
+              <a:buNone/>
+              <a:defRPr b="0" i="0" sz="2800" u="none" cap="none" strike="noStrike">
+                <a:solidFill>
+                  <a:schemeClr val="accent1"/>
+                </a:solidFill>
+                <a:latin typeface="Gill Sans"/>
+                <a:ea typeface="Gill Sans"/>
+                <a:cs typeface="Gill Sans"/>
+                <a:sym typeface="Gill Sans"/>
+              </a:defRPr>
             </a:lvl7pPr>
-            <a:lvl8pPr indent="0" lvl="7" marL="0" algn="r">
-              <a:spcBef>
-                <a:spcPts val="0"/>
-              </a:spcBef>
-              <a:buNone/>
-              <a:defRPr/>
+            <a:lvl8pPr indent="0" lvl="7" marL="0" marR="0" algn="r">
+              <a:lnSpc>
+                <a:spcPct val="100000"/>
+              </a:lnSpc>
+              <a:spcBef>
+                <a:spcPts val="0"/>
+              </a:spcBef>
+              <a:spcAft>
+                <a:spcPts val="0"/>
+              </a:spcAft>
+              <a:buClr>
+                <a:srgbClr val="000000"/>
+              </a:buClr>
+              <a:buSzPts val="2800"/>
+              <a:buFont typeface="Arial"/>
+              <a:buNone/>
+              <a:defRPr b="0" i="0" sz="2800" u="none" cap="none" strike="noStrike">
+                <a:solidFill>
+                  <a:schemeClr val="accent1"/>
+                </a:solidFill>
+                <a:latin typeface="Gill Sans"/>
+                <a:ea typeface="Gill Sans"/>
+                <a:cs typeface="Gill Sans"/>
+                <a:sym typeface="Gill Sans"/>
+              </a:defRPr>
             </a:lvl8pPr>
-            <a:lvl9pPr indent="0" lvl="8" marL="0" algn="r">
-              <a:spcBef>
-                <a:spcPts val="0"/>
-              </a:spcBef>
-              <a:buNone/>
-              <a:defRPr/>
+            <a:lvl9pPr indent="0" lvl="8" marL="0" marR="0" algn="r">
+              <a:lnSpc>
+                <a:spcPct val="100000"/>
+              </a:lnSpc>
+              <a:spcBef>
+                <a:spcPts val="0"/>
+              </a:spcBef>
+              <a:spcAft>
+                <a:spcPts val="0"/>
+              </a:spcAft>
+              <a:buClr>
+                <a:srgbClr val="000000"/>
+              </a:buClr>
+              <a:buSzPts val="2800"/>
+              <a:buFont typeface="Arial"/>
+              <a:buNone/>
+              <a:defRPr b="0" i="0" sz="2800" u="none" cap="none" strike="noStrike">
+                <a:solidFill>
+                  <a:schemeClr val="accent1"/>
+                </a:solidFill>
+                <a:latin typeface="Gill Sans"/>
+                <a:ea typeface="Gill Sans"/>
+                <a:cs typeface="Gill Sans"/>
+                <a:sym typeface="Gill Sans"/>
+              </a:defRPr>
             </a:lvl9pPr>
           </a:lstStyle>
           <a:p>
@@ -10250,19 +13464,35 @@
           </a:bodyPr>
           <a:lstStyle/>
           <a:p>
-            <a:pPr indent="0" lvl="0" marL="0" rtl="0" algn="l">
-              <a:spcBef>
-                <a:spcPts val="0"/>
-              </a:spcBef>
-              <a:spcAft>
-                <a:spcPts val="0"/>
-              </a:spcAft>
+            <a:pPr indent="0" lvl="0" marL="0" marR="0" rtl="0" algn="l">
+              <a:lnSpc>
+                <a:spcPct val="100000"/>
+              </a:lnSpc>
+              <a:spcBef>
+                <a:spcPts val="0"/>
+              </a:spcBef>
+              <a:spcAft>
+                <a:spcPts val="0"/>
+              </a:spcAft>
+              <a:buClr>
+                <a:srgbClr val="000000"/>
+              </a:buClr>
+              <a:buSzPts val="1400"/>
+              <a:buFont typeface="Arial"/>
               <a:buNone/>
             </a:pPr>
             <a:r>
               <a:t/>
             </a:r>
-            <a:endParaRPr/>
+            <a:endParaRPr b="0" i="0" sz="1400" u="none" cap="none" strike="noStrike">
+              <a:solidFill>
+                <a:srgbClr val="000000"/>
+              </a:solidFill>
+              <a:latin typeface="Arial"/>
+              <a:ea typeface="Arial"/>
+              <a:cs typeface="Arial"/>
+              <a:sym typeface="Arial"/>
+            </a:endParaRPr>
           </a:p>
         </p:txBody>
       </p:sp>
@@ -10345,93 +13575,213 @@
                 <a:sym typeface="Gill Sans"/>
               </a:defRPr>
             </a:lvl1pPr>
-            <a:lvl2pPr lvl="1">
-              <a:spcBef>
-                <a:spcPts val="0"/>
-              </a:spcBef>
-              <a:spcAft>
-                <a:spcPts val="0"/>
-              </a:spcAft>
-              <a:buSzPts val="1400"/>
-              <a:buNone/>
-              <a:defRPr sz="1800"/>
+            <a:lvl2pPr lvl="1" marR="0" rtl="0" algn="l">
+              <a:lnSpc>
+                <a:spcPct val="100000"/>
+              </a:lnSpc>
+              <a:spcBef>
+                <a:spcPts val="0"/>
+              </a:spcBef>
+              <a:spcAft>
+                <a:spcPts val="0"/>
+              </a:spcAft>
+              <a:buClr>
+                <a:srgbClr val="000000"/>
+              </a:buClr>
+              <a:buSzPts val="1400"/>
+              <a:buFont typeface="Arial"/>
+              <a:buNone/>
+              <a:defRPr b="0" i="0" sz="1800" u="none" cap="none" strike="noStrike">
+                <a:solidFill>
+                  <a:srgbClr val="000000"/>
+                </a:solidFill>
+                <a:latin typeface="Arial"/>
+                <a:ea typeface="Arial"/>
+                <a:cs typeface="Arial"/>
+                <a:sym typeface="Arial"/>
+              </a:defRPr>
             </a:lvl2pPr>
-            <a:lvl3pPr lvl="2">
-              <a:spcBef>
-                <a:spcPts val="0"/>
-              </a:spcBef>
-              <a:spcAft>
-                <a:spcPts val="0"/>
-              </a:spcAft>
-              <a:buSzPts val="1400"/>
-              <a:buNone/>
-              <a:defRPr sz="1800"/>
+            <a:lvl3pPr lvl="2" marR="0" rtl="0" algn="l">
+              <a:lnSpc>
+                <a:spcPct val="100000"/>
+              </a:lnSpc>
+              <a:spcBef>
+                <a:spcPts val="0"/>
+              </a:spcBef>
+              <a:spcAft>
+                <a:spcPts val="0"/>
+              </a:spcAft>
+              <a:buClr>
+                <a:srgbClr val="000000"/>
+              </a:buClr>
+              <a:buSzPts val="1400"/>
+              <a:buFont typeface="Arial"/>
+              <a:buNone/>
+              <a:defRPr b="0" i="0" sz="1800" u="none" cap="none" strike="noStrike">
+                <a:solidFill>
+                  <a:srgbClr val="000000"/>
+                </a:solidFill>
+                <a:latin typeface="Arial"/>
+                <a:ea typeface="Arial"/>
+                <a:cs typeface="Arial"/>
+                <a:sym typeface="Arial"/>
+              </a:defRPr>
             </a:lvl3pPr>
-            <a:lvl4pPr lvl="3">
-              <a:spcBef>
-                <a:spcPts val="0"/>
-              </a:spcBef>
-              <a:spcAft>
-                <a:spcPts val="0"/>
-              </a:spcAft>
-              <a:buSzPts val="1400"/>
-              <a:buNone/>
-              <a:defRPr sz="1800"/>
+            <a:lvl4pPr lvl="3" marR="0" rtl="0" algn="l">
+              <a:lnSpc>
+                <a:spcPct val="100000"/>
+              </a:lnSpc>
+              <a:spcBef>
+                <a:spcPts val="0"/>
+              </a:spcBef>
+              <a:spcAft>
+                <a:spcPts val="0"/>
+              </a:spcAft>
+              <a:buClr>
+                <a:srgbClr val="000000"/>
+              </a:buClr>
+              <a:buSzPts val="1400"/>
+              <a:buFont typeface="Arial"/>
+              <a:buNone/>
+              <a:defRPr b="0" i="0" sz="1800" u="none" cap="none" strike="noStrike">
+                <a:solidFill>
+                  <a:srgbClr val="000000"/>
+                </a:solidFill>
+                <a:latin typeface="Arial"/>
+                <a:ea typeface="Arial"/>
+                <a:cs typeface="Arial"/>
+                <a:sym typeface="Arial"/>
+              </a:defRPr>
             </a:lvl4pPr>
-            <a:lvl5pPr lvl="4">
-              <a:spcBef>
-                <a:spcPts val="0"/>
-              </a:spcBef>
-              <a:spcAft>
-                <a:spcPts val="0"/>
-              </a:spcAft>
-              <a:buSzPts val="1400"/>
-              <a:buNone/>
-              <a:defRPr sz="1800"/>
+            <a:lvl5pPr lvl="4" marR="0" rtl="0" algn="l">
+              <a:lnSpc>
+                <a:spcPct val="100000"/>
+              </a:lnSpc>
+              <a:spcBef>
+                <a:spcPts val="0"/>
+              </a:spcBef>
+              <a:spcAft>
+                <a:spcPts val="0"/>
+              </a:spcAft>
+              <a:buClr>
+                <a:srgbClr val="000000"/>
+              </a:buClr>
+              <a:buSzPts val="1400"/>
+              <a:buFont typeface="Arial"/>
+              <a:buNone/>
+              <a:defRPr b="0" i="0" sz="1800" u="none" cap="none" strike="noStrike">
+                <a:solidFill>
+                  <a:srgbClr val="000000"/>
+                </a:solidFill>
+                <a:latin typeface="Arial"/>
+                <a:ea typeface="Arial"/>
+                <a:cs typeface="Arial"/>
+                <a:sym typeface="Arial"/>
+              </a:defRPr>
             </a:lvl5pPr>
-            <a:lvl6pPr lvl="5">
-              <a:spcBef>
-                <a:spcPts val="0"/>
-              </a:spcBef>
-              <a:spcAft>
-                <a:spcPts val="0"/>
-              </a:spcAft>
-              <a:buSzPts val="1400"/>
-              <a:buNone/>
-              <a:defRPr sz="1800"/>
+            <a:lvl6pPr lvl="5" marR="0" rtl="0" algn="l">
+              <a:lnSpc>
+                <a:spcPct val="100000"/>
+              </a:lnSpc>
+              <a:spcBef>
+                <a:spcPts val="0"/>
+              </a:spcBef>
+              <a:spcAft>
+                <a:spcPts val="0"/>
+              </a:spcAft>
+              <a:buClr>
+                <a:srgbClr val="000000"/>
+              </a:buClr>
+              <a:buSzPts val="1400"/>
+              <a:buFont typeface="Arial"/>
+              <a:buNone/>
+              <a:defRPr b="0" i="0" sz="1800" u="none" cap="none" strike="noStrike">
+                <a:solidFill>
+                  <a:srgbClr val="000000"/>
+                </a:solidFill>
+                <a:latin typeface="Arial"/>
+                <a:ea typeface="Arial"/>
+                <a:cs typeface="Arial"/>
+                <a:sym typeface="Arial"/>
+              </a:defRPr>
             </a:lvl6pPr>
-            <a:lvl7pPr lvl="6">
-              <a:spcBef>
-                <a:spcPts val="0"/>
-              </a:spcBef>
-              <a:spcAft>
-                <a:spcPts val="0"/>
-              </a:spcAft>
-              <a:buSzPts val="1400"/>
-              <a:buNone/>
-              <a:defRPr sz="1800"/>
+            <a:lvl7pPr lvl="6" marR="0" rtl="0" algn="l">
+              <a:lnSpc>
+                <a:spcPct val="100000"/>
+              </a:lnSpc>
+              <a:spcBef>
+                <a:spcPts val="0"/>
+              </a:spcBef>
+              <a:spcAft>
+                <a:spcPts val="0"/>
+              </a:spcAft>
+              <a:buClr>
+                <a:srgbClr val="000000"/>
+              </a:buClr>
+              <a:buSzPts val="1400"/>
+              <a:buFont typeface="Arial"/>
+              <a:buNone/>
+              <a:defRPr b="0" i="0" sz="1800" u="none" cap="none" strike="noStrike">
+                <a:solidFill>
+                  <a:srgbClr val="000000"/>
+                </a:solidFill>
+                <a:latin typeface="Arial"/>
+                <a:ea typeface="Arial"/>
+                <a:cs typeface="Arial"/>
+                <a:sym typeface="Arial"/>
+              </a:defRPr>
             </a:lvl7pPr>
-            <a:lvl8pPr lvl="7">
-              <a:spcBef>
-                <a:spcPts val="0"/>
-              </a:spcBef>
-              <a:spcAft>
-                <a:spcPts val="0"/>
-              </a:spcAft>
-              <a:buSzPts val="1400"/>
-              <a:buNone/>
-              <a:defRPr sz="1800"/>
+            <a:lvl8pPr lvl="7" marR="0" rtl="0" algn="l">
+              <a:lnSpc>
+                <a:spcPct val="100000"/>
+              </a:lnSpc>
+              <a:spcBef>
+                <a:spcPts val="0"/>
+              </a:spcBef>
+              <a:spcAft>
+                <a:spcPts val="0"/>
+              </a:spcAft>
+              <a:buClr>
+                <a:srgbClr val="000000"/>
+              </a:buClr>
+              <a:buSzPts val="1400"/>
+              <a:buFont typeface="Arial"/>
+              <a:buNone/>
+              <a:defRPr b="0" i="0" sz="1800" u="none" cap="none" strike="noStrike">
+                <a:solidFill>
+                  <a:srgbClr val="000000"/>
+                </a:solidFill>
+                <a:latin typeface="Arial"/>
+                <a:ea typeface="Arial"/>
+                <a:cs typeface="Arial"/>
+                <a:sym typeface="Arial"/>
+              </a:defRPr>
             </a:lvl8pPr>
-            <a:lvl9pPr lvl="8">
-              <a:spcBef>
-                <a:spcPts val="0"/>
-              </a:spcBef>
-              <a:spcAft>
-                <a:spcPts val="0"/>
-              </a:spcAft>
-              <a:buSzPts val="1400"/>
-              <a:buNone/>
-              <a:defRPr sz="1800"/>
+            <a:lvl9pPr lvl="8" marR="0" rtl="0" algn="l">
+              <a:lnSpc>
+                <a:spcPct val="100000"/>
+              </a:lnSpc>
+              <a:spcBef>
+                <a:spcPts val="0"/>
+              </a:spcBef>
+              <a:spcAft>
+                <a:spcPts val="0"/>
+              </a:spcAft>
+              <a:buClr>
+                <a:srgbClr val="000000"/>
+              </a:buClr>
+              <a:buSzPts val="1400"/>
+              <a:buFont typeface="Arial"/>
+              <a:buNone/>
+              <a:defRPr b="0" i="0" sz="1800" u="none" cap="none" strike="noStrike">
+                <a:solidFill>
+                  <a:srgbClr val="000000"/>
+                </a:solidFill>
+                <a:latin typeface="Arial"/>
+                <a:ea typeface="Arial"/>
+                <a:cs typeface="Arial"/>
+                <a:sym typeface="Arial"/>
+              </a:defRPr>
             </a:lvl9pPr>
           </a:lstStyle>
           <a:p/>
@@ -10728,13 +14078,20 @@
           </a:bodyPr>
           <a:lstStyle>
             <a:lvl1pPr lvl="0" marR="0" rtl="0" algn="r">
-              <a:spcBef>
-                <a:spcPts val="0"/>
-              </a:spcBef>
-              <a:spcAft>
-                <a:spcPts val="0"/>
-              </a:spcAft>
-              <a:buSzPts val="1400"/>
+              <a:lnSpc>
+                <a:spcPct val="100000"/>
+              </a:lnSpc>
+              <a:spcBef>
+                <a:spcPts val="0"/>
+              </a:spcBef>
+              <a:spcAft>
+                <a:spcPts val="0"/>
+              </a:spcAft>
+              <a:buClr>
+                <a:srgbClr val="000000"/>
+              </a:buClr>
+              <a:buSzPts val="1400"/>
+              <a:buFont typeface="Arial"/>
               <a:buNone/>
               <a:defRPr b="0" i="0" sz="1000" u="none" cap="none" strike="noStrike">
                 <a:solidFill>
@@ -10747,13 +14104,20 @@
               </a:defRPr>
             </a:lvl1pPr>
             <a:lvl2pPr lvl="1" marR="0" rtl="0" algn="l">
-              <a:spcBef>
-                <a:spcPts val="0"/>
-              </a:spcBef>
-              <a:spcAft>
-                <a:spcPts val="0"/>
-              </a:spcAft>
-              <a:buSzPts val="1400"/>
+              <a:lnSpc>
+                <a:spcPct val="100000"/>
+              </a:lnSpc>
+              <a:spcBef>
+                <a:spcPts val="0"/>
+              </a:spcBef>
+              <a:spcAft>
+                <a:spcPts val="0"/>
+              </a:spcAft>
+              <a:buClr>
+                <a:srgbClr val="000000"/>
+              </a:buClr>
+              <a:buSzPts val="1400"/>
+              <a:buFont typeface="Arial"/>
               <a:buNone/>
               <a:defRPr b="0" i="0" sz="1800" u="none" cap="none" strike="noStrike">
                 <a:solidFill>
@@ -10766,13 +14130,20 @@
               </a:defRPr>
             </a:lvl2pPr>
             <a:lvl3pPr lvl="2" marR="0" rtl="0" algn="l">
-              <a:spcBef>
-                <a:spcPts val="0"/>
-              </a:spcBef>
-              <a:spcAft>
-                <a:spcPts val="0"/>
-              </a:spcAft>
-              <a:buSzPts val="1400"/>
+              <a:lnSpc>
+                <a:spcPct val="100000"/>
+              </a:lnSpc>
+              <a:spcBef>
+                <a:spcPts val="0"/>
+              </a:spcBef>
+              <a:spcAft>
+                <a:spcPts val="0"/>
+              </a:spcAft>
+              <a:buClr>
+                <a:srgbClr val="000000"/>
+              </a:buClr>
+              <a:buSzPts val="1400"/>
+              <a:buFont typeface="Arial"/>
               <a:buNone/>
               <a:defRPr b="0" i="0" sz="1800" u="none" cap="none" strike="noStrike">
                 <a:solidFill>
@@ -10785,13 +14156,20 @@
               </a:defRPr>
             </a:lvl3pPr>
             <a:lvl4pPr lvl="3" marR="0" rtl="0" algn="l">
-              <a:spcBef>
-                <a:spcPts val="0"/>
-              </a:spcBef>
-              <a:spcAft>
-                <a:spcPts val="0"/>
-              </a:spcAft>
-              <a:buSzPts val="1400"/>
+              <a:lnSpc>
+                <a:spcPct val="100000"/>
+              </a:lnSpc>
+              <a:spcBef>
+                <a:spcPts val="0"/>
+              </a:spcBef>
+              <a:spcAft>
+                <a:spcPts val="0"/>
+              </a:spcAft>
+              <a:buClr>
+                <a:srgbClr val="000000"/>
+              </a:buClr>
+              <a:buSzPts val="1400"/>
+              <a:buFont typeface="Arial"/>
               <a:buNone/>
               <a:defRPr b="0" i="0" sz="1800" u="none" cap="none" strike="noStrike">
                 <a:solidFill>
@@ -10804,13 +14182,20 @@
               </a:defRPr>
             </a:lvl4pPr>
             <a:lvl5pPr lvl="4" marR="0" rtl="0" algn="l">
-              <a:spcBef>
-                <a:spcPts val="0"/>
-              </a:spcBef>
-              <a:spcAft>
-                <a:spcPts val="0"/>
-              </a:spcAft>
-              <a:buSzPts val="1400"/>
+              <a:lnSpc>
+                <a:spcPct val="100000"/>
+              </a:lnSpc>
+              <a:spcBef>
+                <a:spcPts val="0"/>
+              </a:spcBef>
+              <a:spcAft>
+                <a:spcPts val="0"/>
+              </a:spcAft>
+              <a:buClr>
+                <a:srgbClr val="000000"/>
+              </a:buClr>
+              <a:buSzPts val="1400"/>
+              <a:buFont typeface="Arial"/>
               <a:buNone/>
               <a:defRPr b="0" i="0" sz="1800" u="none" cap="none" strike="noStrike">
                 <a:solidFill>
@@ -10823,13 +14208,20 @@
               </a:defRPr>
             </a:lvl5pPr>
             <a:lvl6pPr lvl="5" marR="0" rtl="0" algn="l">
-              <a:spcBef>
-                <a:spcPts val="0"/>
-              </a:spcBef>
-              <a:spcAft>
-                <a:spcPts val="0"/>
-              </a:spcAft>
-              <a:buSzPts val="1400"/>
+              <a:lnSpc>
+                <a:spcPct val="100000"/>
+              </a:lnSpc>
+              <a:spcBef>
+                <a:spcPts val="0"/>
+              </a:spcBef>
+              <a:spcAft>
+                <a:spcPts val="0"/>
+              </a:spcAft>
+              <a:buClr>
+                <a:srgbClr val="000000"/>
+              </a:buClr>
+              <a:buSzPts val="1400"/>
+              <a:buFont typeface="Arial"/>
               <a:buNone/>
               <a:defRPr b="0" i="0" sz="1800" u="none" cap="none" strike="noStrike">
                 <a:solidFill>
@@ -10842,13 +14234,20 @@
               </a:defRPr>
             </a:lvl6pPr>
             <a:lvl7pPr lvl="6" marR="0" rtl="0" algn="l">
-              <a:spcBef>
-                <a:spcPts val="0"/>
-              </a:spcBef>
-              <a:spcAft>
-                <a:spcPts val="0"/>
-              </a:spcAft>
-              <a:buSzPts val="1400"/>
+              <a:lnSpc>
+                <a:spcPct val="100000"/>
+              </a:lnSpc>
+              <a:spcBef>
+                <a:spcPts val="0"/>
+              </a:spcBef>
+              <a:spcAft>
+                <a:spcPts val="0"/>
+              </a:spcAft>
+              <a:buClr>
+                <a:srgbClr val="000000"/>
+              </a:buClr>
+              <a:buSzPts val="1400"/>
+              <a:buFont typeface="Arial"/>
               <a:buNone/>
               <a:defRPr b="0" i="0" sz="1800" u="none" cap="none" strike="noStrike">
                 <a:solidFill>
@@ -10861,13 +14260,20 @@
               </a:defRPr>
             </a:lvl7pPr>
             <a:lvl8pPr lvl="7" marR="0" rtl="0" algn="l">
-              <a:spcBef>
-                <a:spcPts val="0"/>
-              </a:spcBef>
-              <a:spcAft>
-                <a:spcPts val="0"/>
-              </a:spcAft>
-              <a:buSzPts val="1400"/>
+              <a:lnSpc>
+                <a:spcPct val="100000"/>
+              </a:lnSpc>
+              <a:spcBef>
+                <a:spcPts val="0"/>
+              </a:spcBef>
+              <a:spcAft>
+                <a:spcPts val="0"/>
+              </a:spcAft>
+              <a:buClr>
+                <a:srgbClr val="000000"/>
+              </a:buClr>
+              <a:buSzPts val="1400"/>
+              <a:buFont typeface="Arial"/>
               <a:buNone/>
               <a:defRPr b="0" i="0" sz="1800" u="none" cap="none" strike="noStrike">
                 <a:solidFill>
@@ -10880,13 +14286,20 @@
               </a:defRPr>
             </a:lvl8pPr>
             <a:lvl9pPr lvl="8" marR="0" rtl="0" algn="l">
-              <a:spcBef>
-                <a:spcPts val="0"/>
-              </a:spcBef>
-              <a:spcAft>
-                <a:spcPts val="0"/>
-              </a:spcAft>
-              <a:buSzPts val="1400"/>
+              <a:lnSpc>
+                <a:spcPct val="100000"/>
+              </a:lnSpc>
+              <a:spcBef>
+                <a:spcPts val="0"/>
+              </a:spcBef>
+              <a:spcAft>
+                <a:spcPts val="0"/>
+              </a:spcAft>
+              <a:buClr>
+                <a:srgbClr val="000000"/>
+              </a:buClr>
+              <a:buSzPts val="1400"/>
+              <a:buFont typeface="Arial"/>
               <a:buNone/>
               <a:defRPr b="0" i="0" sz="1800" u="none" cap="none" strike="noStrike">
                 <a:solidFill>
@@ -10929,13 +14342,20 @@
           </a:bodyPr>
           <a:lstStyle>
             <a:lvl1pPr lvl="0" marR="0" rtl="0" algn="l">
-              <a:spcBef>
-                <a:spcPts val="0"/>
-              </a:spcBef>
-              <a:spcAft>
-                <a:spcPts val="0"/>
-              </a:spcAft>
-              <a:buSzPts val="1400"/>
+              <a:lnSpc>
+                <a:spcPct val="100000"/>
+              </a:lnSpc>
+              <a:spcBef>
+                <a:spcPts val="0"/>
+              </a:spcBef>
+              <a:spcAft>
+                <a:spcPts val="0"/>
+              </a:spcAft>
+              <a:buClr>
+                <a:srgbClr val="000000"/>
+              </a:buClr>
+              <a:buSzPts val="1400"/>
+              <a:buFont typeface="Arial"/>
               <a:buNone/>
               <a:defRPr b="0" i="0" sz="1000" u="none" cap="none" strike="noStrike">
                 <a:solidFill>
@@ -10948,13 +14368,20 @@
               </a:defRPr>
             </a:lvl1pPr>
             <a:lvl2pPr lvl="1" marR="0" rtl="0" algn="l">
-              <a:spcBef>
-                <a:spcPts val="0"/>
-              </a:spcBef>
-              <a:spcAft>
-                <a:spcPts val="0"/>
-              </a:spcAft>
-              <a:buSzPts val="1400"/>
+              <a:lnSpc>
+                <a:spcPct val="100000"/>
+              </a:lnSpc>
+              <a:spcBef>
+                <a:spcPts val="0"/>
+              </a:spcBef>
+              <a:spcAft>
+                <a:spcPts val="0"/>
+              </a:spcAft>
+              <a:buClr>
+                <a:srgbClr val="000000"/>
+              </a:buClr>
+              <a:buSzPts val="1400"/>
+              <a:buFont typeface="Arial"/>
               <a:buNone/>
               <a:defRPr b="0" i="0" sz="1800" u="none" cap="none" strike="noStrike">
                 <a:solidFill>
@@ -10967,13 +14394,20 @@
               </a:defRPr>
             </a:lvl2pPr>
             <a:lvl3pPr lvl="2" marR="0" rtl="0" algn="l">
-              <a:spcBef>
-                <a:spcPts val="0"/>
-              </a:spcBef>
-              <a:spcAft>
-                <a:spcPts val="0"/>
-              </a:spcAft>
-              <a:buSzPts val="1400"/>
+              <a:lnSpc>
+                <a:spcPct val="100000"/>
+              </a:lnSpc>
+              <a:spcBef>
+                <a:spcPts val="0"/>
+              </a:spcBef>
+              <a:spcAft>
+                <a:spcPts val="0"/>
+              </a:spcAft>
+              <a:buClr>
+                <a:srgbClr val="000000"/>
+              </a:buClr>
+              <a:buSzPts val="1400"/>
+              <a:buFont typeface="Arial"/>
               <a:buNone/>
               <a:defRPr b="0" i="0" sz="1800" u="none" cap="none" strike="noStrike">
                 <a:solidFill>
@@ -10986,13 +14420,20 @@
               </a:defRPr>
             </a:lvl3pPr>
             <a:lvl4pPr lvl="3" marR="0" rtl="0" algn="l">
-              <a:spcBef>
-                <a:spcPts val="0"/>
-              </a:spcBef>
-              <a:spcAft>
-                <a:spcPts val="0"/>
-              </a:spcAft>
-              <a:buSzPts val="1400"/>
+              <a:lnSpc>
+                <a:spcPct val="100000"/>
+              </a:lnSpc>
+              <a:spcBef>
+                <a:spcPts val="0"/>
+              </a:spcBef>
+              <a:spcAft>
+                <a:spcPts val="0"/>
+              </a:spcAft>
+              <a:buClr>
+                <a:srgbClr val="000000"/>
+              </a:buClr>
+              <a:buSzPts val="1400"/>
+              <a:buFont typeface="Arial"/>
               <a:buNone/>
               <a:defRPr b="0" i="0" sz="1800" u="none" cap="none" strike="noStrike">
                 <a:solidFill>
@@ -11005,13 +14446,20 @@
               </a:defRPr>
             </a:lvl4pPr>
             <a:lvl5pPr lvl="4" marR="0" rtl="0" algn="l">
-              <a:spcBef>
-                <a:spcPts val="0"/>
-              </a:spcBef>
-              <a:spcAft>
-                <a:spcPts val="0"/>
-              </a:spcAft>
-              <a:buSzPts val="1400"/>
+              <a:lnSpc>
+                <a:spcPct val="100000"/>
+              </a:lnSpc>
+              <a:spcBef>
+                <a:spcPts val="0"/>
+              </a:spcBef>
+              <a:spcAft>
+                <a:spcPts val="0"/>
+              </a:spcAft>
+              <a:buClr>
+                <a:srgbClr val="000000"/>
+              </a:buClr>
+              <a:buSzPts val="1400"/>
+              <a:buFont typeface="Arial"/>
               <a:buNone/>
               <a:defRPr b="0" i="0" sz="1800" u="none" cap="none" strike="noStrike">
                 <a:solidFill>
@@ -11024,13 +14472,20 @@
               </a:defRPr>
             </a:lvl5pPr>
             <a:lvl6pPr lvl="5" marR="0" rtl="0" algn="l">
-              <a:spcBef>
-                <a:spcPts val="0"/>
-              </a:spcBef>
-              <a:spcAft>
-                <a:spcPts val="0"/>
-              </a:spcAft>
-              <a:buSzPts val="1400"/>
+              <a:lnSpc>
+                <a:spcPct val="100000"/>
+              </a:lnSpc>
+              <a:spcBef>
+                <a:spcPts val="0"/>
+              </a:spcBef>
+              <a:spcAft>
+                <a:spcPts val="0"/>
+              </a:spcAft>
+              <a:buClr>
+                <a:srgbClr val="000000"/>
+              </a:buClr>
+              <a:buSzPts val="1400"/>
+              <a:buFont typeface="Arial"/>
               <a:buNone/>
               <a:defRPr b="0" i="0" sz="1800" u="none" cap="none" strike="noStrike">
                 <a:solidFill>
@@ -11043,13 +14498,20 @@
               </a:defRPr>
             </a:lvl6pPr>
             <a:lvl7pPr lvl="6" marR="0" rtl="0" algn="l">
-              <a:spcBef>
-                <a:spcPts val="0"/>
-              </a:spcBef>
-              <a:spcAft>
-                <a:spcPts val="0"/>
-              </a:spcAft>
-              <a:buSzPts val="1400"/>
+              <a:lnSpc>
+                <a:spcPct val="100000"/>
+              </a:lnSpc>
+              <a:spcBef>
+                <a:spcPts val="0"/>
+              </a:spcBef>
+              <a:spcAft>
+                <a:spcPts val="0"/>
+              </a:spcAft>
+              <a:buClr>
+                <a:srgbClr val="000000"/>
+              </a:buClr>
+              <a:buSzPts val="1400"/>
+              <a:buFont typeface="Arial"/>
               <a:buNone/>
               <a:defRPr b="0" i="0" sz="1800" u="none" cap="none" strike="noStrike">
                 <a:solidFill>
@@ -11062,13 +14524,20 @@
               </a:defRPr>
             </a:lvl7pPr>
             <a:lvl8pPr lvl="7" marR="0" rtl="0" algn="l">
-              <a:spcBef>
-                <a:spcPts val="0"/>
-              </a:spcBef>
-              <a:spcAft>
-                <a:spcPts val="0"/>
-              </a:spcAft>
-              <a:buSzPts val="1400"/>
+              <a:lnSpc>
+                <a:spcPct val="100000"/>
+              </a:lnSpc>
+              <a:spcBef>
+                <a:spcPts val="0"/>
+              </a:spcBef>
+              <a:spcAft>
+                <a:spcPts val="0"/>
+              </a:spcAft>
+              <a:buClr>
+                <a:srgbClr val="000000"/>
+              </a:buClr>
+              <a:buSzPts val="1400"/>
+              <a:buFont typeface="Arial"/>
               <a:buNone/>
               <a:defRPr b="0" i="0" sz="1800" u="none" cap="none" strike="noStrike">
                 <a:solidFill>
@@ -11081,13 +14550,20 @@
               </a:defRPr>
             </a:lvl8pPr>
             <a:lvl9pPr lvl="8" marR="0" rtl="0" algn="l">
-              <a:spcBef>
-                <a:spcPts val="0"/>
-              </a:spcBef>
-              <a:spcAft>
-                <a:spcPts val="0"/>
-              </a:spcAft>
-              <a:buSzPts val="1400"/>
+              <a:lnSpc>
+                <a:spcPct val="100000"/>
+              </a:lnSpc>
+              <a:spcBef>
+                <a:spcPts val="0"/>
+              </a:spcBef>
+              <a:spcAft>
+                <a:spcPts val="0"/>
+              </a:spcAft>
+              <a:buClr>
+                <a:srgbClr val="000000"/>
+              </a:buClr>
+              <a:buSzPts val="1400"/>
+              <a:buFont typeface="Arial"/>
               <a:buNone/>
               <a:defRPr b="0" i="0" sz="1800" u="none" cap="none" strike="noStrike">
                 <a:solidFill>
@@ -11130,9 +14606,20 @@
           </a:bodyPr>
           <a:lstStyle>
             <a:lvl1pPr indent="0" lvl="0" marL="0" marR="0" rtl="0" algn="r">
-              <a:spcBef>
-                <a:spcPts val="0"/>
-              </a:spcBef>
+              <a:lnSpc>
+                <a:spcPct val="100000"/>
+              </a:lnSpc>
+              <a:spcBef>
+                <a:spcPts val="0"/>
+              </a:spcBef>
+              <a:spcAft>
+                <a:spcPts val="0"/>
+              </a:spcAft>
+              <a:buClr>
+                <a:srgbClr val="000000"/>
+              </a:buClr>
+              <a:buSzPts val="2800"/>
+              <a:buFont typeface="Arial"/>
               <a:buNone/>
               <a:defRPr b="0" i="0" sz="2800" u="none" cap="none" strike="noStrike">
                 <a:solidFill>
@@ -11145,9 +14632,20 @@
               </a:defRPr>
             </a:lvl1pPr>
             <a:lvl2pPr indent="0" lvl="1" marL="0" marR="0" rtl="0" algn="r">
-              <a:spcBef>
-                <a:spcPts val="0"/>
-              </a:spcBef>
+              <a:lnSpc>
+                <a:spcPct val="100000"/>
+              </a:lnSpc>
+              <a:spcBef>
+                <a:spcPts val="0"/>
+              </a:spcBef>
+              <a:spcAft>
+                <a:spcPts val="0"/>
+              </a:spcAft>
+              <a:buClr>
+                <a:srgbClr val="000000"/>
+              </a:buClr>
+              <a:buSzPts val="2800"/>
+              <a:buFont typeface="Arial"/>
               <a:buNone/>
               <a:defRPr b="0" i="0" sz="2800" u="none" cap="none" strike="noStrike">
                 <a:solidFill>
@@ -11160,9 +14658,20 @@
               </a:defRPr>
             </a:lvl2pPr>
             <a:lvl3pPr indent="0" lvl="2" marL="0" marR="0" rtl="0" algn="r">
-              <a:spcBef>
-                <a:spcPts val="0"/>
-              </a:spcBef>
+              <a:lnSpc>
+                <a:spcPct val="100000"/>
+              </a:lnSpc>
+              <a:spcBef>
+                <a:spcPts val="0"/>
+              </a:spcBef>
+              <a:spcAft>
+                <a:spcPts val="0"/>
+              </a:spcAft>
+              <a:buClr>
+                <a:srgbClr val="000000"/>
+              </a:buClr>
+              <a:buSzPts val="2800"/>
+              <a:buFont typeface="Arial"/>
               <a:buNone/>
               <a:defRPr b="0" i="0" sz="2800" u="none" cap="none" strike="noStrike">
                 <a:solidFill>
@@ -11175,9 +14684,20 @@
               </a:defRPr>
             </a:lvl3pPr>
             <a:lvl4pPr indent="0" lvl="3" marL="0" marR="0" rtl="0" algn="r">
-              <a:spcBef>
-                <a:spcPts val="0"/>
-              </a:spcBef>
+              <a:lnSpc>
+                <a:spcPct val="100000"/>
+              </a:lnSpc>
+              <a:spcBef>
+                <a:spcPts val="0"/>
+              </a:spcBef>
+              <a:spcAft>
+                <a:spcPts val="0"/>
+              </a:spcAft>
+              <a:buClr>
+                <a:srgbClr val="000000"/>
+              </a:buClr>
+              <a:buSzPts val="2800"/>
+              <a:buFont typeface="Arial"/>
               <a:buNone/>
               <a:defRPr b="0" i="0" sz="2800" u="none" cap="none" strike="noStrike">
                 <a:solidFill>
@@ -11190,9 +14710,20 @@
               </a:defRPr>
             </a:lvl4pPr>
             <a:lvl5pPr indent="0" lvl="4" marL="0" marR="0" rtl="0" algn="r">
-              <a:spcBef>
-                <a:spcPts val="0"/>
-              </a:spcBef>
+              <a:lnSpc>
+                <a:spcPct val="100000"/>
+              </a:lnSpc>
+              <a:spcBef>
+                <a:spcPts val="0"/>
+              </a:spcBef>
+              <a:spcAft>
+                <a:spcPts val="0"/>
+              </a:spcAft>
+              <a:buClr>
+                <a:srgbClr val="000000"/>
+              </a:buClr>
+              <a:buSzPts val="2800"/>
+              <a:buFont typeface="Arial"/>
               <a:buNone/>
               <a:defRPr b="0" i="0" sz="2800" u="none" cap="none" strike="noStrike">
                 <a:solidFill>
@@ -11205,9 +14736,20 @@
               </a:defRPr>
             </a:lvl5pPr>
             <a:lvl6pPr indent="0" lvl="5" marL="0" marR="0" rtl="0" algn="r">
-              <a:spcBef>
-                <a:spcPts val="0"/>
-              </a:spcBef>
+              <a:lnSpc>
+                <a:spcPct val="100000"/>
+              </a:lnSpc>
+              <a:spcBef>
+                <a:spcPts val="0"/>
+              </a:spcBef>
+              <a:spcAft>
+                <a:spcPts val="0"/>
+              </a:spcAft>
+              <a:buClr>
+                <a:srgbClr val="000000"/>
+              </a:buClr>
+              <a:buSzPts val="2800"/>
+              <a:buFont typeface="Arial"/>
               <a:buNone/>
               <a:defRPr b="0" i="0" sz="2800" u="none" cap="none" strike="noStrike">
                 <a:solidFill>
@@ -11220,9 +14762,20 @@
               </a:defRPr>
             </a:lvl6pPr>
             <a:lvl7pPr indent="0" lvl="6" marL="0" marR="0" rtl="0" algn="r">
-              <a:spcBef>
-                <a:spcPts val="0"/>
-              </a:spcBef>
+              <a:lnSpc>
+                <a:spcPct val="100000"/>
+              </a:lnSpc>
+              <a:spcBef>
+                <a:spcPts val="0"/>
+              </a:spcBef>
+              <a:spcAft>
+                <a:spcPts val="0"/>
+              </a:spcAft>
+              <a:buClr>
+                <a:srgbClr val="000000"/>
+              </a:buClr>
+              <a:buSzPts val="2800"/>
+              <a:buFont typeface="Arial"/>
               <a:buNone/>
               <a:defRPr b="0" i="0" sz="2800" u="none" cap="none" strike="noStrike">
                 <a:solidFill>
@@ -11235,9 +14788,20 @@
               </a:defRPr>
             </a:lvl7pPr>
             <a:lvl8pPr indent="0" lvl="7" marL="0" marR="0" rtl="0" algn="r">
-              <a:spcBef>
-                <a:spcPts val="0"/>
-              </a:spcBef>
+              <a:lnSpc>
+                <a:spcPct val="100000"/>
+              </a:lnSpc>
+              <a:spcBef>
+                <a:spcPts val="0"/>
+              </a:spcBef>
+              <a:spcAft>
+                <a:spcPts val="0"/>
+              </a:spcAft>
+              <a:buClr>
+                <a:srgbClr val="000000"/>
+              </a:buClr>
+              <a:buSzPts val="2800"/>
+              <a:buFont typeface="Arial"/>
               <a:buNone/>
               <a:defRPr b="0" i="0" sz="2800" u="none" cap="none" strike="noStrike">
                 <a:solidFill>
@@ -11250,9 +14814,20 @@
               </a:defRPr>
             </a:lvl8pPr>
             <a:lvl9pPr indent="0" lvl="8" marL="0" marR="0" rtl="0" algn="r">
-              <a:spcBef>
-                <a:spcPts val="0"/>
-              </a:spcBef>
+              <a:lnSpc>
+                <a:spcPct val="100000"/>
+              </a:lnSpc>
+              <a:spcBef>
+                <a:spcPts val="0"/>
+              </a:spcBef>
+              <a:spcAft>
+                <a:spcPts val="0"/>
+              </a:spcAft>
+              <a:buClr>
+                <a:srgbClr val="000000"/>
+              </a:buClr>
+              <a:buSzPts val="2800"/>
+              <a:buFont typeface="Arial"/>
               <a:buNone/>
               <a:defRPr b="0" i="0" sz="2800" u="none" cap="none" strike="noStrike">
                 <a:solidFill>
@@ -12575,6 +16150,137 @@
           <p:cNvPicPr preferRelativeResize="0"/>
           <p:nvPr/>
         </p:nvPicPr>
+        <p:blipFill rotWithShape="1">
+          <a:blip r:embed="rId3">
+            <a:alphaModFix/>
+          </a:blip>
+          <a:srcRect b="0" l="0" r="0" t="0"/>
+          <a:stretch/>
+        </p:blipFill>
+        <p:spPr>
+          <a:xfrm>
+            <a:off x="2347950" y="2015713"/>
+            <a:ext cx="7810500" cy="3238500"/>
+          </a:xfrm>
+          <a:prstGeom prst="rect">
+            <a:avLst/>
+          </a:prstGeom>
+          <a:noFill/>
+          <a:ln>
+            <a:noFill/>
+          </a:ln>
+        </p:spPr>
+      </p:pic>
+    </p:spTree>
+  </p:cSld>
+  <p:clrMapOvr>
+    <a:masterClrMapping/>
+  </p:clrMapOvr>
+</p:sld>
+</file>
+
+<file path=ppt/slides/slide5.xml><?xml version="1.0" encoding="utf-8"?>
+<p:sld xmlns:a="http://schemas.openxmlformats.org/drawingml/2006/main" xmlns:r="http://schemas.openxmlformats.org/officeDocument/2006/relationships" xmlns:mc="http://schemas.openxmlformats.org/markup-compatibility/2006" xmlns:mv="urn:schemas-microsoft-com:mac:vml" xmlns:p="http://schemas.openxmlformats.org/presentationml/2006/main" xmlns:c="http://schemas.openxmlformats.org/drawingml/2006/chart" xmlns:dgm="http://schemas.openxmlformats.org/drawingml/2006/diagram" xmlns:o="urn:schemas-microsoft-com:office:office" xmlns:v="urn:schemas-microsoft-com:vml" xmlns:pvml="urn:schemas-microsoft-com:office:powerpoint" xmlns:com="http://schemas.openxmlformats.org/drawingml/2006/compatibility" xmlns:p14="http://schemas.microsoft.com/office/powerpoint/2010/main" xmlns:p15="http://schemas.microsoft.com/office/powerpoint/2012/main" xmlns:ahyp="http://schemas.microsoft.com/office/drawing/2018/hyperlinkcolor">
+  <p:cSld>
+    <p:spTree>
+      <p:nvGrpSpPr>
+        <p:cNvPr id="130" name="Shape 130"/>
+        <p:cNvGrpSpPr/>
+        <p:nvPr/>
+      </p:nvGrpSpPr>
+      <p:grpSpPr>
+        <a:xfrm>
+          <a:off x="0" y="0"/>
+          <a:ext cx="0" cy="0"/>
+          <a:chOff x="0" y="0"/>
+          <a:chExt cx="0" cy="0"/>
+        </a:xfrm>
+      </p:grpSpPr>
+      <p:sp>
+        <p:nvSpPr>
+          <p:cNvPr id="131" name="Google Shape;131;p17"/>
+          <p:cNvSpPr txBox="1"/>
+          <p:nvPr>
+            <p:ph type="title"/>
+          </p:nvPr>
+        </p:nvSpPr>
+        <p:spPr>
+          <a:xfrm>
+            <a:off x="1451579" y="804519"/>
+            <a:ext cx="9603300" cy="1049100"/>
+          </a:xfrm>
+          <a:prstGeom prst="rect">
+            <a:avLst/>
+          </a:prstGeom>
+        </p:spPr>
+        <p:txBody>
+          <a:bodyPr anchorCtr="0" anchor="t" bIns="45700" lIns="91425" spcFirstLastPara="1" rIns="91425" wrap="square" tIns="45700">
+            <a:normAutofit/>
+          </a:bodyPr>
+          <a:lstStyle/>
+          <a:p>
+            <a:pPr indent="0" lvl="0" marL="0" rtl="0" algn="l">
+              <a:spcBef>
+                <a:spcPts val="0"/>
+              </a:spcBef>
+              <a:spcAft>
+                <a:spcPts val="0"/>
+              </a:spcAft>
+              <a:buNone/>
+            </a:pPr>
+            <a:r>
+              <a:rPr lang="es-ES"/>
+              <a:t>EJEMPLO</a:t>
+            </a:r>
+            <a:endParaRPr/>
+          </a:p>
+        </p:txBody>
+      </p:sp>
+      <p:sp>
+        <p:nvSpPr>
+          <p:cNvPr id="132" name="Google Shape;132;p17"/>
+          <p:cNvSpPr txBox="1"/>
+          <p:nvPr>
+            <p:ph idx="1" type="body"/>
+          </p:nvPr>
+        </p:nvSpPr>
+        <p:spPr>
+          <a:xfrm>
+            <a:off x="1451579" y="2015732"/>
+            <a:ext cx="9603300" cy="3450600"/>
+          </a:xfrm>
+          <a:prstGeom prst="rect">
+            <a:avLst/>
+          </a:prstGeom>
+        </p:spPr>
+        <p:txBody>
+          <a:bodyPr anchorCtr="0" anchor="t" bIns="45700" lIns="91425" spcFirstLastPara="1" rIns="91425" wrap="square" tIns="45700">
+            <a:normAutofit/>
+          </a:bodyPr>
+          <a:lstStyle/>
+          <a:p>
+            <a:pPr indent="0" lvl="0" marL="0" rtl="0" algn="l">
+              <a:spcBef>
+                <a:spcPts val="1000"/>
+              </a:spcBef>
+              <a:spcAft>
+                <a:spcPts val="0"/>
+              </a:spcAft>
+              <a:buNone/>
+            </a:pPr>
+            <a:r>
+              <a:t/>
+            </a:r>
+            <a:endParaRPr/>
+          </a:p>
+        </p:txBody>
+      </p:sp>
+      <p:pic>
+        <p:nvPicPr>
+          <p:cNvPr id="133" name="Google Shape;133;p17"/>
+          <p:cNvPicPr preferRelativeResize="0"/>
+          <p:nvPr/>
+        </p:nvPicPr>
         <p:blipFill>
           <a:blip r:embed="rId3">
             <a:alphaModFix/>
@@ -12585,8 +16291,8 @@
         </p:blipFill>
         <p:spPr>
           <a:xfrm>
-            <a:off x="2347950" y="2015713"/>
-            <a:ext cx="7810500" cy="3238500"/>
+            <a:off x="1774800" y="2576525"/>
+            <a:ext cx="9207901" cy="2002675"/>
           </a:xfrm>
           <a:prstGeom prst="rect">
             <a:avLst/>
